--- a/Slides/L10-12 Intermediate SQL.pptx
+++ b/Slides/L10-12 Intermediate SQL.pptx
@@ -16958,11 +16958,18 @@
               <a:t>Students(</a:t>
             </a:r>
             <a:r>
+              <a:rPr lang="en-US" b="1" u="sng">
+                <a:latin typeface="Helvetica Bold" charset="0"/>
+                <a:cs typeface="Helvetica Bold" charset="0"/>
+              </a:rPr>
+              <a:t>StudentId</a:t>
+            </a:r>
+            <a:r>
               <a:rPr lang="en-US" b="1">
                 <a:latin typeface="Helvetica Bold" charset="0"/>
                 <a:cs typeface="Helvetica Bold" charset="0"/>
               </a:rPr>
-              <a:t>StudentId (pk),</a:t>
+              <a:t>,</a:t>
             </a:r>
             <a:r>
               <a:rPr lang="en-US"/>
@@ -16977,13 +16984,20 @@
             <a:r>
               <a:rPr lang="en-US"/>
               <a:t>Courses (</a:t>
+            </a:r>
+            <a:r>
+              <a:rPr lang="en-US" b="1" u="sng">
+                <a:latin typeface="Helvetica Bold" charset="0"/>
+                <a:cs typeface="Helvetica Bold" charset="0"/>
+              </a:rPr>
+              <a:t>CourseId</a:t>
             </a:r>
             <a:r>
               <a:rPr lang="en-US" b="1">
                 <a:latin typeface="Helvetica Bold" charset="0"/>
                 <a:cs typeface="Helvetica Bold" charset="0"/>
               </a:rPr>
-              <a:t>CourseId (pk),</a:t>
+              <a:t>,</a:t>
             </a:r>
             <a:r>
               <a:rPr lang="en-US"/>

--- a/Slides/L10-12 Intermediate SQL.pptx
+++ b/Slides/L10-12 Intermediate SQL.pptx
@@ -8,7 +8,7 @@
     <p:notesMasterId r:id="rId4"/>
   </p:notesMasterIdLst>
   <p:handoutMasterIdLst>
-    <p:handoutMasterId r:id="rId65"/>
+    <p:handoutMasterId r:id="rId66"/>
   </p:handoutMasterIdLst>
   <p:sldIdLst>
     <p:sldId id="445" r:id="rId3"/>
@@ -55,23 +55,24 @@
     <p:sldId id="375" r:id="rId45"/>
     <p:sldId id="376" r:id="rId46"/>
     <p:sldId id="377" r:id="rId47"/>
-    <p:sldId id="378" r:id="rId48"/>
-    <p:sldId id="379" r:id="rId49"/>
-    <p:sldId id="380" r:id="rId50"/>
-    <p:sldId id="381" r:id="rId51"/>
-    <p:sldId id="382" r:id="rId52"/>
-    <p:sldId id="383" r:id="rId53"/>
-    <p:sldId id="384" r:id="rId54"/>
-    <p:sldId id="385" r:id="rId55"/>
-    <p:sldId id="462" r:id="rId56"/>
-    <p:sldId id="464" r:id="rId57"/>
-    <p:sldId id="465" r:id="rId58"/>
-    <p:sldId id="466" r:id="rId59"/>
-    <p:sldId id="467" r:id="rId60"/>
-    <p:sldId id="468" r:id="rId61"/>
-    <p:sldId id="469" r:id="rId62"/>
-    <p:sldId id="393" r:id="rId63"/>
-    <p:sldId id="394" r:id="rId64"/>
+    <p:sldId id="507" r:id="rId48"/>
+    <p:sldId id="378" r:id="rId49"/>
+    <p:sldId id="379" r:id="rId50"/>
+    <p:sldId id="380" r:id="rId51"/>
+    <p:sldId id="381" r:id="rId52"/>
+    <p:sldId id="382" r:id="rId53"/>
+    <p:sldId id="383" r:id="rId54"/>
+    <p:sldId id="384" r:id="rId55"/>
+    <p:sldId id="385" r:id="rId56"/>
+    <p:sldId id="462" r:id="rId57"/>
+    <p:sldId id="464" r:id="rId58"/>
+    <p:sldId id="465" r:id="rId59"/>
+    <p:sldId id="466" r:id="rId60"/>
+    <p:sldId id="467" r:id="rId61"/>
+    <p:sldId id="468" r:id="rId62"/>
+    <p:sldId id="469" r:id="rId63"/>
+    <p:sldId id="393" r:id="rId64"/>
+    <p:sldId id="394" r:id="rId65"/>
   </p:sldIdLst>
   <p:sldSz cx="9144000" cy="6858000" type="screen4x3"/>
   <p:notesSz cx="6997700" cy="9283700"/>
@@ -6295,18 +6296,6 @@
           <a:bodyPr/>
           <a:p>
             <a:pPr algn="l"/>
-            <a:r>
-              <a:rPr lang="en-US"/>
-              <a:t>1. Insertion into Underlying Table</a:t>
-            </a:r>
-            <a:endParaRPr lang="en-US"/>
-          </a:p>
-          <a:p>
-            <a:pPr algn="l"/>
-            <a:r>
-              <a:rPr lang="en-US"/>
-              <a:t>2. View Does Not Display the New Record</a:t>
-            </a:r>
             <a:endParaRPr lang="en-US"/>
           </a:p>
         </p:txBody>
@@ -20343,7 +20332,7 @@
               <a:rPr lang="en-US" altLang="en-US" sz="1700" dirty="0">
                 <a:cs typeface="+mn-cs"/>
               </a:rPr>
-              <a:t>Must have a  value for salary.</a:t>
+              <a:t>Must have a value for salary.</a:t>
             </a:r>
             <a:endParaRPr lang="en-US" altLang="en-US" sz="1700" dirty="0">
               <a:cs typeface="+mn-cs"/>
@@ -20889,6 +20878,38 @@
               <a:rPr lang="en-US" altLang="en-US" sz="1700" i="1" dirty="0"/>
               <a:t>?</a:t>
             </a:r>
+            <a:endParaRPr lang="en-US" altLang="en-US" sz="1700" i="1" dirty="0"/>
+          </a:p>
+          <a:p>
+            <a:pPr>
+              <a:buNone/>
+            </a:pPr>
+            <a:endParaRPr lang="en-US" altLang="en-US" sz="1700" dirty="0"/>
+          </a:p>
+          <a:p>
+            <a:pPr lvl="1" algn="l"/>
+            <a:r>
+              <a:rPr lang="en-US">
+                <a:sym typeface="+mn-ea"/>
+              </a:rPr>
+              <a:t>1. Insertion into Underlying Table</a:t>
+            </a:r>
+            <a:endParaRPr lang="en-US"/>
+          </a:p>
+          <a:p>
+            <a:pPr lvl="1" algn="l"/>
+            <a:r>
+              <a:rPr lang="en-US">
+                <a:sym typeface="+mn-ea"/>
+              </a:rPr>
+              <a:t>2. View Does Not Display the New Record</a:t>
+            </a:r>
+            <a:endParaRPr lang="en-US"/>
+          </a:p>
+          <a:p>
+            <a:pPr>
+              <a:buNone/>
+            </a:pPr>
             <a:endParaRPr lang="en-US" altLang="en-US" sz="1700" dirty="0"/>
           </a:p>
         </p:txBody>
@@ -20898,6 +20919,116 @@
   <p:clrMapOvr>
     <a:masterClrMapping/>
   </p:clrMapOvr>
+  <p:timing>
+    <p:tnLst>
+      <p:par>
+        <p:cTn id="1" dur="indefinite" restart="never" nodeType="tmRoot">
+          <p:childTnLst>
+            <p:seq concurrent="1" nextAc="seek">
+              <p:cTn id="2" dur="indefinite" nodeType="mainSeq">
+                <p:childTnLst>
+                  <p:par>
+                    <p:cTn id="3" fill="hold">
+                      <p:stCondLst>
+                        <p:cond delay="indefinite"/>
+                      </p:stCondLst>
+                      <p:childTnLst>
+                        <p:par>
+                          <p:cTn id="4" fill="hold">
+                            <p:stCondLst>
+                              <p:cond delay="0"/>
+                            </p:stCondLst>
+                            <p:childTnLst>
+                              <p:par>
+                                <p:cTn id="5" presetID="1" presetClass="entr" presetSubtype="0" fill="hold" nodeType="clickEffect">
+                                  <p:stCondLst>
+                                    <p:cond delay="0"/>
+                                  </p:stCondLst>
+                                  <p:childTnLst>
+                                    <p:set>
+                                      <p:cBhvr>
+                                        <p:cTn id="6" dur="1" fill="hold">
+                                          <p:stCondLst>
+                                            <p:cond delay="0"/>
+                                          </p:stCondLst>
+                                        </p:cTn>
+                                        <p:tgtEl>
+                                          <p:spTgt spid="54275">
+                                            <p:txEl>
+                                              <p:pRg st="5" end="5"/>
+                                            </p:txEl>
+                                          </p:spTgt>
+                                        </p:tgtEl>
+                                        <p:attrNameLst>
+                                          <p:attrName>style.visibility</p:attrName>
+                                        </p:attrNameLst>
+                                      </p:cBhvr>
+                                      <p:to>
+                                        <p:strVal val="visible"/>
+                                      </p:to>
+                                    </p:set>
+                                  </p:childTnLst>
+                                </p:cTn>
+                              </p:par>
+                              <p:par>
+                                <p:cTn id="7" presetID="1" presetClass="entr" presetSubtype="0" fill="hold" nodeType="withEffect">
+                                  <p:stCondLst>
+                                    <p:cond delay="0"/>
+                                  </p:stCondLst>
+                                  <p:childTnLst>
+                                    <p:set>
+                                      <p:cBhvr>
+                                        <p:cTn id="8" dur="1" fill="hold">
+                                          <p:stCondLst>
+                                            <p:cond delay="0"/>
+                                          </p:stCondLst>
+                                        </p:cTn>
+                                        <p:tgtEl>
+                                          <p:spTgt spid="54275">
+                                            <p:txEl>
+                                              <p:pRg st="6" end="6"/>
+                                            </p:txEl>
+                                          </p:spTgt>
+                                        </p:tgtEl>
+                                        <p:attrNameLst>
+                                          <p:attrName>style.visibility</p:attrName>
+                                        </p:attrNameLst>
+                                      </p:cBhvr>
+                                      <p:to>
+                                        <p:strVal val="visible"/>
+                                      </p:to>
+                                    </p:set>
+                                  </p:childTnLst>
+                                </p:cTn>
+                              </p:par>
+                            </p:childTnLst>
+                          </p:cTn>
+                        </p:par>
+                      </p:childTnLst>
+                    </p:cTn>
+                  </p:par>
+                </p:childTnLst>
+              </p:cTn>
+              <p:prevCondLst>
+                <p:cond evt="onPrev" delay="0">
+                  <p:tgtEl>
+                    <p:sldTgt/>
+                  </p:tgtEl>
+                </p:cond>
+              </p:prevCondLst>
+              <p:nextCondLst>
+                <p:cond evt="onNext" delay="0">
+                  <p:tgtEl>
+                    <p:sldTgt/>
+                  </p:tgtEl>
+                </p:cond>
+              </p:nextCondLst>
+            </p:seq>
+          </p:childTnLst>
+        </p:cTn>
+      </p:par>
+    </p:tnLst>
+  </p:timing>
 </p:sld>
 </file>
 
@@ -24195,13 +24326,51 @@
             </a:r>
             <a:r>
               <a:rPr lang="en-US" altLang="en-US" sz="1700" dirty="0"/>
-              <a:t>checking</a:t>
-            </a:r>
-            <a:endParaRPr lang="en-US" altLang="en-US" sz="1700" dirty="0"/>
+              <a:t>checking  -&gt; </a:t>
+            </a:r>
+            <a:r>
+              <a:rPr lang="en-US" altLang="en-US" sz="1700" b="1" dirty="0">
+                <a:solidFill>
+                  <a:schemeClr val="bg1">
+                    <a:lumMod val="50000"/>
+                  </a:schemeClr>
+                </a:solidFill>
+                <a:latin typeface="Helvetica Bold" charset="0"/>
+                <a:cs typeface="Helvetica Bold" charset="0"/>
+              </a:rPr>
+              <a:t>Order matters</a:t>
+            </a:r>
+            <a:r>
+              <a:rPr lang="en-US" altLang="en-US" sz="1700" dirty="0"/>
+              <a:t>, </a:t>
+            </a:r>
+            <a:r>
+              <a:rPr lang="en-US" altLang="en-US" sz="1700" dirty="0">
+                <a:solidFill>
+                  <a:schemeClr val="bg1">
+                    <a:lumMod val="50000"/>
+                  </a:schemeClr>
+                </a:solidFill>
+              </a:rPr>
+              <a:t>set foreign_key_checks=0/1</a:t>
+            </a:r>
+            <a:endParaRPr lang="en-US" altLang="en-US" sz="1700" dirty="0">
+              <a:solidFill>
+                <a:schemeClr val="bg1">
+                  <a:lumMod val="50000"/>
+                </a:schemeClr>
+              </a:solidFill>
+            </a:endParaRPr>
           </a:p>
           <a:p>
             <a:pPr lvl="1"/>
-            <a:endParaRPr lang="en-US" altLang="en-US" dirty="0"/>
+            <a:endParaRPr lang="en-US" altLang="en-US" sz="1700" dirty="0">
+              <a:solidFill>
+                <a:schemeClr val="bg1">
+                  <a:lumMod val="50000"/>
+                </a:schemeClr>
+              </a:solidFill>
+            </a:endParaRPr>
           </a:p>
         </p:txBody>
       </p:sp>
@@ -24222,19 +24391,12 @@
         <p:cNvGrpSpPr/>
         <p:nvPr/>
       </p:nvGrpSpPr>
-      <p:grpSpPr>
-        <a:xfrm>
-          <a:off x="0" y="0"/>
-          <a:ext cx="0" cy="0"/>
-          <a:chOff x="0" y="0"/>
-          <a:chExt cx="0" cy="0"/>
-        </a:xfrm>
-      </p:grpSpPr>
+      <p:grpSpPr/>
       <p:sp>
         <p:nvSpPr>
-          <p:cNvPr id="416770" name="Rectangle 2"/>
+          <p:cNvPr id="2" name="Title 1"/>
           <p:cNvSpPr>
-            <a:spLocks noGrp="1" noChangeArrowheads="1"/>
+            <a:spLocks noGrp="1"/>
           </p:cNvSpPr>
           <p:nvPr>
             <p:ph type="title"/>
@@ -24243,170 +24405,403 @@
         <p:spPr/>
         <p:txBody>
           <a:bodyPr/>
-          <a:lstStyle/>
-          <a:p>
-            <a:pPr>
-              <a:defRPr/>
-            </a:pPr>
-            <a:r>
-              <a:rPr lang="en-US" sz="2800" dirty="0">
-                <a:ea typeface="+mj-ea"/>
-              </a:rPr>
-              <a:t>Complex Check Conditions</a:t>
-            </a:r>
-            <a:endParaRPr lang="en-US" sz="2800" dirty="0">
-              <a:ea typeface="+mj-ea"/>
-            </a:endParaRPr>
+          <a:p>
+            <a:endParaRPr lang="en-US"/>
           </a:p>
         </p:txBody>
       </p:sp>
       <p:sp>
         <p:nvSpPr>
-          <p:cNvPr id="69635" name="Rectangle 3"/>
-          <p:cNvSpPr>
-            <a:spLocks noGrp="1" noChangeArrowheads="1"/>
-          </p:cNvSpPr>
-          <p:nvPr>
-            <p:ph type="body" idx="1"/>
-          </p:nvPr>
+          <p:cNvPr id="4" name="Text Box 3"/>
+          <p:cNvSpPr txBox="1"/>
+          <p:nvPr/>
         </p:nvSpPr>
         <p:spPr>
           <a:xfrm>
-            <a:off x="768350" y="1093789"/>
-            <a:ext cx="7534402" cy="4173156"/>
+            <a:off x="575945" y="3796665"/>
+            <a:ext cx="8269605" cy="2799715"/>
           </a:xfrm>
+          <a:prstGeom prst="rect">
+            <a:avLst/>
+          </a:prstGeom>
+          <a:noFill/>
         </p:spPr>
         <p:txBody>
-          <a:bodyPr/>
-          <a:lstStyle/>
-          <a:p>
-            <a:r>
-              <a:rPr lang="en-US" altLang="en-US" sz="1700" dirty="0"/>
-              <a:t>The predicate in the check clause can be an arbitrary predicate that can include a subquery.</a:t>
-            </a:r>
-            <a:endParaRPr lang="en-US" altLang="en-US" sz="1700" dirty="0"/>
-          </a:p>
-          <a:p>
-            <a:pPr>
-              <a:buNone/>
-            </a:pPr>
-            <a:r>
-              <a:rPr lang="en-US" altLang="en-US" sz="1700" b="1" dirty="0"/>
-              <a:t>          check </a:t>
-            </a:r>
-            <a:r>
-              <a:rPr lang="en-US" altLang="en-US" sz="1700" dirty="0"/>
-              <a:t>(</a:t>
-            </a:r>
-            <a:r>
-              <a:rPr lang="en-US" altLang="en-US" sz="1700" i="1" dirty="0" err="1"/>
-              <a:t>time_slot_id</a:t>
-            </a:r>
-            <a:r>
-              <a:rPr lang="en-US" altLang="en-US" sz="1700" i="1" dirty="0"/>
-              <a:t>  </a:t>
-            </a:r>
-            <a:r>
-              <a:rPr lang="en-US" altLang="en-US" sz="1700" b="1" dirty="0"/>
-              <a:t>in </a:t>
-            </a:r>
-            <a:r>
-              <a:rPr lang="en-US" altLang="en-US" sz="1700" dirty="0"/>
-              <a:t>(</a:t>
-            </a:r>
-            <a:r>
-              <a:rPr lang="en-US" altLang="en-US" sz="1700" b="1" dirty="0"/>
-              <a:t>select </a:t>
-            </a:r>
-            <a:r>
-              <a:rPr lang="en-US" altLang="en-US" sz="1700" i="1" dirty="0" err="1"/>
-              <a:t>time_slot_id</a:t>
-            </a:r>
-            <a:r>
-              <a:rPr lang="en-US" altLang="en-US" sz="1700" i="1" dirty="0"/>
+          <a:bodyPr wrap="square" rtlCol="0" anchor="t">
+            <a:spAutoFit/>
+          </a:bodyPr>
+          <a:p>
+            <a:r>
+              <a:rPr lang="en-US" b="1">
+                <a:latin typeface="Helvetica Bold" charset="0"/>
+                <a:cs typeface="Helvetica Bold" charset="0"/>
+                <a:sym typeface="+mn-ea"/>
+              </a:rPr>
+              <a:t>BEGIN;</a:t>
+            </a:r>
+            <a:endParaRPr lang="en-US" b="1">
+              <a:latin typeface="Helvetica Bold" charset="0"/>
+              <a:cs typeface="Helvetica Bold" charset="0"/>
+            </a:endParaRPr>
+          </a:p>
+          <a:p>
+            <a:r>
+              <a:rPr lang="en-US">
+                <a:sym typeface="+mn-ea"/>
+              </a:rPr>
+              <a:t>    INSERT INTO person (ID, name) VALUES ('005', 'Lila');</a:t>
+            </a:r>
+            <a:endParaRPr lang="en-US"/>
+          </a:p>
+          <a:p>
+            <a:r>
+              <a:rPr lang="en-US">
+                <a:sym typeface="+mn-ea"/>
+              </a:rPr>
+              <a:t>    INSERT INTO person (ID, name) VALUES ('006', 'Dawit');</a:t>
+            </a:r>
+            <a:endParaRPr lang="en-US"/>
+          </a:p>
+          <a:p>
+            <a:r>
+              <a:rPr lang="en-US">
+                <a:sym typeface="+mn-ea"/>
+              </a:rPr>
+              <a:t>    INSERT INTO person (ID, name, mother, father) VALUES ('007', 'Lillian', '005', '006');</a:t>
+            </a:r>
+            <a:endParaRPr lang="en-US"/>
+          </a:p>
+          <a:p>
+            <a:r>
+              <a:rPr lang="en-US" b="1">
+                <a:latin typeface="Helvetica Bold" charset="0"/>
+                <a:cs typeface="Helvetica Bold" charset="0"/>
+                <a:sym typeface="+mn-ea"/>
+              </a:rPr>
+              <a:t>COMMIT;</a:t>
+            </a:r>
+            <a:endParaRPr lang="en-US" b="1">
+              <a:latin typeface="Helvetica Bold" charset="0"/>
+              <a:cs typeface="Helvetica Bold" charset="0"/>
+              <a:sym typeface="+mn-ea"/>
+            </a:endParaRPr>
+          </a:p>
+          <a:p>
+            <a:r>
+              <a:rPr lang="en-US">
+                <a:sym typeface="+mn-ea"/>
+              </a:rPr>
               <a:t> </a:t>
             </a:r>
-            <a:r>
-              <a:rPr lang="en-US" altLang="en-US" sz="1700" b="1" dirty="0"/>
-              <a:t>from </a:t>
-            </a:r>
-            <a:r>
-              <a:rPr lang="en-US" altLang="en-US" sz="1700" i="1" dirty="0" err="1"/>
-              <a:t>time_slot</a:t>
-            </a:r>
-            <a:r>
-              <a:rPr lang="en-US" altLang="en-US" sz="1700" dirty="0"/>
-              <a:t>))</a:t>
-            </a:r>
-            <a:endParaRPr lang="en-US" altLang="en-US" sz="1700" dirty="0"/>
-          </a:p>
-          <a:p>
-            <a:pPr>
-              <a:buNone/>
-            </a:pPr>
-            <a:r>
-              <a:rPr lang="en-US" altLang="en-US" sz="1700" dirty="0"/>
-              <a:t>     The check condition states  that the  </a:t>
-            </a:r>
-            <a:r>
-              <a:rPr lang="en-US" altLang="en-US" sz="1700" dirty="0" err="1"/>
-              <a:t>time_slot_id</a:t>
-            </a:r>
-            <a:r>
-              <a:rPr lang="en-US" altLang="en-US" sz="1700" dirty="0"/>
-              <a:t> in each tuple in the </a:t>
-            </a:r>
-            <a:r>
-              <a:rPr lang="en-US" altLang="en-US" sz="1700" i="1" dirty="0"/>
-              <a:t>section</a:t>
-            </a:r>
-            <a:r>
-              <a:rPr lang="en-US" altLang="en-US" sz="1700" dirty="0"/>
-              <a:t>  relation is actually the identifier of a time slot in the </a:t>
-            </a:r>
-            <a:r>
-              <a:rPr lang="en-US" altLang="en-US" sz="1700" i="1" dirty="0" err="1"/>
-              <a:t>time_slot</a:t>
-            </a:r>
-            <a:r>
-              <a:rPr lang="en-US" altLang="en-US" sz="1700" dirty="0"/>
-              <a:t> relation.</a:t>
-            </a:r>
-            <a:endParaRPr lang="en-US" altLang="en-US" sz="1700" dirty="0"/>
-          </a:p>
-          <a:p>
-            <a:pPr lvl="1"/>
-            <a:r>
-              <a:rPr lang="en-US" altLang="en-US" sz="1700" dirty="0"/>
-              <a:t>The condition has to be checked not only when a tuple is inserted or modified in </a:t>
-            </a:r>
-            <a:r>
-              <a:rPr lang="en-US" altLang="en-US" sz="1700" i="1" dirty="0"/>
-              <a:t>section</a:t>
-            </a:r>
-            <a:r>
-              <a:rPr lang="en-US" altLang="en-US" sz="1700" dirty="0"/>
-              <a:t> , but also when the relation </a:t>
-            </a:r>
-            <a:r>
-              <a:rPr lang="en-US" altLang="en-US" sz="1700" i="1" dirty="0" err="1"/>
-              <a:t>time_slot</a:t>
-            </a:r>
-            <a:r>
-              <a:rPr lang="en-US" altLang="en-US" sz="1700" i="1" dirty="0"/>
-              <a:t> </a:t>
-            </a:r>
-            <a:r>
-              <a:rPr lang="en-US" altLang="en-US" sz="1700" dirty="0"/>
-              <a:t>changes </a:t>
-            </a:r>
-            <a:endParaRPr lang="en-US" altLang="en-US" sz="1700" dirty="0"/>
-          </a:p>
-          <a:p>
-            <a:pPr>
-              <a:buNone/>
-            </a:pPr>
-            <a:endParaRPr lang="en-US" altLang="en-US" sz="2000" dirty="0"/>
+            <a:endParaRPr lang="en-US"/>
+          </a:p>
+          <a:p>
+            <a:r>
+              <a:rPr lang="en-US" b="1">
+                <a:latin typeface="Helvetica Bold" charset="0"/>
+                <a:cs typeface="Helvetica Bold" charset="0"/>
+                <a:sym typeface="+mn-ea"/>
+              </a:rPr>
+              <a:t>SET foreign_key_checks </a:t>
+            </a:r>
+            <a:r>
+              <a:rPr lang="en-US" b="1">
+                <a:sym typeface="+mn-ea"/>
+              </a:rPr>
+              <a:t>= 0;</a:t>
+            </a:r>
+            <a:endParaRPr lang="en-US"/>
+          </a:p>
+          <a:p>
+            <a:r>
+              <a:rPr lang="en-US">
+                <a:sym typeface="+mn-ea"/>
+              </a:rPr>
+              <a:t>INSERT INTO person (ID, name, mother, father) VALUES ('009', 'Alice', '0010', '0011');</a:t>
+            </a:r>
+            <a:endParaRPr lang="en-US"/>
+          </a:p>
+          <a:p>
+            <a:r>
+              <a:rPr lang="en-US">
+                <a:sym typeface="+mn-ea"/>
+              </a:rPr>
+              <a:t>INSERT INTO person (ID, name) VALUES ('0010', 'Bob');</a:t>
+            </a:r>
+            <a:endParaRPr lang="en-US"/>
+          </a:p>
+          <a:p>
+            <a:r>
+              <a:rPr lang="en-US">
+                <a:sym typeface="+mn-ea"/>
+              </a:rPr>
+              <a:t>INSERT INTO person (ID, name) VALUES ('0011', 'Carol');</a:t>
+            </a:r>
+            <a:endParaRPr lang="en-US"/>
+          </a:p>
+          <a:p>
+            <a:r>
+              <a:rPr lang="en-US" b="1">
+                <a:latin typeface="Helvetica Bold" charset="0"/>
+                <a:cs typeface="Helvetica Bold" charset="0"/>
+                <a:sym typeface="+mn-ea"/>
+              </a:rPr>
+              <a:t>SET foreign_key_checks = 1;</a:t>
+            </a:r>
+            <a:endParaRPr lang="en-US" b="1">
+              <a:latin typeface="Helvetica Bold" charset="0"/>
+              <a:cs typeface="Helvetica Bold" charset="0"/>
+            </a:endParaRPr>
+          </a:p>
+        </p:txBody>
+      </p:sp>
+      <p:sp>
+        <p:nvSpPr>
+          <p:cNvPr id="5" name="Text Box 4"/>
+          <p:cNvSpPr txBox="1"/>
+          <p:nvPr/>
+        </p:nvSpPr>
+        <p:spPr>
+          <a:xfrm>
+            <a:off x="592455" y="923925"/>
+            <a:ext cx="8429625" cy="2676525"/>
+          </a:xfrm>
+          <a:prstGeom prst="rect">
+            <a:avLst/>
+          </a:prstGeom>
+          <a:noFill/>
+        </p:spPr>
+        <p:txBody>
+          <a:bodyPr wrap="square" rtlCol="0" anchor="t">
+            <a:spAutoFit/>
+          </a:bodyPr>
+          <a:p>
+            <a:r>
+              <a:rPr lang="en-US" sz="1400">
+                <a:sym typeface="+mn-ea"/>
+              </a:rPr>
+              <a:t>-- Insert father </a:t>
+            </a:r>
+            <a:endParaRPr lang="en-US" sz="1400"/>
+          </a:p>
+          <a:p>
+            <a:r>
+              <a:rPr lang="en-US" sz="1400" b="1">
+                <a:latin typeface="Helvetica Bold" charset="0"/>
+                <a:cs typeface="Helvetica Bold" charset="0"/>
+                <a:sym typeface="+mn-ea"/>
+              </a:rPr>
+              <a:t>INSERT INTO</a:t>
+            </a:r>
+            <a:r>
+              <a:rPr lang="en-US" sz="1400">
+                <a:sym typeface="+mn-ea"/>
+              </a:rPr>
+              <a:t> person (ID, name)</a:t>
+            </a:r>
+            <a:r>
+              <a:rPr lang="en-US" sz="1400" b="1">
+                <a:latin typeface="Helvetica Bold" charset="0"/>
+                <a:cs typeface="Helvetica Bold" charset="0"/>
+                <a:sym typeface="+mn-ea"/>
+              </a:rPr>
+              <a:t> VALUES</a:t>
+            </a:r>
+            <a:r>
+              <a:rPr lang="en-US" sz="1400">
+                <a:sym typeface="+mn-ea"/>
+              </a:rPr>
+              <a:t> ("001", "Urgessa");</a:t>
+            </a:r>
+            <a:endParaRPr lang="en-US" sz="1400"/>
+          </a:p>
+          <a:p>
+            <a:r>
+              <a:rPr lang="en-US" sz="1400">
+                <a:sym typeface="+mn-ea"/>
+              </a:rPr>
+              <a:t>#Insert Mother</a:t>
+            </a:r>
+            <a:endParaRPr lang="en-US" sz="1400"/>
+          </a:p>
+          <a:p>
+            <a:r>
+              <a:rPr lang="en-US" sz="1400" b="1">
+                <a:latin typeface="Helvetica Bold" charset="0"/>
+                <a:cs typeface="Helvetica Bold" charset="0"/>
+                <a:sym typeface="+mn-ea"/>
+              </a:rPr>
+              <a:t>INSERT INTO </a:t>
+            </a:r>
+            <a:r>
+              <a:rPr lang="en-US" sz="1400">
+                <a:sym typeface="+mn-ea"/>
+              </a:rPr>
+              <a:t>person (ID, name) </a:t>
+            </a:r>
+            <a:r>
+              <a:rPr lang="en-US" sz="1400" b="1">
+                <a:latin typeface="Helvetica Bold" charset="0"/>
+                <a:cs typeface="Helvetica Bold" charset="0"/>
+                <a:sym typeface="+mn-ea"/>
+              </a:rPr>
+              <a:t>VALUES</a:t>
+            </a:r>
+            <a:r>
+              <a:rPr lang="en-US" sz="1400">
+                <a:sym typeface="+mn-ea"/>
+              </a:rPr>
+              <a:t> ("002", "Yeshi");</a:t>
+            </a:r>
+            <a:endParaRPr lang="en-US" sz="1400"/>
+          </a:p>
+          <a:p>
+            <a:r>
+              <a:rPr lang="en-US" sz="1400">
+                <a:sym typeface="+mn-ea"/>
+              </a:rPr>
+              <a:t>-- Now Insert child</a:t>
+            </a:r>
+            <a:endParaRPr lang="en-US" sz="1400"/>
+          </a:p>
+          <a:p>
+            <a:r>
+              <a:rPr lang="en-US" sz="1400" b="1">
+                <a:latin typeface="Helvetica Bold" charset="0"/>
+                <a:cs typeface="Helvetica Bold" charset="0"/>
+                <a:sym typeface="+mn-ea"/>
+              </a:rPr>
+              <a:t>INSERT INTO </a:t>
+            </a:r>
+            <a:r>
+              <a:rPr lang="en-US" sz="1400">
+                <a:sym typeface="+mn-ea"/>
+              </a:rPr>
+              <a:t>person (ID, name, mother, father) </a:t>
+            </a:r>
+            <a:r>
+              <a:rPr lang="en-US" sz="1400" b="1">
+                <a:latin typeface="Helvetica Bold" charset="0"/>
+                <a:cs typeface="Helvetica Bold" charset="0"/>
+                <a:sym typeface="+mn-ea"/>
+              </a:rPr>
+              <a:t>VALUES</a:t>
+            </a:r>
+            <a:r>
+              <a:rPr lang="en-US" sz="1400">
+                <a:sym typeface="+mn-ea"/>
+              </a:rPr>
+              <a:t> ("003", "Nashu", "001", "002");</a:t>
+            </a:r>
+            <a:endParaRPr lang="en-US" sz="1400"/>
+          </a:p>
+          <a:p>
+            <a:endParaRPr lang="en-US" sz="1400"/>
+          </a:p>
+          <a:p>
+            <a:r>
+              <a:rPr lang="en-US" sz="1400">
+                <a:sym typeface="+mn-ea"/>
+              </a:rPr>
+              <a:t>/*Set Father and Mother to NULL Initially, Update After Inserting All Persons*/</a:t>
+            </a:r>
+            <a:endParaRPr lang="en-US" sz="1400"/>
+          </a:p>
+          <a:p>
+            <a:r>
+              <a:rPr lang="en-US" sz="1400">
+                <a:sym typeface="+mn-ea"/>
+              </a:rPr>
+              <a:t>-- Insert person without specifying parents</a:t>
+            </a:r>
+            <a:endParaRPr lang="en-US" sz="1400"/>
+          </a:p>
+          <a:p>
+            <a:r>
+              <a:rPr lang="en-US" sz="1400" b="1">
+                <a:latin typeface="Helvetica Bold" charset="0"/>
+                <a:cs typeface="Helvetica Bold" charset="0"/>
+                <a:sym typeface="+mn-ea"/>
+              </a:rPr>
+              <a:t>INSERT INTO </a:t>
+            </a:r>
+            <a:r>
+              <a:rPr lang="en-US" sz="1400">
+                <a:sym typeface="+mn-ea"/>
+              </a:rPr>
+              <a:t>person (ID, name) </a:t>
+            </a:r>
+            <a:r>
+              <a:rPr lang="en-US" sz="1400" b="1">
+                <a:latin typeface="Helvetica Bold" charset="0"/>
+                <a:cs typeface="Helvetica Bold" charset="0"/>
+                <a:sym typeface="+mn-ea"/>
+              </a:rPr>
+              <a:t>VALUES</a:t>
+            </a:r>
+            <a:r>
+              <a:rPr lang="en-US" sz="1400">
+                <a:sym typeface="+mn-ea"/>
+              </a:rPr>
+              <a:t> ('004', 'Baby Doe');</a:t>
+            </a:r>
+            <a:endParaRPr lang="en-US" sz="1400"/>
+          </a:p>
+          <a:p>
+            <a:r>
+              <a:rPr lang="en-US" sz="1400">
+                <a:sym typeface="+mn-ea"/>
+              </a:rPr>
+              <a:t>-- Update the record later when parents' data is available</a:t>
+            </a:r>
+            <a:endParaRPr lang="en-US" sz="1400"/>
+          </a:p>
+          <a:p>
+            <a:r>
+              <a:rPr lang="en-US" sz="1400" b="1">
+                <a:latin typeface="Helvetica Bold" charset="0"/>
+                <a:cs typeface="Helvetica Bold" charset="0"/>
+                <a:sym typeface="+mn-ea"/>
+              </a:rPr>
+              <a:t>UPDATE</a:t>
+            </a:r>
+            <a:r>
+              <a:rPr lang="en-US" sz="1400">
+                <a:sym typeface="+mn-ea"/>
+              </a:rPr>
+              <a:t> person </a:t>
+            </a:r>
+            <a:r>
+              <a:rPr lang="en-US" sz="1400" b="1">
+                <a:latin typeface="Helvetica Bold" charset="0"/>
+                <a:cs typeface="Helvetica Bold" charset="0"/>
+                <a:sym typeface="+mn-ea"/>
+              </a:rPr>
+              <a:t>SET </a:t>
+            </a:r>
+            <a:r>
+              <a:rPr lang="en-US" sz="1400">
+                <a:sym typeface="+mn-ea"/>
+              </a:rPr>
+              <a:t>father = '001', mother = '002' </a:t>
+            </a:r>
+            <a:r>
+              <a:rPr lang="en-US" sz="1400" b="1">
+                <a:latin typeface="Helvetica Bold" charset="0"/>
+                <a:cs typeface="Helvetica Bold" charset="0"/>
+                <a:sym typeface="+mn-ea"/>
+              </a:rPr>
+              <a:t>WHERE </a:t>
+            </a:r>
+            <a:r>
+              <a:rPr lang="en-US" sz="1400">
+                <a:sym typeface="+mn-ea"/>
+              </a:rPr>
+              <a:t>ID = '004';</a:t>
+            </a:r>
+            <a:endParaRPr lang="en-US" sz="1400">
+              <a:sym typeface="+mn-ea"/>
+            </a:endParaRPr>
           </a:p>
         </p:txBody>
       </p:sp>
@@ -24457,6 +24852,326 @@
               <a:rPr lang="en-US" sz="2800" dirty="0">
                 <a:ea typeface="+mj-ea"/>
               </a:rPr>
+              <a:t>Complex Check Conditions</a:t>
+            </a:r>
+            <a:endParaRPr lang="en-US" sz="2800" dirty="0">
+              <a:ea typeface="+mj-ea"/>
+            </a:endParaRPr>
+          </a:p>
+        </p:txBody>
+      </p:sp>
+      <p:sp>
+        <p:nvSpPr>
+          <p:cNvPr id="69635" name="Rectangle 3"/>
+          <p:cNvSpPr>
+            <a:spLocks noGrp="1" noChangeArrowheads="1"/>
+          </p:cNvSpPr>
+          <p:nvPr>
+            <p:ph type="body" idx="1"/>
+          </p:nvPr>
+        </p:nvSpPr>
+        <p:spPr>
+          <a:xfrm>
+            <a:off x="768350" y="1093789"/>
+            <a:ext cx="7534402" cy="4173156"/>
+          </a:xfrm>
+        </p:spPr>
+        <p:txBody>
+          <a:bodyPr/>
+          <a:lstStyle/>
+          <a:p>
+            <a:r>
+              <a:rPr lang="en-US" altLang="en-US" sz="1700" dirty="0"/>
+              <a:t>The predicate in the check clause can be an arbitrary predicate that can include a subquery.</a:t>
+            </a:r>
+            <a:endParaRPr lang="en-US" altLang="en-US" sz="1700" dirty="0"/>
+          </a:p>
+          <a:p>
+            <a:pPr>
+              <a:buNone/>
+            </a:pPr>
+            <a:r>
+              <a:rPr lang="en-US" altLang="en-US" sz="1700" b="1" dirty="0"/>
+              <a:t>          check </a:t>
+            </a:r>
+            <a:r>
+              <a:rPr lang="en-US" altLang="en-US" sz="1700" dirty="0"/>
+              <a:t>(</a:t>
+            </a:r>
+            <a:r>
+              <a:rPr lang="en-US" altLang="en-US" sz="1700" i="1" dirty="0" err="1"/>
+              <a:t>time_slot_id</a:t>
+            </a:r>
+            <a:r>
+              <a:rPr lang="en-US" altLang="en-US" sz="1700" i="1" dirty="0"/>
+              <a:t>  </a:t>
+            </a:r>
+            <a:r>
+              <a:rPr lang="en-US" altLang="en-US" sz="1700" b="1" dirty="0"/>
+              <a:t>in </a:t>
+            </a:r>
+            <a:r>
+              <a:rPr lang="en-US" altLang="en-US" sz="1700" dirty="0"/>
+              <a:t>(</a:t>
+            </a:r>
+            <a:r>
+              <a:rPr lang="en-US" altLang="en-US" sz="1700" b="1" dirty="0"/>
+              <a:t>select </a:t>
+            </a:r>
+            <a:r>
+              <a:rPr lang="en-US" altLang="en-US" sz="1700" i="1" dirty="0" err="1"/>
+              <a:t>time_slot_id</a:t>
+            </a:r>
+            <a:r>
+              <a:rPr lang="en-US" altLang="en-US" sz="1700" i="1" dirty="0"/>
+              <a:t> </a:t>
+            </a:r>
+            <a:r>
+              <a:rPr lang="en-US" altLang="en-US" sz="1700" b="1" dirty="0"/>
+              <a:t>from </a:t>
+            </a:r>
+            <a:r>
+              <a:rPr lang="en-US" altLang="en-US" sz="1700" i="1" dirty="0" err="1"/>
+              <a:t>time_slot</a:t>
+            </a:r>
+            <a:r>
+              <a:rPr lang="en-US" altLang="en-US" sz="1700" dirty="0"/>
+              <a:t>))</a:t>
+            </a:r>
+            <a:endParaRPr lang="en-US" altLang="en-US" sz="1700" dirty="0"/>
+          </a:p>
+          <a:p>
+            <a:pPr>
+              <a:buNone/>
+            </a:pPr>
+            <a:r>
+              <a:rPr lang="en-US" altLang="en-US" sz="1700" dirty="0"/>
+              <a:t>     The check condition states  that the  </a:t>
+            </a:r>
+            <a:r>
+              <a:rPr lang="en-US" altLang="en-US" sz="1700" dirty="0" err="1"/>
+              <a:t>time_slot_id</a:t>
+            </a:r>
+            <a:r>
+              <a:rPr lang="en-US" altLang="en-US" sz="1700" dirty="0"/>
+              <a:t> in each tuple in the </a:t>
+            </a:r>
+            <a:r>
+              <a:rPr lang="en-US" altLang="en-US" sz="1700" i="1" dirty="0"/>
+              <a:t>section</a:t>
+            </a:r>
+            <a:r>
+              <a:rPr lang="en-US" altLang="en-US" sz="1700" dirty="0"/>
+              <a:t> relation is actually the identifier of a time slot in the </a:t>
+            </a:r>
+            <a:r>
+              <a:rPr lang="en-US" altLang="en-US" sz="1700" i="1" dirty="0" err="1"/>
+              <a:t>time_slot</a:t>
+            </a:r>
+            <a:r>
+              <a:rPr lang="en-US" altLang="en-US" sz="1700" dirty="0"/>
+              <a:t> relation.</a:t>
+            </a:r>
+            <a:endParaRPr lang="en-US" altLang="en-US" sz="1700" dirty="0"/>
+          </a:p>
+          <a:p>
+            <a:pPr lvl="1"/>
+            <a:r>
+              <a:rPr lang="en-US" altLang="en-US" sz="1700" dirty="0"/>
+              <a:t>The condition has to be checked not only when a tuple is inserted or modified in </a:t>
+            </a:r>
+            <a:r>
+              <a:rPr lang="en-US" altLang="en-US" sz="1700" i="1" dirty="0"/>
+              <a:t>section</a:t>
+            </a:r>
+            <a:r>
+              <a:rPr lang="en-US" altLang="en-US" sz="1700" dirty="0"/>
+              <a:t> , but also when the relation </a:t>
+            </a:r>
+            <a:r>
+              <a:rPr lang="en-US" altLang="en-US" sz="1700" i="1" dirty="0" err="1"/>
+              <a:t>time_slot</a:t>
+            </a:r>
+            <a:r>
+              <a:rPr lang="en-US" altLang="en-US" sz="1700" i="1" dirty="0"/>
+              <a:t> </a:t>
+            </a:r>
+            <a:r>
+              <a:rPr lang="en-US" altLang="en-US" sz="1700" dirty="0"/>
+              <a:t>changes </a:t>
+            </a:r>
+            <a:endParaRPr lang="en-US" altLang="en-US" sz="1700" dirty="0"/>
+          </a:p>
+          <a:p>
+            <a:pPr>
+              <a:buNone/>
+            </a:pPr>
+            <a:endParaRPr lang="en-US" altLang="en-US" sz="2000" dirty="0"/>
+          </a:p>
+        </p:txBody>
+      </p:sp>
+      <p:sp>
+        <p:nvSpPr>
+          <p:cNvPr id="2" name="Text Box 1"/>
+          <p:cNvSpPr txBox="1"/>
+          <p:nvPr/>
+        </p:nvSpPr>
+        <p:spPr>
+          <a:xfrm>
+            <a:off x="768350" y="3841115"/>
+            <a:ext cx="8077835" cy="2061210"/>
+          </a:xfrm>
+          <a:prstGeom prst="rect">
+            <a:avLst/>
+          </a:prstGeom>
+          <a:noFill/>
+        </p:spPr>
+        <p:txBody>
+          <a:bodyPr wrap="square" rtlCol="0" anchor="t">
+            <a:spAutoFit/>
+          </a:bodyPr>
+          <a:p>
+            <a:r>
+              <a:rPr lang="en-US"/>
+              <a:t>Changes in the </a:t>
+            </a:r>
+            <a:r>
+              <a:rPr lang="en-US" b="1">
+                <a:latin typeface="Helvetica Bold" charset="0"/>
+                <a:cs typeface="Helvetica Bold" charset="0"/>
+              </a:rPr>
+              <a:t>Reference Table:</a:t>
+            </a:r>
+            <a:r>
+              <a:rPr lang="en-US"/>
+              <a:t> The condition must also be checked when changes occur in the </a:t>
+            </a:r>
+            <a:r>
+              <a:rPr lang="en-US" b="1">
+                <a:latin typeface="Helvetica Bold" charset="0"/>
+                <a:cs typeface="Helvetica Bold" charset="0"/>
+              </a:rPr>
+              <a:t>time_slot </a:t>
+            </a:r>
+            <a:r>
+              <a:rPr lang="en-US"/>
+              <a:t>table. If a </a:t>
+            </a:r>
+            <a:r>
+              <a:rPr lang="en-US" b="1">
+                <a:latin typeface="Helvetica Bold" charset="0"/>
+                <a:cs typeface="Helvetica Bold" charset="0"/>
+              </a:rPr>
+              <a:t>time_slot_id </a:t>
+            </a:r>
+            <a:r>
+              <a:rPr lang="en-US"/>
+              <a:t>is deleted from the </a:t>
+            </a:r>
+            <a:r>
+              <a:rPr lang="en-US" b="1">
+                <a:latin typeface="Helvetica Bold" charset="0"/>
+                <a:cs typeface="Helvetica Bold" charset="0"/>
+              </a:rPr>
+              <a:t>time_slot</a:t>
+            </a:r>
+            <a:r>
+              <a:rPr lang="en-US"/>
+              <a:t> table, it must be ensured that no records in the section table continue to reference that</a:t>
+            </a:r>
+            <a:r>
+              <a:rPr lang="en-US" b="1">
+                <a:latin typeface="Helvetica Bold" charset="0"/>
+                <a:cs typeface="Helvetica Bold" charset="0"/>
+              </a:rPr>
+              <a:t> time_slot_id</a:t>
+            </a:r>
+            <a:r>
+              <a:rPr lang="en-US"/>
+              <a:t>. </a:t>
+            </a:r>
+            <a:endParaRPr lang="en-US"/>
+          </a:p>
+          <a:p>
+            <a:endParaRPr lang="en-US"/>
+          </a:p>
+          <a:p>
+            <a:pPr marL="285750" indent="-285750">
+              <a:buFont typeface="Wingdings" panose="05000000000000000000" charset="0"/>
+              <a:buChar char=""/>
+            </a:pPr>
+            <a:r>
+              <a:rPr lang="en-US"/>
+              <a:t>This is more complex because it requires maintaining the integrity of the section table not only based on its own changes but also based on the changes in the time_slot table. </a:t>
+            </a:r>
+            <a:endParaRPr lang="en-US"/>
+          </a:p>
+          <a:p>
+            <a:pPr marL="285750" indent="-285750">
+              <a:buFont typeface="Wingdings" panose="05000000000000000000" charset="0"/>
+              <a:buChar char=""/>
+            </a:pPr>
+            <a:r>
+              <a:rPr lang="en-US" b="1">
+                <a:latin typeface="Helvetica Bold" charset="0"/>
+                <a:cs typeface="Helvetica Bold" charset="0"/>
+              </a:rPr>
+              <a:t>Not Suppoerted by MySQL / use foreignkey references instead.</a:t>
+            </a:r>
+            <a:endParaRPr lang="en-US" b="1">
+              <a:latin typeface="Helvetica Bold" charset="0"/>
+              <a:cs typeface="Helvetica Bold" charset="0"/>
+            </a:endParaRPr>
+          </a:p>
+        </p:txBody>
+      </p:sp>
+    </p:spTree>
+  </p:cSld>
+  <p:clrMapOvr>
+    <a:masterClrMapping/>
+  </p:clrMapOvr>
+</p:sld>
+</file>
+
+<file path=ppt/slides/slide47.xml><?xml version="1.0" encoding="utf-8"?>
+<p:sld xmlns:a="http://schemas.openxmlformats.org/drawingml/2006/main" xmlns:r="http://schemas.openxmlformats.org/officeDocument/2006/relationships" xmlns:p="http://schemas.openxmlformats.org/presentationml/2006/main">
+  <p:cSld>
+    <p:spTree>
+      <p:nvGrpSpPr>
+        <p:cNvPr id="1" name=""/>
+        <p:cNvGrpSpPr/>
+        <p:nvPr/>
+      </p:nvGrpSpPr>
+      <p:grpSpPr>
+        <a:xfrm>
+          <a:off x="0" y="0"/>
+          <a:ext cx="0" cy="0"/>
+          <a:chOff x="0" y="0"/>
+          <a:chExt cx="0" cy="0"/>
+        </a:xfrm>
+      </p:grpSpPr>
+      <p:sp>
+        <p:nvSpPr>
+          <p:cNvPr id="416770" name="Rectangle 2"/>
+          <p:cNvSpPr>
+            <a:spLocks noGrp="1" noChangeArrowheads="1"/>
+          </p:cNvSpPr>
+          <p:nvPr>
+            <p:ph type="title"/>
+          </p:nvPr>
+        </p:nvSpPr>
+        <p:spPr/>
+        <p:txBody>
+          <a:bodyPr/>
+          <a:lstStyle/>
+          <a:p>
+            <a:pPr>
+              <a:defRPr/>
+            </a:pPr>
+            <a:r>
+              <a:rPr lang="en-US" sz="2800" dirty="0">
+                <a:ea typeface="+mj-ea"/>
+              </a:rPr>
               <a:t>Assertions</a:t>
             </a:r>
             <a:endParaRPr lang="en-US" sz="2800" dirty="0">
@@ -24586,6 +25301,186 @@
           </a:p>
         </p:txBody>
       </p:sp>
+      <p:sp>
+        <p:nvSpPr>
+          <p:cNvPr id="2" name="Text Box 1"/>
+          <p:cNvSpPr txBox="1"/>
+          <p:nvPr/>
+        </p:nvSpPr>
+        <p:spPr>
+          <a:xfrm>
+            <a:off x="1329055" y="4304665"/>
+            <a:ext cx="6955155" cy="2306955"/>
+          </a:xfrm>
+          <a:prstGeom prst="rect">
+            <a:avLst/>
+          </a:prstGeom>
+          <a:noFill/>
+        </p:spPr>
+        <p:txBody>
+          <a:bodyPr wrap="square" rtlCol="0" anchor="t">
+            <a:spAutoFit/>
+          </a:bodyPr>
+          <a:p>
+            <a:r>
+              <a:rPr lang="en-US" b="1">
+                <a:latin typeface="Helvetica Bold" charset="0"/>
+                <a:cs typeface="Helvetica Bold" charset="0"/>
+              </a:rPr>
+              <a:t>CREATE ASSERTION</a:t>
+            </a:r>
+            <a:r>
+              <a:rPr lang="en-US"/>
+              <a:t> DepartmentBudgetLimit </a:t>
+            </a:r>
+            <a:r>
+              <a:rPr lang="en-US" b="1">
+                <a:latin typeface="Helvetica Bold" charset="0"/>
+                <a:cs typeface="Helvetica Bold" charset="0"/>
+              </a:rPr>
+              <a:t>CHECK </a:t>
+            </a:r>
+            <a:r>
+              <a:rPr lang="en-US"/>
+              <a:t>(</a:t>
+            </a:r>
+            <a:endParaRPr lang="en-US"/>
+          </a:p>
+          <a:p>
+            <a:r>
+              <a:rPr lang="en-US"/>
+              <a:t> </a:t>
+            </a:r>
+            <a:r>
+              <a:rPr lang="en-US" b="1">
+                <a:latin typeface="Helvetica Bold" charset="0"/>
+                <a:cs typeface="Helvetica Bold" charset="0"/>
+              </a:rPr>
+              <a:t>   NOT EXISTS</a:t>
+            </a:r>
+            <a:r>
+              <a:rPr lang="en-US"/>
+              <a:t> (</a:t>
+            </a:r>
+            <a:endParaRPr lang="en-US"/>
+          </a:p>
+          <a:p>
+            <a:r>
+              <a:rPr lang="en-US"/>
+              <a:t>        </a:t>
+            </a:r>
+            <a:r>
+              <a:rPr lang="en-US" b="1">
+                <a:latin typeface="Helvetica Bold" charset="0"/>
+                <a:cs typeface="Helvetica Bold" charset="0"/>
+              </a:rPr>
+              <a:t>SELECT</a:t>
+            </a:r>
+            <a:r>
+              <a:rPr lang="en-US"/>
+              <a:t> 1</a:t>
+            </a:r>
+            <a:endParaRPr lang="en-US"/>
+          </a:p>
+          <a:p>
+            <a:r>
+              <a:rPr lang="en-US"/>
+              <a:t>        </a:t>
+            </a:r>
+            <a:r>
+              <a:rPr lang="en-US" b="1">
+                <a:latin typeface="Helvetica Bold" charset="0"/>
+                <a:cs typeface="Helvetica Bold" charset="0"/>
+              </a:rPr>
+              <a:t>FROM </a:t>
+            </a:r>
+            <a:r>
+              <a:rPr lang="en-US"/>
+              <a:t>Employees e</a:t>
+            </a:r>
+            <a:endParaRPr lang="en-US"/>
+          </a:p>
+          <a:p>
+            <a:r>
+              <a:rPr lang="en-US"/>
+              <a:t>       </a:t>
+            </a:r>
+            <a:r>
+              <a:rPr lang="en-US" b="1">
+                <a:latin typeface="Helvetica Bold" charset="0"/>
+                <a:cs typeface="Helvetica Bold" charset="0"/>
+              </a:rPr>
+              <a:t> JOIN</a:t>
+            </a:r>
+            <a:r>
+              <a:rPr lang="en-US"/>
+              <a:t> DepartmentBudgets d </a:t>
+            </a:r>
+            <a:r>
+              <a:rPr lang="en-US" b="1">
+                <a:latin typeface="Helvetica Bold" charset="0"/>
+                <a:cs typeface="Helvetica Bold" charset="0"/>
+              </a:rPr>
+              <a:t>ON</a:t>
+            </a:r>
+            <a:r>
+              <a:rPr lang="en-US"/>
+              <a:t> e.department_id = d.department_id</a:t>
+            </a:r>
+            <a:endParaRPr lang="en-US"/>
+          </a:p>
+          <a:p>
+            <a:r>
+              <a:rPr lang="en-US"/>
+              <a:t>        </a:t>
+            </a:r>
+            <a:r>
+              <a:rPr lang="en-US" b="1">
+                <a:latin typeface="Helvetica Bold" charset="0"/>
+                <a:cs typeface="Helvetica Bold" charset="0"/>
+              </a:rPr>
+              <a:t>GROUP BY</a:t>
+            </a:r>
+            <a:r>
+              <a:rPr lang="en-US"/>
+              <a:t> e.department_id</a:t>
+            </a:r>
+            <a:endParaRPr lang="en-US"/>
+          </a:p>
+          <a:p>
+            <a:r>
+              <a:rPr lang="en-US"/>
+              <a:t>        </a:t>
+            </a:r>
+            <a:r>
+              <a:rPr lang="en-US" b="1">
+                <a:latin typeface="Helvetica Bold" charset="0"/>
+                <a:cs typeface="Helvetica Bold" charset="0"/>
+              </a:rPr>
+              <a:t>HAVING SUM</a:t>
+            </a:r>
+            <a:r>
+              <a:rPr lang="en-US"/>
+              <a:t>(e.salary) &gt; d.budget</a:t>
+            </a:r>
+            <a:endParaRPr lang="en-US"/>
+          </a:p>
+          <a:p>
+            <a:r>
+              <a:rPr lang="en-US"/>
+              <a:t>    )</a:t>
+            </a:r>
+            <a:endParaRPr lang="en-US"/>
+          </a:p>
+          <a:p>
+            <a:r>
+              <a:rPr lang="en-US"/>
+              <a:t>);</a:t>
+            </a:r>
+            <a:endParaRPr lang="en-US"/>
+          </a:p>
+        </p:txBody>
+      </p:sp>
     </p:spTree>
   </p:cSld>
   <p:clrMapOvr>
@@ -24594,7 +25489,7 @@
 </p:sld>
 </file>
 
-<file path=ppt/slides/slide47.xml><?xml version="1.0" encoding="utf-8"?>
+<file path=ppt/slides/slide48.xml><?xml version="1.0" encoding="utf-8"?>
 <p:sld xmlns:a="http://schemas.openxmlformats.org/drawingml/2006/main" xmlns:r="http://schemas.openxmlformats.org/officeDocument/2006/relationships" xmlns:p="http://schemas.openxmlformats.org/presentationml/2006/main">
   <p:cSld>
     <p:spTree>
@@ -24825,7 +25720,14 @@
             </a:pPr>
             <a:r>
               <a:rPr lang="en-US" altLang="en-US" sz="1700" dirty="0"/>
-              <a:t>Example:   interval  '1' day</a:t>
+              <a:t>Example:  </a:t>
+            </a:r>
+            <a:r>
+              <a:rPr lang="en-US" altLang="en-US" sz="1700" b="1" dirty="0">
+                <a:latin typeface="Helvetica Bold" charset="0"/>
+                <a:cs typeface="Helvetica Bold" charset="0"/>
+              </a:rPr>
+              <a:t> interval  '1' day</a:t>
             </a:r>
             <a:endParaRPr lang="en-US" altLang="en-US" sz="1700" dirty="0"/>
           </a:p>
@@ -24837,7 +25739,18 @@
             </a:pPr>
             <a:r>
               <a:rPr lang="en-US" altLang="en-US" sz="1700" dirty="0"/>
-              <a:t>Subtracting a date/time/timestamp value from another gives an interval value</a:t>
+              <a:t>Subtracting a </a:t>
+            </a:r>
+            <a:r>
+              <a:rPr lang="en-US" altLang="en-US" sz="1700" b="1" dirty="0">
+                <a:latin typeface="Helvetica Bold" charset="0"/>
+                <a:cs typeface="Helvetica Bold" charset="0"/>
+              </a:rPr>
+              <a:t>date/time/timestamp</a:t>
+            </a:r>
+            <a:r>
+              <a:rPr lang="en-US" altLang="en-US" sz="1700" dirty="0"/>
+              <a:t> value from another gives an interval value</a:t>
             </a:r>
             <a:endParaRPr lang="en-US" altLang="en-US" sz="1700" dirty="0"/>
           </a:p>
@@ -24849,9 +25762,108 @@
             </a:pPr>
             <a:r>
               <a:rPr lang="en-US" altLang="en-US" sz="1700" dirty="0"/>
-              <a:t>Interval values can be added to date/time/timestamp values</a:t>
+              <a:t>Interval values can be added to </a:t>
+            </a:r>
+            <a:r>
+              <a:rPr lang="en-US" altLang="en-US" sz="1700" b="1" dirty="0">
+                <a:latin typeface="Helvetica Bold" charset="0"/>
+                <a:cs typeface="Helvetica Bold" charset="0"/>
+              </a:rPr>
+              <a:t>date/time/timestamp </a:t>
+            </a:r>
+            <a:r>
+              <a:rPr lang="en-US" altLang="en-US" sz="1700" dirty="0"/>
+              <a:t>values</a:t>
             </a:r>
             <a:endParaRPr lang="en-US" altLang="en-US" sz="1700" dirty="0"/>
+          </a:p>
+        </p:txBody>
+      </p:sp>
+      <p:sp>
+        <p:nvSpPr>
+          <p:cNvPr id="2" name="Text Box 1"/>
+          <p:cNvSpPr txBox="1"/>
+          <p:nvPr/>
+        </p:nvSpPr>
+        <p:spPr>
+          <a:xfrm>
+            <a:off x="1217930" y="4845685"/>
+            <a:ext cx="6998970" cy="1814830"/>
+          </a:xfrm>
+          <a:prstGeom prst="rect">
+            <a:avLst/>
+          </a:prstGeom>
+          <a:noFill/>
+        </p:spPr>
+        <p:txBody>
+          <a:bodyPr wrap="square" rtlCol="0" anchor="t">
+            <a:spAutoFit/>
+          </a:bodyPr>
+          <a:p>
+            <a:r>
+              <a:rPr lang="en-US" sz="1400"/>
+              <a:t>-- Subtracting two dates to get an interval</a:t>
+            </a:r>
+            <a:endParaRPr lang="en-US" sz="1400"/>
+          </a:p>
+          <a:p>
+            <a:r>
+              <a:rPr lang="en-US" sz="1400" b="1">
+                <a:latin typeface="Helvetica Bold" charset="0"/>
+                <a:cs typeface="Helvetica Bold" charset="0"/>
+              </a:rPr>
+              <a:t>SELECT TIMESTAMP '2023-04-25 08:00:00' - DATE '2023-04-20';</a:t>
+            </a:r>
+            <a:endParaRPr lang="en-US" sz="1400" b="1">
+              <a:latin typeface="Helvetica Bold" charset="0"/>
+              <a:cs typeface="Helvetica Bold" charset="0"/>
+            </a:endParaRPr>
+          </a:p>
+          <a:p>
+            <a:endParaRPr lang="en-US" sz="1400"/>
+          </a:p>
+          <a:p>
+            <a:r>
+              <a:rPr lang="en-US" sz="1400"/>
+              <a:t>-- Adding an interval to a date</a:t>
+            </a:r>
+            <a:endParaRPr lang="en-US" sz="1400"/>
+          </a:p>
+          <a:p>
+            <a:r>
+              <a:rPr lang="en-US" sz="1400" b="1">
+                <a:latin typeface="Helvetica Bold" charset="0"/>
+                <a:cs typeface="Helvetica Bold" charset="0"/>
+              </a:rPr>
+              <a:t>SELECT TIMESTAMP '2023-04-25 08:00:00' + INTERVAL '5' DAY;</a:t>
+            </a:r>
+            <a:endParaRPr lang="en-US" sz="1400" b="1">
+              <a:latin typeface="Helvetica Bold" charset="0"/>
+              <a:cs typeface="Helvetica Bold" charset="0"/>
+            </a:endParaRPr>
+          </a:p>
+          <a:p>
+            <a:endParaRPr lang="en-US" sz="1400"/>
+          </a:p>
+          <a:p>
+            <a:r>
+              <a:rPr lang="en-US" sz="1400"/>
+              <a:t>-- Extracting parts of a date</a:t>
+            </a:r>
+            <a:endParaRPr lang="en-US" sz="1400"/>
+          </a:p>
+          <a:p>
+            <a:r>
+              <a:rPr lang="en-US" sz="1400" b="1">
+                <a:latin typeface="Helvetica Bold" charset="0"/>
+                <a:cs typeface="Helvetica Bold" charset="0"/>
+              </a:rPr>
+              <a:t>SELECT EXTRACT(YEAR FROM TIMESTAMP '2023-04-25 08:00:00');</a:t>
+            </a:r>
+            <a:endParaRPr lang="en-US" sz="1400" b="1">
+              <a:latin typeface="Helvetica Bold" charset="0"/>
+              <a:cs typeface="Helvetica Bold" charset="0"/>
+            </a:endParaRPr>
           </a:p>
         </p:txBody>
       </p:sp>
@@ -24863,7 +25875,7 @@
 </p:sld>
 </file>
 
-<file path=ppt/slides/slide48.xml><?xml version="1.0" encoding="utf-8"?>
+<file path=ppt/slides/slide49.xml><?xml version="1.0" encoding="utf-8"?>
 <p:sld xmlns:a="http://schemas.openxmlformats.org/drawingml/2006/main" xmlns:r="http://schemas.openxmlformats.org/officeDocument/2006/relationships" xmlns:p="http://schemas.openxmlformats.org/presentationml/2006/main">
   <p:cSld>
     <p:spTree>
@@ -24980,244 +25992,6 @@
             <a:r>
               <a:rPr lang="en-US" altLang="en-US" sz="1700" dirty="0"/>
               <a:t>When a query returns a large object, a pointer is returned rather than the large object itself.</a:t>
-            </a:r>
-            <a:endParaRPr lang="en-US" altLang="en-US" sz="1700" dirty="0"/>
-          </a:p>
-        </p:txBody>
-      </p:sp>
-    </p:spTree>
-  </p:cSld>
-  <p:clrMapOvr>
-    <a:masterClrMapping/>
-  </p:clrMapOvr>
-</p:sld>
-</file>
-
-<file path=ppt/slides/slide49.xml><?xml version="1.0" encoding="utf-8"?>
-<p:sld xmlns:a="http://schemas.openxmlformats.org/drawingml/2006/main" xmlns:r="http://schemas.openxmlformats.org/officeDocument/2006/relationships" xmlns:p="http://schemas.openxmlformats.org/presentationml/2006/main">
-  <p:cSld>
-    <p:spTree>
-      <p:nvGrpSpPr>
-        <p:cNvPr id="1" name=""/>
-        <p:cNvGrpSpPr/>
-        <p:nvPr/>
-      </p:nvGrpSpPr>
-      <p:grpSpPr>
-        <a:xfrm>
-          <a:off x="0" y="0"/>
-          <a:ext cx="0" cy="0"/>
-          <a:chOff x="0" y="0"/>
-          <a:chExt cx="0" cy="0"/>
-        </a:xfrm>
-      </p:grpSpPr>
-      <p:sp>
-        <p:nvSpPr>
-          <p:cNvPr id="410626" name="Rectangle 2"/>
-          <p:cNvSpPr>
-            <a:spLocks noGrp="1" noChangeArrowheads="1"/>
-          </p:cNvSpPr>
-          <p:nvPr>
-            <p:ph type="title"/>
-          </p:nvPr>
-        </p:nvSpPr>
-        <p:spPr/>
-        <p:txBody>
-          <a:bodyPr/>
-          <a:lstStyle/>
-          <a:p>
-            <a:pPr>
-              <a:defRPr/>
-            </a:pPr>
-            <a:r>
-              <a:rPr lang="en-US" sz="2800" dirty="0">
-                <a:ea typeface="+mj-ea"/>
-              </a:rPr>
-              <a:t>User-Defined Types</a:t>
-            </a:r>
-            <a:endParaRPr lang="en-US" sz="2800" dirty="0">
-              <a:ea typeface="+mj-ea"/>
-            </a:endParaRPr>
-          </a:p>
-        </p:txBody>
-      </p:sp>
-      <p:sp>
-        <p:nvSpPr>
-          <p:cNvPr id="73731" name="Rectangle 3"/>
-          <p:cNvSpPr>
-            <a:spLocks noGrp="1" noChangeArrowheads="1"/>
-          </p:cNvSpPr>
-          <p:nvPr>
-            <p:ph type="body" idx="1"/>
-          </p:nvPr>
-        </p:nvSpPr>
-        <p:spPr>
-          <a:xfrm>
-            <a:off x="768351" y="1135063"/>
-            <a:ext cx="7619746" cy="2949257"/>
-          </a:xfrm>
-        </p:spPr>
-        <p:txBody>
-          <a:bodyPr/>
-          <a:lstStyle/>
-          <a:p>
-            <a:pPr>
-              <a:tabLst>
-                <a:tab pos="1146175" algn="l"/>
-                <a:tab pos="1890395" algn="l"/>
-              </a:tabLst>
-            </a:pPr>
-            <a:r>
-              <a:rPr lang="en-US" altLang="en-US" sz="1700" b="1" dirty="0">
-                <a:solidFill>
-                  <a:srgbClr val="002060"/>
-                </a:solidFill>
-              </a:rPr>
-              <a:t>create type </a:t>
-            </a:r>
-            <a:r>
-              <a:rPr lang="en-US" altLang="en-US" sz="1700" dirty="0"/>
-              <a:t>construct in SQL creates user-defined type</a:t>
-            </a:r>
-            <a:endParaRPr lang="en-US" altLang="en-US" sz="1700" dirty="0"/>
-          </a:p>
-          <a:p>
-            <a:pPr>
-              <a:buFont typeface="Monotype Sorts" pitchFamily="-65" charset="2"/>
-              <a:buNone/>
-              <a:tabLst>
-                <a:tab pos="1146175" algn="l"/>
-                <a:tab pos="1890395" algn="l"/>
-              </a:tabLst>
-            </a:pPr>
-            <a:r>
-              <a:rPr lang="en-US" altLang="en-US" sz="800" dirty="0"/>
-              <a:t> </a:t>
-            </a:r>
-            <a:endParaRPr lang="en-US" altLang="en-US" sz="800" dirty="0"/>
-          </a:p>
-          <a:p>
-            <a:pPr lvl="1">
-              <a:buFont typeface="Monotype Sorts" pitchFamily="-65" charset="2"/>
-              <a:buNone/>
-              <a:tabLst>
-                <a:tab pos="1146175" algn="l"/>
-                <a:tab pos="1890395" algn="l"/>
-              </a:tabLst>
-            </a:pPr>
-            <a:r>
-              <a:rPr lang="en-US" altLang="en-US" sz="1700" b="1" dirty="0"/>
-              <a:t>		create type </a:t>
-            </a:r>
-            <a:r>
-              <a:rPr lang="en-US" altLang="en-US" sz="1700" i="1" dirty="0"/>
-              <a:t>Dollars</a:t>
-            </a:r>
-            <a:r>
-              <a:rPr lang="en-US" altLang="en-US" sz="1700" b="1" dirty="0"/>
-              <a:t> as numeric (12,2) final </a:t>
-            </a:r>
-            <a:br>
-              <a:rPr lang="en-US" altLang="en-US" sz="1700" b="1" dirty="0"/>
-            </a:br>
-            <a:r>
-              <a:rPr lang="en-US" altLang="en-US" sz="800" b="1" dirty="0"/>
-              <a:t> </a:t>
-            </a:r>
-            <a:endParaRPr lang="en-US" altLang="en-US" sz="800" dirty="0"/>
-          </a:p>
-          <a:p>
-            <a:pPr>
-              <a:tabLst>
-                <a:tab pos="1146175" algn="l"/>
-                <a:tab pos="1890395" algn="l"/>
-              </a:tabLst>
-            </a:pPr>
-            <a:r>
-              <a:rPr lang="en-US" altLang="en-US" sz="1700" dirty="0"/>
-              <a:t>Example:</a:t>
-            </a:r>
-            <a:endParaRPr lang="en-US" altLang="en-US" sz="1700" dirty="0"/>
-          </a:p>
-          <a:p>
-            <a:pPr>
-              <a:buNone/>
-              <a:tabLst>
-                <a:tab pos="1146175" algn="l"/>
-                <a:tab pos="1890395" algn="l"/>
-              </a:tabLst>
-            </a:pPr>
-            <a:r>
-              <a:rPr lang="en-US" altLang="en-US" sz="1700" b="1" dirty="0"/>
-              <a:t>               create table </a:t>
-            </a:r>
-            <a:r>
-              <a:rPr lang="en-US" altLang="en-US" sz="1700" i="1" dirty="0"/>
-              <a:t>department</a:t>
-            </a:r>
-            <a:br>
-              <a:rPr lang="en-US" altLang="en-US" sz="1700" i="1" dirty="0"/>
-            </a:br>
-            <a:r>
-              <a:rPr lang="en-US" altLang="en-US" sz="1700" i="1" dirty="0"/>
-              <a:t>          </a:t>
-            </a:r>
-            <a:r>
-              <a:rPr lang="en-US" altLang="en-US" sz="1700" dirty="0"/>
-              <a:t>(</a:t>
-            </a:r>
-            <a:r>
-              <a:rPr lang="en-US" altLang="en-US" sz="1700" i="1" dirty="0"/>
-              <a:t>dept_name </a:t>
-            </a:r>
-            <a:r>
-              <a:rPr lang="en-US" altLang="en-US" sz="1700" b="1" dirty="0" err="1"/>
-              <a:t>varchar</a:t>
-            </a:r>
-            <a:r>
-              <a:rPr lang="en-US" altLang="en-US" sz="1700" b="1" dirty="0"/>
-              <a:t> </a:t>
-            </a:r>
-            <a:r>
-              <a:rPr lang="en-US" altLang="en-US" sz="1700" dirty="0"/>
-              <a:t>(20),</a:t>
-            </a:r>
-            <a:br>
-              <a:rPr lang="en-US" altLang="en-US" sz="1700" dirty="0"/>
-            </a:br>
-            <a:r>
-              <a:rPr lang="en-US" altLang="en-US" sz="1700" dirty="0"/>
-              <a:t>          </a:t>
-            </a:r>
-            <a:r>
-              <a:rPr lang="en-US" altLang="en-US" sz="1700" i="1" dirty="0"/>
-              <a:t>building </a:t>
-            </a:r>
-            <a:r>
-              <a:rPr lang="en-US" altLang="en-US" sz="1700" b="1" dirty="0" err="1"/>
-              <a:t>varchar</a:t>
-            </a:r>
-            <a:r>
-              <a:rPr lang="en-US" altLang="en-US" sz="1700" b="1" dirty="0"/>
-              <a:t> </a:t>
-            </a:r>
-            <a:r>
-              <a:rPr lang="en-US" altLang="en-US" sz="1700" dirty="0"/>
-              <a:t>(15),</a:t>
-            </a:r>
-            <a:br>
-              <a:rPr lang="en-US" altLang="en-US" sz="1700" dirty="0"/>
-            </a:br>
-            <a:r>
-              <a:rPr lang="en-US" altLang="en-US" sz="1700" dirty="0"/>
-              <a:t>          </a:t>
-            </a:r>
-            <a:r>
-              <a:rPr lang="en-US" altLang="en-US" sz="1700" i="1" dirty="0"/>
-              <a:t>budget Dollars</a:t>
-            </a:r>
-            <a:r>
-              <a:rPr lang="en-US" altLang="en-US" sz="1700" dirty="0"/>
-              <a:t>);</a:t>
             </a:r>
             <a:endParaRPr lang="en-US" altLang="en-US" sz="1700" dirty="0"/>
           </a:p>
@@ -25518,7 +26292,7 @@
       </p:grpSpPr>
       <p:sp>
         <p:nvSpPr>
-          <p:cNvPr id="418818" name="Rectangle 2"/>
+          <p:cNvPr id="410626" name="Rectangle 2"/>
           <p:cNvSpPr>
             <a:spLocks noGrp="1" noChangeArrowheads="1"/>
           </p:cNvSpPr>
@@ -25526,12 +26300,7 @@
             <p:ph type="title"/>
           </p:nvPr>
         </p:nvSpPr>
-        <p:spPr>
-          <a:xfrm>
-            <a:off x="768350" y="177635"/>
-            <a:ext cx="8077200" cy="609600"/>
-          </a:xfrm>
-        </p:spPr>
+        <p:spPr/>
         <p:txBody>
           <a:bodyPr/>
           <a:lstStyle/>
@@ -25543,7 +26312,7 @@
               <a:rPr lang="en-US" sz="2800" dirty="0">
                 <a:ea typeface="+mj-ea"/>
               </a:rPr>
-              <a:t>Domains</a:t>
+              <a:t>User-Defined Types</a:t>
             </a:r>
             <a:endParaRPr lang="en-US" sz="2800" dirty="0">
               <a:ea typeface="+mj-ea"/>
@@ -25553,7 +26322,7 @@
       </p:sp>
       <p:sp>
         <p:nvSpPr>
-          <p:cNvPr id="75779" name="Rectangle 3"/>
+          <p:cNvPr id="73731" name="Rectangle 3"/>
           <p:cNvSpPr>
             <a:spLocks noGrp="1" noChangeArrowheads="1"/>
           </p:cNvSpPr>
@@ -25563,33 +26332,31 @@
         </p:nvSpPr>
         <p:spPr>
           <a:xfrm>
-            <a:off x="768350" y="1100833"/>
-            <a:ext cx="7034531" cy="5039558"/>
+            <a:off x="768351" y="1135063"/>
+            <a:ext cx="7619746" cy="2949257"/>
           </a:xfrm>
         </p:spPr>
         <p:txBody>
           <a:bodyPr/>
           <a:lstStyle/>
           <a:p>
+            <a:pPr>
+              <a:tabLst>
+                <a:tab pos="1146175" algn="l"/>
+                <a:tab pos="1890395" algn="l"/>
+              </a:tabLst>
+            </a:pPr>
             <a:r>
               <a:rPr lang="en-US" altLang="en-US" sz="1700" b="1" dirty="0">
                 <a:solidFill>
                   <a:srgbClr val="002060"/>
                 </a:solidFill>
               </a:rPr>
-              <a:t>create domain</a:t>
-            </a:r>
-            <a:r>
-              <a:rPr lang="en-US" altLang="en-US" sz="1700" dirty="0">
-                <a:solidFill>
-                  <a:srgbClr val="002060"/>
-                </a:solidFill>
-              </a:rPr>
-              <a:t> </a:t>
-            </a:r>
-            <a:r>
-              <a:rPr lang="en-US" altLang="en-US" sz="1700" dirty="0"/>
-              <a:t>construct in SQL-92 creates user-defined domain types</a:t>
+              <a:t>create type </a:t>
+            </a:r>
+            <a:r>
+              <a:rPr lang="en-US" altLang="en-US" sz="1700" dirty="0"/>
+              <a:t>construct in SQL creates user-defined type</a:t>
             </a:r>
             <a:endParaRPr lang="en-US" altLang="en-US" sz="1700" dirty="0"/>
           </a:p>
@@ -25597,6 +26364,10 @@
             <a:pPr>
               <a:buFont typeface="Monotype Sorts" pitchFamily="-65" charset="2"/>
               <a:buNone/>
+              <a:tabLst>
+                <a:tab pos="1146175" algn="l"/>
+                <a:tab pos="1890395" algn="l"/>
+              </a:tabLst>
             </a:pPr>
             <a:r>
               <a:rPr lang="en-US" altLang="en-US" sz="800" dirty="0"/>
@@ -25608,131 +26379,126 @@
             <a:pPr lvl="1">
               <a:buFont typeface="Monotype Sorts" pitchFamily="-65" charset="2"/>
               <a:buNone/>
+              <a:tabLst>
+                <a:tab pos="1146175" algn="l"/>
+                <a:tab pos="1890395" algn="l"/>
+              </a:tabLst>
             </a:pPr>
             <a:r>
               <a:rPr lang="en-US" altLang="en-US" sz="1700" b="1" dirty="0"/>
-              <a:t>		create domain </a:t>
-            </a:r>
-            <a:r>
-              <a:rPr lang="en-US" altLang="en-US" sz="1700" i="1" dirty="0" err="1"/>
-              <a:t>person_name</a:t>
+              <a:t>		create type </a:t>
             </a:r>
             <a:r>
               <a:rPr lang="en-US" altLang="en-US" sz="1700" i="1" dirty="0"/>
+              <a:t>Dollars</a:t>
+            </a:r>
+            <a:r>
+              <a:rPr lang="en-US" altLang="en-US" sz="1700" b="1" dirty="0"/>
+              <a:t> as numeric (12,2) final </a:t>
+            </a:r>
+            <a:br>
+              <a:rPr lang="en-US" altLang="en-US" sz="1700" b="1" dirty="0"/>
+            </a:br>
+            <a:r>
+              <a:rPr lang="en-US" altLang="en-US" sz="800" b="1" dirty="0"/>
               <a:t> </a:t>
             </a:r>
-            <a:r>
-              <a:rPr lang="en-US" altLang="en-US" sz="1700" b="1" dirty="0"/>
-              <a:t>char</a:t>
-            </a:r>
-            <a:r>
-              <a:rPr lang="en-US" altLang="en-US" sz="1700" dirty="0"/>
-              <a:t>(20) </a:t>
-            </a:r>
-            <a:r>
-              <a:rPr lang="en-US" altLang="en-US" sz="1700" b="1" dirty="0"/>
-              <a:t>not null</a:t>
-            </a:r>
-            <a:endParaRPr lang="en-US" altLang="en-US" sz="1700" b="1" dirty="0"/>
-          </a:p>
-          <a:p>
-            <a:pPr lvl="1">
-              <a:buFont typeface="Monotype Sorts" pitchFamily="-65" charset="2"/>
-              <a:buNone/>
+            <a:endParaRPr lang="en-US" altLang="en-US" sz="800" dirty="0"/>
+          </a:p>
+          <a:p>
+            <a:pPr>
+              <a:tabLst>
+                <a:tab pos="1146175" algn="l"/>
+                <a:tab pos="1890395" algn="l"/>
+              </a:tabLst>
             </a:pPr>
             <a:r>
-              <a:rPr lang="en-US" altLang="en-US" sz="800" dirty="0"/>
-              <a:t> </a:t>
-            </a:r>
-            <a:endParaRPr lang="en-US" altLang="en-US" sz="800" dirty="0"/>
-          </a:p>
-          <a:p>
-            <a:r>
-              <a:rPr lang="en-US" altLang="en-US" sz="1700" dirty="0"/>
-              <a:t>Types and domains are similar.  Domains can have constraints, such as </a:t>
-            </a:r>
-            <a:r>
-              <a:rPr lang="en-US" altLang="en-US" sz="1700" b="1" dirty="0"/>
-              <a:t>not null</a:t>
-            </a:r>
-            <a:r>
-              <a:rPr lang="en-US" altLang="en-US" sz="1700" dirty="0"/>
-              <a:t>, specified on them.</a:t>
+              <a:rPr lang="en-US" altLang="en-US" sz="1700" dirty="0"/>
+              <a:t>Example:</a:t>
             </a:r>
             <a:endParaRPr lang="en-US" altLang="en-US" sz="1700" dirty="0"/>
-          </a:p>
-          <a:p>
-            <a:r>
-              <a:rPr lang="en-US" altLang="en-US" sz="1700" dirty="0"/>
-              <a:t>Example:</a:t>
-            </a:r>
-            <a:endParaRPr lang="en-US" altLang="en-US" sz="1700" b="1" dirty="0"/>
           </a:p>
           <a:p>
             <a:pPr>
               <a:buNone/>
+              <a:tabLst>
+                <a:tab pos="1146175" algn="l"/>
+                <a:tab pos="1890395" algn="l"/>
+              </a:tabLst>
             </a:pPr>
             <a:r>
               <a:rPr lang="en-US" altLang="en-US" sz="1700" b="1" dirty="0"/>
-              <a:t>        create domain </a:t>
-            </a:r>
-            <a:r>
-              <a:rPr lang="en-US" altLang="en-US" sz="1700" i="1" dirty="0" err="1"/>
-              <a:t>degree_level</a:t>
+              <a:t>               create table </a:t>
             </a:r>
             <a:r>
               <a:rPr lang="en-US" altLang="en-US" sz="1700" i="1" dirty="0"/>
-              <a:t> </a:t>
-            </a:r>
-            <a:r>
-              <a:rPr lang="en-US" altLang="en-US" sz="1700" b="1" dirty="0"/>
-              <a:t>varchar</a:t>
-            </a:r>
-            <a:r>
-              <a:rPr lang="en-US" altLang="en-US" sz="1700" dirty="0"/>
-              <a:t>(10)</a:t>
-            </a:r>
-            <a:br>
-              <a:rPr lang="en-US" altLang="en-US" sz="1700" dirty="0"/>
-            </a:br>
-            <a:r>
-              <a:rPr lang="en-US" altLang="en-US" sz="1700" dirty="0"/>
-              <a:t>       </a:t>
-            </a:r>
-            <a:r>
-              <a:rPr lang="en-US" altLang="en-US" sz="1700" b="1" dirty="0"/>
-              <a:t>constraint </a:t>
-            </a:r>
-            <a:r>
-              <a:rPr lang="en-US" altLang="en-US" sz="1700" i="1" dirty="0" err="1"/>
-              <a:t>degree_level_test</a:t>
+              <a:t>department</a:t>
             </a:r>
             <a:br>
               <a:rPr lang="en-US" altLang="en-US" sz="1700" i="1" dirty="0"/>
             </a:br>
             <a:r>
               <a:rPr lang="en-US" altLang="en-US" sz="1700" i="1" dirty="0"/>
-              <a:t>            </a:t>
+              <a:t>          </a:t>
+            </a:r>
+            <a:r>
+              <a:rPr lang="en-US" altLang="en-US" sz="1700" dirty="0"/>
+              <a:t>(</a:t>
+            </a:r>
+            <a:r>
+              <a:rPr lang="en-US" altLang="en-US" sz="1700" i="1" dirty="0"/>
+              <a:t>dept_name </a:t>
+            </a:r>
+            <a:r>
+              <a:rPr lang="en-US" altLang="en-US" sz="1700" b="1" dirty="0" err="1"/>
+              <a:t>varchar</a:t>
             </a:r>
             <a:r>
               <a:rPr lang="en-US" altLang="en-US" sz="1700" b="1" dirty="0"/>
-              <a:t>check </a:t>
-            </a:r>
-            <a:r>
-              <a:rPr lang="en-US" altLang="en-US" sz="1700" dirty="0"/>
-              <a:t>(</a:t>
+              <a:t> </a:t>
+            </a:r>
+            <a:r>
+              <a:rPr lang="en-US" altLang="en-US" sz="1700" dirty="0"/>
+              <a:t>(20),</a:t>
+            </a:r>
+            <a:br>
+              <a:rPr lang="en-US" altLang="en-US" sz="1700" dirty="0"/>
+            </a:br>
+            <a:r>
+              <a:rPr lang="en-US" altLang="en-US" sz="1700" dirty="0"/>
+              <a:t>          </a:t>
+            </a:r>
+            <a:r>
+              <a:rPr lang="en-US" altLang="en-US" sz="1700" i="1" dirty="0"/>
+              <a:t>building </a:t>
+            </a:r>
+            <a:r>
+              <a:rPr lang="en-US" altLang="en-US" sz="1700" b="1" dirty="0" err="1"/>
+              <a:t>varchar</a:t>
             </a:r>
             <a:r>
               <a:rPr lang="en-US" altLang="en-US" sz="1700" b="1" dirty="0"/>
-              <a:t>value in </a:t>
-            </a:r>
-            <a:r>
-              <a:rPr lang="en-US" altLang="en-US" sz="1700" dirty="0"/>
-              <a:t>('Bachelors', 'Masters', 'Doctorate'));</a:t>
-            </a:r>
-            <a:endParaRPr lang="en-US" altLang="en-US" sz="1700" dirty="0"/>
-          </a:p>
-          <a:p>
+              <a:t> </a:t>
+            </a:r>
+            <a:r>
+              <a:rPr lang="en-US" altLang="en-US" sz="1700" dirty="0"/>
+              <a:t>(15),</a:t>
+            </a:r>
+            <a:br>
+              <a:rPr lang="en-US" altLang="en-US" sz="1700" dirty="0"/>
+            </a:br>
+            <a:r>
+              <a:rPr lang="en-US" altLang="en-US" sz="1700" dirty="0"/>
+              <a:t>          </a:t>
+            </a:r>
+            <a:r>
+              <a:rPr lang="en-US" altLang="en-US" sz="1700" i="1" dirty="0"/>
+              <a:t>budget Dollars</a:t>
+            </a:r>
+            <a:r>
+              <a:rPr lang="en-US" altLang="en-US" sz="1700" dirty="0"/>
+              <a:t>);</a:t>
+            </a:r>
             <a:endParaRPr lang="en-US" altLang="en-US" sz="1700" dirty="0"/>
           </a:p>
         </p:txBody>
@@ -25764,7 +26530,7 @@
       </p:grpSpPr>
       <p:sp>
         <p:nvSpPr>
-          <p:cNvPr id="417794" name="Rectangle 2"/>
+          <p:cNvPr id="418818" name="Rectangle 2"/>
           <p:cNvSpPr>
             <a:spLocks noGrp="1" noChangeArrowheads="1"/>
           </p:cNvSpPr>
@@ -25772,34 +26538,34 @@
             <p:ph type="title"/>
           </p:nvPr>
         </p:nvSpPr>
-        <p:spPr/>
+        <p:spPr>
+          <a:xfrm>
+            <a:off x="768350" y="177635"/>
+            <a:ext cx="8077200" cy="609600"/>
+          </a:xfrm>
+        </p:spPr>
         <p:txBody>
           <a:bodyPr/>
           <a:lstStyle/>
           <a:p>
-            <a:r>
-              <a:rPr lang="en-US" altLang="en-US" sz="2800" dirty="0">
-                <a:effectLst>
-                  <a:outerShdw blurRad="38100" dist="38100" dir="2700000" algn="tl">
-                    <a:srgbClr val="C0C0C0"/>
-                  </a:outerShdw>
-                </a:effectLst>
+            <a:pPr>
+              <a:defRPr/>
+            </a:pPr>
+            <a:r>
+              <a:rPr lang="en-US" sz="2800" dirty="0">
+                <a:ea typeface="+mj-ea"/>
               </a:rPr>
-              <a:t>Index Creation</a:t>
-            </a:r>
-            <a:endParaRPr lang="en-US" altLang="en-US" sz="2800" dirty="0">
-              <a:effectLst>
-                <a:outerShdw blurRad="38100" dist="38100" dir="2700000" algn="tl">
-                  <a:srgbClr val="C0C0C0"/>
-                </a:outerShdw>
-              </a:effectLst>
+              <a:t>Domains</a:t>
+            </a:r>
+            <a:endParaRPr lang="en-US" sz="2800" dirty="0">
+              <a:ea typeface="+mj-ea"/>
             </a:endParaRPr>
           </a:p>
         </p:txBody>
       </p:sp>
       <p:sp>
         <p:nvSpPr>
-          <p:cNvPr id="72707" name="Rectangle 3"/>
+          <p:cNvPr id="75779" name="Rectangle 3"/>
           <p:cNvSpPr>
             <a:spLocks noGrp="1" noChangeArrowheads="1"/>
           </p:cNvSpPr>
@@ -25809,8 +26575,8 @@
         </p:nvSpPr>
         <p:spPr>
           <a:xfrm>
-            <a:off x="768351" y="1093789"/>
-            <a:ext cx="7638802" cy="4112195"/>
+            <a:off x="768350" y="1101090"/>
+            <a:ext cx="7688580" cy="5530215"/>
           </a:xfrm>
         </p:spPr>
         <p:txBody>
@@ -25818,77 +26584,257 @@
           <a:lstStyle/>
           <a:p>
             <a:r>
-              <a:rPr lang="en-US" altLang="en-US" sz="1700" dirty="0"/>
-              <a:t>Many queries reference only a small proportion of the records in a table. </a:t>
+              <a:rPr lang="en-US" altLang="en-US" sz="1700" b="1" dirty="0">
+                <a:solidFill>
+                  <a:srgbClr val="002060"/>
+                </a:solidFill>
+              </a:rPr>
+              <a:t>create domain</a:t>
+            </a:r>
+            <a:r>
+              <a:rPr lang="en-US" altLang="en-US" sz="1700" dirty="0">
+                <a:solidFill>
+                  <a:srgbClr val="002060"/>
+                </a:solidFill>
+              </a:rPr>
+              <a:t> </a:t>
+            </a:r>
+            <a:r>
+              <a:rPr lang="en-US" altLang="en-US" sz="1700" dirty="0"/>
+              <a:t>construct in SQL-92 </a:t>
+            </a:r>
+            <a:r>
+              <a:rPr lang="en-US" altLang="en-US" sz="1700" b="1" dirty="0">
+                <a:latin typeface="Helvetica Bold" charset="0"/>
+                <a:cs typeface="Helvetica Bold" charset="0"/>
+              </a:rPr>
+              <a:t>creates user-defined</a:t>
+            </a:r>
+            <a:r>
+              <a:rPr lang="en-US" altLang="en-US" sz="1700" dirty="0"/>
+              <a:t> domain types</a:t>
             </a:r>
             <a:endParaRPr lang="en-US" altLang="en-US" sz="1700" dirty="0"/>
           </a:p>
           <a:p>
             <a:r>
               <a:rPr lang="en-US" altLang="en-US" sz="1700" dirty="0"/>
-              <a:t>It is inefficient for the system to read every record to find  a record with  particular value</a:t>
+              <a:t>Using domains can simplify database schema design and enforcement of data integrity by encapsulating validation rules within the data type definition itself.</a:t>
             </a:r>
             <a:endParaRPr lang="en-US" altLang="en-US" sz="1700" dirty="0"/>
           </a:p>
           <a:p>
-            <a:r>
-              <a:rPr lang="en-US" altLang="en-US" sz="1700" dirty="0"/>
-              <a:t>An </a:t>
-            </a:r>
-            <a:r>
-              <a:rPr lang="en-US" altLang="en-US" sz="1700" b="1" dirty="0">
-                <a:solidFill>
-                  <a:srgbClr val="002060"/>
-                </a:solidFill>
-              </a:rPr>
-              <a:t>index</a:t>
-            </a:r>
-            <a:r>
-              <a:rPr lang="en-US" altLang="en-US" sz="1700" dirty="0"/>
-              <a:t> on an attribute of a relation is a data structure that allows the database system to find those tuples in the relation that have a specified value for that attribute efficiently, without scanning through all the tuples of the relation.</a:t>
+            <a:pPr>
+              <a:buFont typeface="Monotype Sorts" pitchFamily="-65" charset="2"/>
+              <a:buNone/>
+            </a:pPr>
+            <a:r>
+              <a:rPr lang="en-US" altLang="en-US" sz="800" dirty="0"/>
+              <a:t> </a:t>
+            </a:r>
+            <a:endParaRPr lang="en-US" altLang="en-US" sz="800" dirty="0"/>
+          </a:p>
+          <a:p>
+            <a:pPr lvl="1">
+              <a:buFont typeface="Monotype Sorts" pitchFamily="-65" charset="2"/>
+              <a:buNone/>
+            </a:pPr>
+            <a:r>
+              <a:rPr lang="en-US" altLang="en-US" sz="1700" b="1" dirty="0"/>
+              <a:t>		create domain </a:t>
+            </a:r>
+            <a:r>
+              <a:rPr lang="en-US" altLang="en-US" sz="1700" i="1" dirty="0" err="1"/>
+              <a:t>person_name</a:t>
+            </a:r>
+            <a:r>
+              <a:rPr lang="en-US" altLang="en-US" sz="1700" i="1" dirty="0"/>
+              <a:t> </a:t>
+            </a:r>
+            <a:r>
+              <a:rPr lang="en-US" altLang="en-US" sz="1700" b="1" dirty="0"/>
+              <a:t>char</a:t>
+            </a:r>
+            <a:r>
+              <a:rPr lang="en-US" altLang="en-US" sz="1700" dirty="0"/>
+              <a:t>(20) </a:t>
+            </a:r>
+            <a:r>
+              <a:rPr lang="en-US" altLang="en-US" sz="1700" b="1" dirty="0"/>
+              <a:t>not null</a:t>
+            </a:r>
+            <a:endParaRPr lang="en-US" altLang="en-US" sz="1700" b="1" dirty="0"/>
+          </a:p>
+          <a:p>
+            <a:pPr lvl="1">
+              <a:buFont typeface="Monotype Sorts" pitchFamily="-65" charset="2"/>
+              <a:buNone/>
+            </a:pPr>
+            <a:r>
+              <a:rPr lang="en-US" altLang="en-US" sz="800" dirty="0"/>
+              <a:t> </a:t>
+            </a:r>
+            <a:endParaRPr lang="en-US" altLang="en-US" sz="800" dirty="0"/>
+          </a:p>
+          <a:p>
+            <a:r>
+              <a:rPr lang="en-US" altLang="en-US" sz="1700" dirty="0"/>
+              <a:t>Types and domains are similar.  Domains can have constraints, such as </a:t>
+            </a:r>
+            <a:r>
+              <a:rPr lang="en-US" altLang="en-US" sz="1700" b="1" dirty="0"/>
+              <a:t>not null</a:t>
+            </a:r>
+            <a:r>
+              <a:rPr lang="en-US" altLang="en-US" sz="1700" dirty="0"/>
+              <a:t>, specified on them.</a:t>
             </a:r>
             <a:endParaRPr lang="en-US" altLang="en-US" sz="1700" dirty="0"/>
           </a:p>
           <a:p>
             <a:r>
               <a:rPr lang="en-US" altLang="en-US" sz="1700" dirty="0"/>
-              <a:t>We create an index with the </a:t>
-            </a:r>
-            <a:r>
-              <a:rPr lang="en-US" altLang="en-US" sz="1700" b="1" dirty="0"/>
-              <a:t>create index </a:t>
-            </a:r>
-            <a:r>
-              <a:rPr lang="en-US" altLang="en-US" sz="1700" dirty="0"/>
-              <a:t>command</a:t>
-            </a:r>
-            <a:endParaRPr lang="en-US" altLang="en-US" sz="1700" dirty="0"/>
+              <a:t>Example:</a:t>
+            </a:r>
+            <a:endParaRPr lang="en-US" altLang="en-US" sz="1700" b="1" dirty="0"/>
           </a:p>
           <a:p>
             <a:pPr>
               <a:buNone/>
             </a:pPr>
             <a:r>
-              <a:rPr lang="en-US" altLang="en-US" sz="1700" dirty="0"/>
-              <a:t>         </a:t>
-            </a:r>
-            <a:r>
               <a:rPr lang="en-US" altLang="en-US" sz="1700" b="1" dirty="0"/>
-              <a:t>create index </a:t>
-            </a:r>
-            <a:r>
-              <a:rPr lang="en-US" altLang="en-US" sz="1700" dirty="0"/>
-              <a:t>&lt;name&gt; </a:t>
+              <a:t>        create domain </a:t>
+            </a:r>
+            <a:r>
+              <a:rPr lang="en-US" altLang="en-US" sz="1700" i="1" dirty="0" err="1"/>
+              <a:t>degree_level</a:t>
+            </a:r>
+            <a:r>
+              <a:rPr lang="en-US" altLang="en-US" sz="1700" i="1" dirty="0"/>
+              <a:t> </a:t>
             </a:r>
             <a:r>
               <a:rPr lang="en-US" altLang="en-US" sz="1700" b="1" dirty="0"/>
-              <a:t>on </a:t>
-            </a:r>
-            <a:r>
-              <a:rPr lang="en-US" altLang="en-US" sz="1700" dirty="0"/>
-              <a:t>&lt;relation-name&gt; (attribute);</a:t>
+              <a:t>varchar</a:t>
+            </a:r>
+            <a:r>
+              <a:rPr lang="en-US" altLang="en-US" sz="1700" dirty="0"/>
+              <a:t>(10)</a:t>
+            </a:r>
+            <a:br>
+              <a:rPr lang="en-US" altLang="en-US" sz="1700" dirty="0"/>
+            </a:br>
+            <a:r>
+              <a:rPr lang="en-US" altLang="en-US" sz="1700" dirty="0"/>
+              <a:t>       </a:t>
+            </a:r>
+            <a:r>
+              <a:rPr lang="en-US" altLang="en-US" sz="1700" b="1" dirty="0"/>
+              <a:t>constraint </a:t>
+            </a:r>
+            <a:r>
+              <a:rPr lang="en-US" altLang="en-US" sz="1700" i="1" dirty="0" err="1"/>
+              <a:t>degree_level_test</a:t>
+            </a:r>
+            <a:br>
+              <a:rPr lang="en-US" altLang="en-US" sz="1700" i="1" dirty="0"/>
+            </a:br>
+            <a:r>
+              <a:rPr lang="en-US" altLang="en-US" sz="1700" i="1" dirty="0"/>
+              <a:t>            </a:t>
+            </a:r>
+            <a:r>
+              <a:rPr lang="en-US" altLang="en-US" sz="1700" b="1" dirty="0"/>
+              <a:t>check </a:t>
+            </a:r>
+            <a:r>
+              <a:rPr lang="en-US" altLang="en-US" sz="1700" dirty="0"/>
+              <a:t>(</a:t>
+            </a:r>
+            <a:r>
+              <a:rPr lang="en-US" altLang="en-US" sz="1700" b="1" dirty="0"/>
+              <a:t>value in </a:t>
+            </a:r>
+            <a:r>
+              <a:rPr lang="en-US" altLang="en-US" sz="1700" dirty="0"/>
+              <a:t>('Bachelors', 'Masters', 'Doctorate'));</a:t>
             </a:r>
             <a:endParaRPr lang="en-US" altLang="en-US" sz="1700" dirty="0"/>
+          </a:p>
+          <a:p>
+            <a:pPr>
+              <a:buNone/>
+            </a:pPr>
+            <a:endParaRPr lang="en-US" altLang="en-US" sz="1700" dirty="0"/>
+          </a:p>
+          <a:p>
+            <a:pPr lvl="1">
+              <a:buNone/>
+            </a:pPr>
+            <a:r>
+              <a:rPr lang="en-US" altLang="en-US" sz="1600" b="1" dirty="0">
+                <a:latin typeface="Helvetica Bold" charset="0"/>
+                <a:cs typeface="Helvetica Bold" charset="0"/>
+              </a:rPr>
+              <a:t>CREATE TABLE</a:t>
+            </a:r>
+            <a:r>
+              <a:rPr lang="en-US" altLang="en-US" sz="1600" dirty="0"/>
+              <a:t> student (</a:t>
+            </a:r>
+            <a:endParaRPr lang="en-US" altLang="en-US" sz="1600" dirty="0"/>
+          </a:p>
+          <a:p>
+            <a:pPr lvl="1">
+              <a:buNone/>
+            </a:pPr>
+            <a:r>
+              <a:rPr lang="en-US" altLang="en-US" sz="1600" dirty="0"/>
+              <a:t>    student_id INT,</a:t>
+            </a:r>
+            <a:endParaRPr lang="en-US" altLang="en-US" sz="1600" dirty="0"/>
+          </a:p>
+          <a:p>
+            <a:pPr lvl="1">
+              <a:buNone/>
+            </a:pPr>
+            <a:r>
+              <a:rPr lang="en-US" altLang="en-US" sz="1600" dirty="0"/>
+              <a:t>    name person_name,  -- Using the domain</a:t>
+            </a:r>
+            <a:endParaRPr lang="en-US" altLang="en-US" sz="1600" dirty="0"/>
+          </a:p>
+          <a:p>
+            <a:pPr lvl="1">
+              <a:buNone/>
+            </a:pPr>
+            <a:r>
+              <a:rPr lang="en-US" altLang="en-US" sz="1600" dirty="0"/>
+              <a:t>    degree </a:t>
+            </a:r>
+            <a:r>
+              <a:rPr lang="en-US" altLang="en-US" sz="1600" b="1" dirty="0">
+                <a:latin typeface="Helvetica Bold" charset="0"/>
+                <a:cs typeface="Helvetica Bold" charset="0"/>
+              </a:rPr>
+              <a:t>degree_level </a:t>
+            </a:r>
+            <a:r>
+              <a:rPr lang="en-US" altLang="en-US" sz="1600" dirty="0"/>
+              <a:t> -- Using the domain</a:t>
+            </a:r>
+            <a:endParaRPr lang="en-US" altLang="en-US" sz="1600" dirty="0"/>
+          </a:p>
+          <a:p>
+            <a:pPr lvl="1">
+              <a:buNone/>
+            </a:pPr>
+            <a:r>
+              <a:rPr lang="en-US" altLang="en-US" sz="1600" dirty="0"/>
+              <a:t>);</a:t>
+            </a:r>
+            <a:endParaRPr lang="en-US" altLang="en-US" sz="1600" dirty="0"/>
           </a:p>
         </p:txBody>
       </p:sp>
@@ -25940,7 +26886,7 @@
                   </a:outerShdw>
                 </a:effectLst>
               </a:rPr>
-              <a:t>Index Creation Example</a:t>
+              <a:t>Index Creation</a:t>
             </a:r>
             <a:endParaRPr lang="en-US" altLang="en-US" sz="2800" dirty="0">
               <a:effectLst>
@@ -25965,7 +26911,7 @@
         <p:spPr>
           <a:xfrm>
             <a:off x="768351" y="1093789"/>
-            <a:ext cx="7497826" cy="4563300"/>
+            <a:ext cx="7638802" cy="4112195"/>
           </a:xfrm>
         </p:spPr>
         <p:txBody>
@@ -25973,165 +26919,49 @@
           <a:lstStyle/>
           <a:p>
             <a:r>
-              <a:rPr lang="en-US" altLang="en-US" sz="1700" b="1" dirty="0"/>
-              <a:t>create table </a:t>
-            </a:r>
-            <a:r>
-              <a:rPr lang="en-US" altLang="en-US" sz="1700" i="1" dirty="0"/>
-              <a:t>student	</a:t>
-            </a:r>
-            <a:br>
-              <a:rPr lang="en-US" altLang="en-US" sz="1700" i="1" dirty="0"/>
-            </a:br>
-            <a:r>
-              <a:rPr lang="en-US" altLang="en-US" sz="1700" dirty="0"/>
-              <a:t>(</a:t>
-            </a:r>
-            <a:r>
-              <a:rPr lang="en-US" altLang="en-US" sz="1700" i="1" dirty="0"/>
-              <a:t>ID </a:t>
-            </a:r>
-            <a:r>
-              <a:rPr lang="en-US" altLang="en-US" sz="1700" b="1" dirty="0" err="1"/>
-              <a:t>varchar</a:t>
-            </a:r>
-            <a:r>
-              <a:rPr lang="en-US" altLang="en-US" sz="1700" b="1" dirty="0"/>
-              <a:t> </a:t>
-            </a:r>
-            <a:r>
-              <a:rPr lang="en-US" altLang="en-US" sz="1700" dirty="0"/>
-              <a:t>(5),</a:t>
-            </a:r>
-            <a:br>
-              <a:rPr lang="en-US" altLang="en-US" sz="1700" dirty="0"/>
-            </a:br>
-            <a:r>
-              <a:rPr lang="en-US" altLang="en-US" sz="1700" i="1" dirty="0"/>
-              <a:t>name </a:t>
-            </a:r>
-            <a:r>
-              <a:rPr lang="en-US" altLang="en-US" sz="1700" b="1" dirty="0" err="1"/>
-              <a:t>varchar</a:t>
-            </a:r>
-            <a:r>
-              <a:rPr lang="en-US" altLang="en-US" sz="1700" b="1" dirty="0"/>
-              <a:t> </a:t>
-            </a:r>
-            <a:r>
-              <a:rPr lang="en-US" altLang="en-US" sz="1700" dirty="0"/>
-              <a:t>(20) </a:t>
-            </a:r>
-            <a:r>
-              <a:rPr lang="en-US" altLang="en-US" sz="1700" b="1" dirty="0"/>
-              <a:t>not null</a:t>
-            </a:r>
-            <a:r>
-              <a:rPr lang="en-US" altLang="en-US" sz="1700" dirty="0"/>
-              <a:t>,</a:t>
-            </a:r>
-            <a:br>
-              <a:rPr lang="en-US" altLang="en-US" sz="1700" dirty="0"/>
-            </a:br>
-            <a:r>
-              <a:rPr lang="en-US" altLang="en-US" sz="1700" i="1" dirty="0"/>
-              <a:t>dept_name </a:t>
-            </a:r>
-            <a:r>
-              <a:rPr lang="en-US" altLang="en-US" sz="1700" b="1" dirty="0" err="1"/>
-              <a:t>varchar</a:t>
-            </a:r>
-            <a:r>
-              <a:rPr lang="en-US" altLang="en-US" sz="1700" b="1" dirty="0"/>
-              <a:t> </a:t>
-            </a:r>
-            <a:r>
-              <a:rPr lang="en-US" altLang="en-US" sz="1700" dirty="0"/>
-              <a:t>(20),</a:t>
-            </a:r>
-            <a:br>
-              <a:rPr lang="en-US" altLang="en-US" sz="1700" dirty="0"/>
-            </a:br>
-            <a:r>
-              <a:rPr lang="en-US" altLang="en-US" sz="1700" i="1" dirty="0"/>
-              <a:t>tot_cred </a:t>
-            </a:r>
-            <a:r>
-              <a:rPr lang="en-US" altLang="en-US" sz="1700" b="1" dirty="0"/>
-              <a:t>numeric </a:t>
-            </a:r>
-            <a:r>
-              <a:rPr lang="en-US" altLang="en-US" sz="1700" dirty="0"/>
-              <a:t>(3,0) </a:t>
-            </a:r>
-            <a:r>
-              <a:rPr lang="en-US" altLang="en-US" sz="1700" b="1" dirty="0"/>
-              <a:t>default </a:t>
-            </a:r>
-            <a:r>
-              <a:rPr lang="en-US" altLang="en-US" sz="1700" dirty="0"/>
-              <a:t>0,</a:t>
-            </a:r>
-            <a:br>
-              <a:rPr lang="en-US" altLang="en-US" sz="1700" dirty="0"/>
-            </a:br>
-            <a:r>
-              <a:rPr lang="en-US" altLang="en-US" sz="1700" b="1" dirty="0"/>
-              <a:t>primary key </a:t>
-            </a:r>
-            <a:r>
-              <a:rPr lang="en-US" altLang="en-US" sz="1700" dirty="0"/>
-              <a:t>(</a:t>
-            </a:r>
-            <a:r>
-              <a:rPr lang="en-US" altLang="en-US" sz="1700" i="1" dirty="0"/>
-              <a:t>ID</a:t>
-            </a:r>
-            <a:r>
-              <a:rPr lang="en-US" altLang="en-US" sz="1700" dirty="0"/>
-              <a:t>))</a:t>
+              <a:rPr lang="en-US" altLang="en-US" sz="1700" dirty="0"/>
+              <a:t>Many queries reference only a small proportion of the records in a table. </a:t>
             </a:r>
             <a:endParaRPr lang="en-US" altLang="en-US" sz="1700" dirty="0"/>
           </a:p>
           <a:p>
+            <a:r>
+              <a:rPr lang="en-US" altLang="en-US" sz="1700" dirty="0"/>
+              <a:t>It is inefficient for the system to read every record to find  a record with  particular value</a:t>
+            </a:r>
+            <a:endParaRPr lang="en-US" altLang="en-US" sz="1700" dirty="0"/>
+          </a:p>
+          <a:p>
+            <a:r>
+              <a:rPr lang="en-US" altLang="en-US" sz="1700" dirty="0"/>
+              <a:t>An </a:t>
+            </a:r>
+            <a:r>
+              <a:rPr lang="en-US" altLang="en-US" sz="1700" b="1" dirty="0">
+                <a:solidFill>
+                  <a:srgbClr val="002060"/>
+                </a:solidFill>
+              </a:rPr>
+              <a:t>index</a:t>
+            </a:r>
+            <a:r>
+              <a:rPr lang="en-US" altLang="en-US" sz="1700" dirty="0"/>
+              <a:t> on an attribute of a relation is a data structure that allows the database system to find those tuples in the relation that have a specified value for that attribute efficiently, without scanning through all the tuples of the relation.</a:t>
+            </a:r>
+            <a:endParaRPr lang="en-US" altLang="en-US" sz="1700" dirty="0"/>
+          </a:p>
+          <a:p>
+            <a:r>
+              <a:rPr lang="en-US" altLang="en-US" sz="1700" dirty="0"/>
+              <a:t>We create an index with the </a:t>
+            </a:r>
             <a:r>
               <a:rPr lang="en-US" altLang="en-US" sz="1700" b="1" dirty="0"/>
               <a:t>create index </a:t>
             </a:r>
             <a:r>
-              <a:rPr lang="en-US" altLang="en-US" sz="1700" i="1" dirty="0" err="1"/>
-              <a:t>studentID_index</a:t>
-            </a:r>
-            <a:r>
-              <a:rPr lang="en-US" altLang="en-US" sz="1700" i="1" dirty="0"/>
-              <a:t> </a:t>
-            </a:r>
-            <a:r>
-              <a:rPr lang="en-US" altLang="en-US" sz="1700" b="1" dirty="0"/>
-              <a:t>on </a:t>
-            </a:r>
-            <a:r>
-              <a:rPr lang="en-US" altLang="en-US" sz="1700" i="1" dirty="0"/>
-              <a:t>student</a:t>
-            </a:r>
-            <a:r>
-              <a:rPr lang="en-US" altLang="en-US" sz="1700" dirty="0"/>
-              <a:t>(</a:t>
-            </a:r>
-            <a:r>
-              <a:rPr lang="en-US" altLang="en-US" sz="1700" i="1" dirty="0"/>
-              <a:t>ID</a:t>
-            </a:r>
-            <a:r>
-              <a:rPr lang="en-US" altLang="en-US" sz="1700" dirty="0"/>
-              <a:t>)</a:t>
-            </a:r>
-            <a:endParaRPr lang="en-US" altLang="en-US" sz="1700" dirty="0"/>
-          </a:p>
-          <a:p>
-            <a:r>
-              <a:rPr lang="en-US" altLang="en-US" sz="1700" dirty="0"/>
-              <a:t>The query:</a:t>
+              <a:rPr lang="en-US" altLang="en-US" sz="1700" dirty="0"/>
+              <a:t>command</a:t>
             </a:r>
             <a:endParaRPr lang="en-US" altLang="en-US" sz="1700" dirty="0"/>
           </a:p>
@@ -26140,56 +26970,24 @@
               <a:buNone/>
             </a:pPr>
             <a:r>
+              <a:rPr lang="en-US" altLang="en-US" sz="1700" dirty="0"/>
+              <a:t>         </a:t>
+            </a:r>
+            <a:r>
               <a:rPr lang="en-US" altLang="en-US" sz="1700" b="1" dirty="0"/>
-              <a:t>            select * </a:t>
-            </a:r>
-            <a:br>
+              <a:t>create index </a:t>
+            </a:r>
+            <a:r>
+              <a:rPr lang="en-US" altLang="en-US" sz="1700" dirty="0"/>
+              <a:t>&lt;name&gt; </a:t>
+            </a:r>
+            <a:r>
               <a:rPr lang="en-US" altLang="en-US" sz="1700" b="1" dirty="0"/>
-            </a:br>
-            <a:r>
-              <a:rPr lang="en-US" altLang="en-US" sz="1700" b="1" dirty="0"/>
-              <a:t>       from </a:t>
-            </a:r>
-            <a:r>
-              <a:rPr lang="en-US" altLang="en-US" sz="1700" dirty="0"/>
-              <a:t> </a:t>
-            </a:r>
-            <a:r>
-              <a:rPr lang="en-US" altLang="en-US" sz="1700" i="1" dirty="0"/>
-              <a:t>student</a:t>
-            </a:r>
-            <a:br>
-              <a:rPr lang="en-US" altLang="en-US" sz="1700" i="1" dirty="0"/>
-            </a:br>
-            <a:r>
-              <a:rPr lang="en-US" altLang="en-US" sz="1700" i="1" dirty="0"/>
-              <a:t>       </a:t>
-            </a:r>
-            <a:r>
-              <a:rPr lang="en-US" altLang="en-US" sz="1700" b="1" dirty="0"/>
-              <a:t>where </a:t>
-            </a:r>
-            <a:r>
-              <a:rPr lang="en-US" altLang="en-US" sz="1700" i="1" dirty="0"/>
-              <a:t> ID = </a:t>
-            </a:r>
-            <a:r>
-              <a:rPr lang="en-US" altLang="en-US" sz="1700" dirty="0"/>
-              <a:t>'12345'</a:t>
-            </a:r>
-            <a:endParaRPr lang="en-US" altLang="en-US" sz="1700" dirty="0"/>
-          </a:p>
-          <a:p>
-            <a:pPr>
-              <a:buNone/>
-            </a:pPr>
-            <a:r>
-              <a:rPr lang="en-US" altLang="en-US" sz="1700" dirty="0"/>
-              <a:t>     can be executed by using the index to find the required record,  without looking at all records of </a:t>
-            </a:r>
-            <a:r>
-              <a:rPr lang="en-US" altLang="en-US" sz="1700" i="1" dirty="0"/>
-              <a:t>student</a:t>
+              <a:t>on </a:t>
+            </a:r>
+            <a:r>
+              <a:rPr lang="en-US" altLang="en-US" sz="1700" dirty="0"/>
+              <a:t>&lt;relation-name&gt; (attribute);</a:t>
             </a:r>
             <a:endParaRPr lang="en-US" altLang="en-US" sz="1700" dirty="0"/>
           </a:p>
@@ -26236,8 +27034,14 @@
           <a:lstStyle/>
           <a:p>
             <a:r>
-              <a:rPr lang="en-US" sz="2800" dirty="0"/>
-              <a:t>Authorization</a:t>
+              <a:rPr lang="en-US" altLang="en-US" sz="2800" dirty="0">
+                <a:effectLst>
+                  <a:outerShdw blurRad="38100" dist="38100" dir="2700000" algn="tl">
+                    <a:srgbClr val="C0C0C0"/>
+                  </a:outerShdw>
+                </a:effectLst>
+              </a:rPr>
+              <a:t>Index Creation Example</a:t>
             </a:r>
             <a:endParaRPr lang="en-US" altLang="en-US" sz="2800" dirty="0">
               <a:effectLst>
@@ -26261,8 +27065,8 @@
         </p:nvSpPr>
         <p:spPr>
           <a:xfrm>
-            <a:off x="768350" y="1093789"/>
-            <a:ext cx="7612169" cy="4758372"/>
+            <a:off x="768351" y="1093789"/>
+            <a:ext cx="7497826" cy="4563300"/>
           </a:xfrm>
         </p:spPr>
         <p:txBody>
@@ -26270,116 +27074,225 @@
           <a:lstStyle/>
           <a:p>
             <a:r>
-              <a:rPr lang="en-US" altLang="en-US" sz="1700" dirty="0"/>
-              <a:t>We may assign a user several forms of authorizations on parts of the database.</a:t>
+              <a:rPr lang="en-US" altLang="en-US" sz="1700" b="1" dirty="0"/>
+              <a:t>create table </a:t>
+            </a:r>
+            <a:r>
+              <a:rPr lang="en-US" altLang="en-US" sz="1700" i="1" dirty="0"/>
+              <a:t>student	</a:t>
+            </a:r>
+            <a:br>
+              <a:rPr lang="en-US" altLang="en-US" sz="1700" i="1" dirty="0"/>
+            </a:br>
+            <a:r>
+              <a:rPr lang="en-US" altLang="en-US" sz="1700" dirty="0"/>
+              <a:t>(</a:t>
+            </a:r>
+            <a:r>
+              <a:rPr lang="en-US" altLang="en-US" sz="1700" i="1" dirty="0"/>
+              <a:t>ID </a:t>
+            </a:r>
+            <a:r>
+              <a:rPr lang="en-US" altLang="en-US" sz="1700" b="1" dirty="0" err="1"/>
+              <a:t>varchar</a:t>
+            </a:r>
+            <a:r>
+              <a:rPr lang="en-US" altLang="en-US" sz="1700" b="1" dirty="0"/>
+              <a:t> </a:t>
+            </a:r>
+            <a:r>
+              <a:rPr lang="en-US" altLang="en-US" sz="1700" dirty="0"/>
+              <a:t>(5),</a:t>
+            </a:r>
+            <a:br>
+              <a:rPr lang="en-US" altLang="en-US" sz="1700" dirty="0"/>
+            </a:br>
+            <a:r>
+              <a:rPr lang="en-US" altLang="en-US" sz="1700" i="1" dirty="0"/>
+              <a:t>name </a:t>
+            </a:r>
+            <a:r>
+              <a:rPr lang="en-US" altLang="en-US" sz="1700" b="1" dirty="0" err="1"/>
+              <a:t>varchar</a:t>
+            </a:r>
+            <a:r>
+              <a:rPr lang="en-US" altLang="en-US" sz="1700" b="1" dirty="0"/>
+              <a:t> </a:t>
+            </a:r>
+            <a:r>
+              <a:rPr lang="en-US" altLang="en-US" sz="1700" dirty="0"/>
+              <a:t>(20) </a:t>
+            </a:r>
+            <a:r>
+              <a:rPr lang="en-US" altLang="en-US" sz="1700" b="1" dirty="0"/>
+              <a:t>not null</a:t>
+            </a:r>
+            <a:r>
+              <a:rPr lang="en-US" altLang="en-US" sz="1700" dirty="0"/>
+              <a:t>,</a:t>
+            </a:r>
+            <a:br>
+              <a:rPr lang="en-US" altLang="en-US" sz="1700" dirty="0"/>
+            </a:br>
+            <a:r>
+              <a:rPr lang="en-US" altLang="en-US" sz="1700" i="1" dirty="0"/>
+              <a:t>dept_name </a:t>
+            </a:r>
+            <a:r>
+              <a:rPr lang="en-US" altLang="en-US" sz="1700" b="1" dirty="0" err="1"/>
+              <a:t>varchar</a:t>
+            </a:r>
+            <a:r>
+              <a:rPr lang="en-US" altLang="en-US" sz="1700" b="1" dirty="0"/>
+              <a:t> </a:t>
+            </a:r>
+            <a:r>
+              <a:rPr lang="en-US" altLang="en-US" sz="1700" dirty="0"/>
+              <a:t>(20),</a:t>
+            </a:r>
+            <a:br>
+              <a:rPr lang="en-US" altLang="en-US" sz="1700" dirty="0"/>
+            </a:br>
+            <a:r>
+              <a:rPr lang="en-US" altLang="en-US" sz="1700" i="1" dirty="0"/>
+              <a:t>tot_cred </a:t>
+            </a:r>
+            <a:r>
+              <a:rPr lang="en-US" altLang="en-US" sz="1700" b="1" dirty="0"/>
+              <a:t>numeric </a:t>
+            </a:r>
+            <a:r>
+              <a:rPr lang="en-US" altLang="en-US" sz="1700" dirty="0"/>
+              <a:t>(3,0) </a:t>
+            </a:r>
+            <a:r>
+              <a:rPr lang="en-US" altLang="en-US" sz="1700" b="1" dirty="0"/>
+              <a:t>default </a:t>
+            </a:r>
+            <a:r>
+              <a:rPr lang="en-US" altLang="en-US" sz="1700" dirty="0"/>
+              <a:t>0,</a:t>
+            </a:r>
+            <a:br>
+              <a:rPr lang="en-US" altLang="en-US" sz="1700" dirty="0"/>
+            </a:br>
+            <a:r>
+              <a:rPr lang="en-US" altLang="en-US" sz="1700" b="1" dirty="0"/>
+              <a:t>primary key </a:t>
+            </a:r>
+            <a:r>
+              <a:rPr lang="en-US" altLang="en-US" sz="1700" dirty="0"/>
+              <a:t>(</a:t>
+            </a:r>
+            <a:r>
+              <a:rPr lang="en-US" altLang="en-US" sz="1700" i="1" dirty="0"/>
+              <a:t>ID</a:t>
+            </a:r>
+            <a:r>
+              <a:rPr lang="en-US" altLang="en-US" sz="1700" dirty="0"/>
+              <a:t>))</a:t>
             </a:r>
             <a:endParaRPr lang="en-US" altLang="en-US" sz="1700" dirty="0"/>
           </a:p>
           <a:p>
-            <a:pPr lvl="1">
-              <a:lnSpc>
-                <a:spcPct val="160000"/>
-              </a:lnSpc>
+            <a:r>
+              <a:rPr lang="en-US" altLang="en-US" sz="1700" b="1" dirty="0"/>
+              <a:t>create index </a:t>
+            </a:r>
+            <a:r>
+              <a:rPr lang="en-US" altLang="en-US" sz="1700" i="1" dirty="0" err="1"/>
+              <a:t>studentID_index</a:t>
+            </a:r>
+            <a:r>
+              <a:rPr lang="en-US" altLang="en-US" sz="1700" i="1" dirty="0"/>
+              <a:t> </a:t>
+            </a:r>
+            <a:r>
+              <a:rPr lang="en-US" altLang="en-US" sz="1700" b="1" dirty="0"/>
+              <a:t>on </a:t>
+            </a:r>
+            <a:r>
+              <a:rPr lang="en-US" altLang="en-US" sz="1700" i="1" dirty="0"/>
+              <a:t>student</a:t>
+            </a:r>
+            <a:r>
+              <a:rPr lang="en-US" altLang="en-US" sz="1700" dirty="0"/>
+              <a:t>(</a:t>
+            </a:r>
+            <a:r>
+              <a:rPr lang="en-US" altLang="en-US" sz="1700" i="1" dirty="0"/>
+              <a:t>ID</a:t>
+            </a:r>
+            <a:r>
+              <a:rPr lang="en-US" altLang="en-US" sz="1700" dirty="0"/>
+              <a:t>)</a:t>
+            </a:r>
+            <a:endParaRPr lang="en-US" altLang="en-US" sz="1700" dirty="0"/>
+          </a:p>
+          <a:p>
+            <a:r>
+              <a:rPr lang="en-US" altLang="en-US" sz="1700" dirty="0"/>
+              <a:t>The query:</a:t>
+            </a:r>
+            <a:endParaRPr lang="en-US" altLang="en-US" sz="1700" dirty="0"/>
+          </a:p>
+          <a:p>
+            <a:pPr>
+              <a:buNone/>
             </a:pPr>
             <a:r>
               <a:rPr lang="en-US" altLang="en-US" sz="1700" b="1" dirty="0"/>
-              <a:t>Read</a:t>
-            </a:r>
-            <a:r>
-              <a:rPr lang="en-US" altLang="en-US" sz="1700" b="1" dirty="0">
-                <a:solidFill>
-                  <a:schemeClr val="tx2"/>
-                </a:solidFill>
-              </a:rPr>
+              <a:t>            select * </a:t>
+            </a:r>
+            <a:br>
+              <a:rPr lang="en-US" altLang="en-US" sz="1700" b="1" dirty="0"/>
+            </a:br>
+            <a:r>
+              <a:rPr lang="en-US" altLang="en-US" sz="1700" b="1" dirty="0"/>
+              <a:t>       from </a:t>
+            </a:r>
+            <a:r>
+              <a:rPr lang="en-US" altLang="en-US" sz="1700" dirty="0"/>
               <a:t> </a:t>
             </a:r>
             <a:r>
-              <a:rPr lang="en-US" altLang="en-US" sz="1700" dirty="0"/>
-              <a:t>- allows reading, but not modification of data.</a:t>
+              <a:rPr lang="en-US" altLang="en-US" sz="1700" i="1" dirty="0"/>
+              <a:t>student</a:t>
+            </a:r>
+            <a:br>
+              <a:rPr lang="en-US" altLang="en-US" sz="1700" i="1" dirty="0"/>
+            </a:br>
+            <a:r>
+              <a:rPr lang="en-US" altLang="en-US" sz="1700" i="1" dirty="0"/>
+              <a:t>       </a:t>
+            </a:r>
+            <a:r>
+              <a:rPr lang="en-US" altLang="en-US" sz="1700" b="1" dirty="0"/>
+              <a:t>where </a:t>
+            </a:r>
+            <a:r>
+              <a:rPr lang="en-US" altLang="en-US" sz="1700" i="1" dirty="0"/>
+              <a:t> ID = </a:t>
+            </a:r>
+            <a:r>
+              <a:rPr lang="en-US" altLang="en-US" sz="1700" dirty="0"/>
+              <a:t>'12345'</a:t>
             </a:r>
             <a:endParaRPr lang="en-US" altLang="en-US" sz="1700" dirty="0"/>
           </a:p>
           <a:p>
-            <a:pPr lvl="1"/>
-            <a:r>
-              <a:rPr lang="en-US" altLang="en-US" sz="1700" b="1" dirty="0"/>
-              <a:t>Insert</a:t>
-            </a:r>
-            <a:r>
-              <a:rPr lang="en-US" altLang="en-US" sz="1700" b="1" dirty="0">
-                <a:solidFill>
-                  <a:schemeClr val="tx2"/>
-                </a:solidFill>
-              </a:rPr>
-              <a:t> </a:t>
-            </a:r>
-            <a:r>
-              <a:rPr lang="en-US" altLang="en-US" sz="1700" dirty="0"/>
-              <a:t>- allows insertion of new data, but not modification of existing data.</a:t>
+            <a:pPr>
+              <a:buNone/>
+            </a:pPr>
+            <a:r>
+              <a:rPr lang="en-US" altLang="en-US" sz="1700" dirty="0"/>
+              <a:t>     can be executed by using the index to find the required record,  without looking at all records of </a:t>
+            </a:r>
+            <a:r>
+              <a:rPr lang="en-US" altLang="en-US" sz="1700" i="1" dirty="0"/>
+              <a:t>student</a:t>
             </a:r>
             <a:endParaRPr lang="en-US" altLang="en-US" sz="1700" dirty="0"/>
-          </a:p>
-          <a:p>
-            <a:pPr lvl="1"/>
-            <a:r>
-              <a:rPr lang="en-US" altLang="en-US" sz="1700" b="1" dirty="0"/>
-              <a:t>Update</a:t>
-            </a:r>
-            <a:r>
-              <a:rPr lang="en-US" altLang="en-US" sz="1700" b="1" dirty="0">
-                <a:solidFill>
-                  <a:schemeClr val="tx2"/>
-                </a:solidFill>
-              </a:rPr>
-              <a:t> </a:t>
-            </a:r>
-            <a:r>
-              <a:rPr lang="en-US" altLang="en-US" sz="1700" dirty="0"/>
-              <a:t>- allows modification, but not deletion of data.</a:t>
-            </a:r>
-            <a:endParaRPr lang="en-US" altLang="en-US" sz="1700" dirty="0"/>
-          </a:p>
-          <a:p>
-            <a:pPr lvl="1"/>
-            <a:r>
-              <a:rPr lang="en-US" altLang="en-US" sz="1700" b="1" dirty="0"/>
-              <a:t>Delete</a:t>
-            </a:r>
-            <a:r>
-              <a:rPr lang="en-US" altLang="en-US" sz="1700" b="1" dirty="0">
-                <a:solidFill>
-                  <a:schemeClr val="tx2"/>
-                </a:solidFill>
-              </a:rPr>
-              <a:t> </a:t>
-            </a:r>
-            <a:r>
-              <a:rPr lang="en-US" altLang="en-US" sz="1700" dirty="0"/>
-              <a:t>- allows deletion of data.</a:t>
-            </a:r>
-            <a:endParaRPr lang="en-US" altLang="en-US" sz="1700" dirty="0"/>
-          </a:p>
-          <a:p>
-            <a:r>
-              <a:rPr lang="en-US" altLang="en-US" sz="1700" dirty="0"/>
-              <a:t>Each of these types of authorizations is called a </a:t>
-            </a:r>
-            <a:r>
-              <a:rPr lang="en-US" altLang="en-US" sz="1700" b="1" dirty="0">
-                <a:solidFill>
-                  <a:srgbClr val="002060"/>
-                </a:solidFill>
-              </a:rPr>
-              <a:t>privilege</a:t>
-            </a:r>
-            <a:r>
-              <a:rPr lang="en-US" altLang="en-US" sz="1700" dirty="0"/>
-              <a:t>. We may authorize the user all, none, or a combination of these types of privileges on specified parts of a database, such as a relation or a view.</a:t>
-            </a:r>
-            <a:endParaRPr lang="en-US" altLang="en-US" sz="1700" dirty="0"/>
-          </a:p>
-          <a:p>
-            <a:endParaRPr lang="en-US" altLang="en-US" sz="2000" dirty="0"/>
           </a:p>
         </p:txBody>
       </p:sp>
@@ -26425,7 +27338,7 @@
           <a:p>
             <a:r>
               <a:rPr lang="en-US" sz="2800" dirty="0"/>
-              <a:t>Authorization (Cont.)</a:t>
+              <a:t>Authorization</a:t>
             </a:r>
             <a:endParaRPr lang="en-US" altLang="en-US" sz="2800" dirty="0">
               <a:effectLst>
@@ -26450,7 +27363,7 @@
         <p:spPr>
           <a:xfrm>
             <a:off x="768350" y="1093789"/>
-            <a:ext cx="7590445" cy="2807652"/>
+            <a:ext cx="7612169" cy="4758372"/>
           </a:xfrm>
         </p:spPr>
         <p:txBody>
@@ -26459,19 +27372,19 @@
           <a:p>
             <a:r>
               <a:rPr lang="en-US" altLang="en-US" sz="1700" dirty="0"/>
-              <a:t>Forms of authorization to modify the database schema</a:t>
+              <a:t>We may assign a user several forms of authorizations on parts of the database.</a:t>
             </a:r>
             <a:endParaRPr lang="en-US" altLang="en-US" sz="1700" dirty="0"/>
           </a:p>
           <a:p>
-            <a:pPr lvl="1"/>
-            <a:r>
-              <a:rPr lang="en-US" altLang="en-US" sz="1700" b="1" dirty="0">
-                <a:solidFill>
-                  <a:srgbClr val="002060"/>
-                </a:solidFill>
-              </a:rPr>
-              <a:t>Index</a:t>
+            <a:pPr lvl="1">
+              <a:lnSpc>
+                <a:spcPct val="160000"/>
+              </a:lnSpc>
+            </a:pPr>
+            <a:r>
+              <a:rPr lang="en-US" altLang="en-US" sz="1700" b="1" dirty="0"/>
+              <a:t>Read</a:t>
             </a:r>
             <a:r>
               <a:rPr lang="en-US" altLang="en-US" sz="1700" b="1" dirty="0">
@@ -26483,19 +27396,15 @@
             </a:r>
             <a:r>
               <a:rPr lang="en-US" altLang="en-US" sz="1700" dirty="0"/>
-              <a:t>- allows creation and deletion of indices.</a:t>
+              <a:t>- allows reading, but not modification of data.</a:t>
             </a:r>
             <a:endParaRPr lang="en-US" altLang="en-US" sz="1700" dirty="0"/>
           </a:p>
           <a:p>
             <a:pPr lvl="1"/>
             <a:r>
-              <a:rPr lang="en-US" altLang="en-US" sz="1700" b="1" dirty="0">
-                <a:solidFill>
-                  <a:srgbClr val="002060"/>
-                </a:solidFill>
-              </a:rPr>
-              <a:t>Resources</a:t>
+              <a:rPr lang="en-US" altLang="en-US" sz="1700" b="1" dirty="0"/>
+              <a:t>Insert</a:t>
             </a:r>
             <a:r>
               <a:rPr lang="en-US" altLang="en-US" sz="1700" b="1" dirty="0">
@@ -26507,19 +27416,15 @@
             </a:r>
             <a:r>
               <a:rPr lang="en-US" altLang="en-US" sz="1700" dirty="0"/>
-              <a:t>- allows creation of new relations.</a:t>
+              <a:t>- allows insertion of new data, but not modification of existing data.</a:t>
             </a:r>
             <a:endParaRPr lang="en-US" altLang="en-US" sz="1700" dirty="0"/>
           </a:p>
           <a:p>
             <a:pPr lvl="1"/>
             <a:r>
-              <a:rPr lang="en-US" altLang="en-US" sz="1700" b="1" dirty="0">
-                <a:solidFill>
-                  <a:srgbClr val="002060"/>
-                </a:solidFill>
-              </a:rPr>
-              <a:t>Alteration</a:t>
+              <a:rPr lang="en-US" altLang="en-US" sz="1700" b="1" dirty="0"/>
+              <a:t>Update</a:t>
             </a:r>
             <a:r>
               <a:rPr lang="en-US" altLang="en-US" sz="1700" b="1" dirty="0">
@@ -26531,19 +27436,15 @@
             </a:r>
             <a:r>
               <a:rPr lang="en-US" altLang="en-US" sz="1700" dirty="0"/>
-              <a:t>- allows addition or deletion of attributes in a relation.</a:t>
+              <a:t>- allows modification, but not deletion of data.</a:t>
             </a:r>
             <a:endParaRPr lang="en-US" altLang="en-US" sz="1700" dirty="0"/>
           </a:p>
           <a:p>
             <a:pPr lvl="1"/>
             <a:r>
-              <a:rPr lang="en-US" altLang="en-US" sz="1700" b="1" dirty="0">
-                <a:solidFill>
-                  <a:srgbClr val="002060"/>
-                </a:solidFill>
-              </a:rPr>
-              <a:t>Drop</a:t>
+              <a:rPr lang="en-US" altLang="en-US" sz="1700" b="1" dirty="0"/>
+              <a:t>Delete</a:t>
             </a:r>
             <a:r>
               <a:rPr lang="en-US" altLang="en-US" sz="1700" b="1" dirty="0">
@@ -26555,7 +27456,26 @@
             </a:r>
             <a:r>
               <a:rPr lang="en-US" altLang="en-US" sz="1700" dirty="0"/>
-              <a:t>- allows deletion of relations.</a:t>
+              <a:t>- allows deletion of data.</a:t>
+            </a:r>
+            <a:endParaRPr lang="en-US" altLang="en-US" sz="1700" dirty="0"/>
+          </a:p>
+          <a:p>
+            <a:r>
+              <a:rPr lang="en-US" altLang="en-US" sz="1700" dirty="0"/>
+              <a:t>Each of these types of authorizations is called a </a:t>
+            </a:r>
+            <a:r>
+              <a:rPr lang="en-US" altLang="en-US" sz="1700" b="1" dirty="0">
+                <a:solidFill>
+                  <a:srgbClr val="002060"/>
+                </a:solidFill>
+              </a:rPr>
+              <a:t>privilege</a:t>
+            </a:r>
+            <a:r>
+              <a:rPr lang="en-US" altLang="en-US" sz="1700" dirty="0"/>
+              <a:t>. We may authorize the user all, none, or a combination of these types of privileges on specified parts of a database, such as a relation or a view.</a:t>
             </a:r>
             <a:endParaRPr lang="en-US" altLang="en-US" sz="1700" dirty="0"/>
           </a:p>
@@ -26606,7 +27526,7 @@
           <a:p>
             <a:r>
               <a:rPr lang="en-US" sz="2800" dirty="0"/>
-              <a:t>Authorization Specification in SQL</a:t>
+              <a:t>Authorization (Cont.)</a:t>
             </a:r>
             <a:endParaRPr lang="en-US" altLang="en-US" sz="2800" dirty="0">
               <a:effectLst>
@@ -26630,8 +27550,8 @@
         </p:nvSpPr>
         <p:spPr>
           <a:xfrm>
-            <a:off x="768350" y="1105980"/>
-            <a:ext cx="7612169" cy="4903787"/>
+            <a:off x="768350" y="1093789"/>
+            <a:ext cx="7590445" cy="2807652"/>
           </a:xfrm>
         </p:spPr>
         <p:txBody>
@@ -26640,148 +27560,108 @@
           <a:p>
             <a:r>
               <a:rPr lang="en-US" altLang="en-US" sz="1700" dirty="0"/>
-              <a:t>The </a:t>
-            </a:r>
+              <a:t>Forms of authorization to modify the database schema</a:t>
+            </a:r>
+            <a:endParaRPr lang="en-US" altLang="en-US" sz="1700" dirty="0"/>
+          </a:p>
+          <a:p>
+            <a:pPr lvl="1"/>
             <a:r>
               <a:rPr lang="en-US" altLang="en-US" sz="1700" b="1" dirty="0">
                 <a:solidFill>
                   <a:srgbClr val="002060"/>
                 </a:solidFill>
               </a:rPr>
-              <a:t>grant</a:t>
-            </a:r>
-            <a:r>
-              <a:rPr lang="en-US" altLang="en-US" sz="1700" dirty="0"/>
-              <a:t> statement is used to confer authorization</a:t>
+              <a:t>Index</a:t>
+            </a:r>
+            <a:r>
+              <a:rPr lang="en-US" altLang="en-US" sz="1700" b="1" dirty="0">
+                <a:solidFill>
+                  <a:schemeClr val="tx2"/>
+                </a:solidFill>
+              </a:rPr>
+              <a:t> </a:t>
+            </a:r>
+            <a:r>
+              <a:rPr lang="en-US" altLang="en-US" sz="1700" dirty="0"/>
+              <a:t>- allows creation and deletion of indices.</a:t>
             </a:r>
             <a:endParaRPr lang="en-US" altLang="en-US" sz="1700" dirty="0"/>
           </a:p>
           <a:p>
-            <a:pPr>
-              <a:buFont typeface="Monotype Sorts" pitchFamily="-65" charset="2"/>
-              <a:buNone/>
-            </a:pPr>
-            <a:r>
-              <a:rPr lang="en-US" altLang="en-US" sz="1700" dirty="0"/>
-              <a:t>	   </a:t>
-            </a:r>
-            <a:r>
-              <a:rPr lang="en-US" altLang="en-US" sz="1700" b="1" dirty="0"/>
-              <a:t>grant</a:t>
-            </a:r>
-            <a:r>
-              <a:rPr lang="en-US" altLang="en-US" sz="1700" dirty="0"/>
-              <a:t> &lt;privilege list&gt; </a:t>
-            </a:r>
-            <a:r>
-              <a:rPr lang="en-US" altLang="en-US" sz="1700" b="1" dirty="0"/>
-              <a:t>on </a:t>
-            </a:r>
-            <a:r>
-              <a:rPr lang="en-US" altLang="en-US" sz="1700" dirty="0"/>
-              <a:t>&lt;relation or view &gt; </a:t>
-            </a:r>
-            <a:r>
-              <a:rPr lang="en-US" altLang="en-US" sz="1700" b="1" dirty="0"/>
-              <a:t>to</a:t>
-            </a:r>
-            <a:r>
-              <a:rPr lang="en-US" altLang="en-US" sz="1700" dirty="0"/>
-              <a:t> &lt;user list&gt;</a:t>
+            <a:pPr lvl="1"/>
+            <a:r>
+              <a:rPr lang="en-US" altLang="en-US" sz="1700" b="1" dirty="0">
+                <a:solidFill>
+                  <a:srgbClr val="002060"/>
+                </a:solidFill>
+              </a:rPr>
+              <a:t>Resources</a:t>
+            </a:r>
+            <a:r>
+              <a:rPr lang="en-US" altLang="en-US" sz="1700" b="1" dirty="0">
+                <a:solidFill>
+                  <a:schemeClr val="tx2"/>
+                </a:solidFill>
+              </a:rPr>
+              <a:t> </a:t>
+            </a:r>
+            <a:r>
+              <a:rPr lang="en-US" altLang="en-US" sz="1700" dirty="0"/>
+              <a:t>- allows creation of new relations.</a:t>
             </a:r>
             <a:endParaRPr lang="en-US" altLang="en-US" sz="1700" dirty="0"/>
           </a:p>
           <a:p>
-            <a:r>
-              <a:rPr lang="en-US" altLang="en-US" sz="1700" dirty="0"/>
-              <a:t>&lt;user list&gt; is:</a:t>
+            <a:pPr lvl="1"/>
+            <a:r>
+              <a:rPr lang="en-US" altLang="en-US" sz="1700" b="1" dirty="0">
+                <a:solidFill>
+                  <a:srgbClr val="002060"/>
+                </a:solidFill>
+              </a:rPr>
+              <a:t>Alteration</a:t>
+            </a:r>
+            <a:r>
+              <a:rPr lang="en-US" altLang="en-US" sz="1700" b="1" dirty="0">
+                <a:solidFill>
+                  <a:schemeClr val="tx2"/>
+                </a:solidFill>
+              </a:rPr>
+              <a:t> </a:t>
+            </a:r>
+            <a:r>
+              <a:rPr lang="en-US" altLang="en-US" sz="1700" dirty="0"/>
+              <a:t>- allows addition or deletion of attributes in a relation.</a:t>
             </a:r>
             <a:endParaRPr lang="en-US" altLang="en-US" sz="1700" dirty="0"/>
           </a:p>
           <a:p>
             <a:pPr lvl="1"/>
             <a:r>
-              <a:rPr lang="en-US" altLang="en-US" sz="1700" dirty="0"/>
-              <a:t>a user-id</a:t>
+              <a:rPr lang="en-US" altLang="en-US" sz="1700" b="1" dirty="0">
+                <a:solidFill>
+                  <a:srgbClr val="002060"/>
+                </a:solidFill>
+              </a:rPr>
+              <a:t>Drop</a:t>
+            </a:r>
+            <a:r>
+              <a:rPr lang="en-US" altLang="en-US" sz="1700" b="1" dirty="0">
+                <a:solidFill>
+                  <a:schemeClr val="tx2"/>
+                </a:solidFill>
+              </a:rPr>
+              <a:t> </a:t>
+            </a:r>
+            <a:r>
+              <a:rPr lang="en-US" altLang="en-US" sz="1700" dirty="0"/>
+              <a:t>- allows deletion of relations.</a:t>
             </a:r>
             <a:endParaRPr lang="en-US" altLang="en-US" sz="1700" dirty="0"/>
           </a:p>
           <a:p>
-            <a:pPr lvl="1"/>
-            <a:r>
-              <a:rPr lang="en-US" altLang="en-US" sz="1700" b="1" dirty="0"/>
-              <a:t>public</a:t>
-            </a:r>
-            <a:r>
-              <a:rPr lang="en-US" altLang="en-US" sz="1700" dirty="0"/>
-              <a:t>, which allows all valid users the privilege granted</a:t>
-            </a:r>
-            <a:endParaRPr lang="en-US" altLang="en-US" sz="1700" dirty="0"/>
-          </a:p>
-          <a:p>
-            <a:pPr lvl="1"/>
-            <a:r>
-              <a:rPr lang="en-US" altLang="en-US" sz="1700" dirty="0"/>
-              <a:t>A role (more on this later)</a:t>
-            </a:r>
-            <a:endParaRPr lang="en-US" altLang="en-US" sz="1700" dirty="0"/>
-          </a:p>
-          <a:p>
-            <a:r>
-              <a:rPr lang="en-US" altLang="en-US" sz="1700" dirty="0"/>
-              <a:t>Example:</a:t>
-            </a:r>
-            <a:endParaRPr lang="en-US" altLang="en-US" sz="1700" dirty="0"/>
-          </a:p>
-          <a:p>
-            <a:pPr lvl="1"/>
-            <a:r>
-              <a:rPr lang="en-US" altLang="en-US" sz="1700" b="1" dirty="0"/>
-              <a:t>grant</a:t>
-            </a:r>
-            <a:r>
-              <a:rPr lang="en-US" altLang="en-US" sz="1700" dirty="0"/>
-              <a:t>  </a:t>
-            </a:r>
-            <a:r>
-              <a:rPr lang="en-US" altLang="en-US" sz="1700" b="1" dirty="0"/>
-              <a:t>select on  </a:t>
-            </a:r>
-            <a:r>
-              <a:rPr lang="en-US" altLang="en-US" sz="1700" i="1" dirty="0"/>
-              <a:t>department</a:t>
-            </a:r>
-            <a:r>
-              <a:rPr lang="en-US" altLang="en-US" sz="1700" b="1" dirty="0"/>
-              <a:t> to</a:t>
-            </a:r>
-            <a:r>
-              <a:rPr lang="en-US" altLang="en-US" sz="1700" dirty="0"/>
-              <a:t> </a:t>
-            </a:r>
-            <a:r>
-              <a:rPr lang="en-US" altLang="en-US" sz="1700" dirty="0" err="1"/>
-              <a:t>Amit</a:t>
-            </a:r>
-            <a:r>
-              <a:rPr lang="en-US" altLang="en-US" sz="1700" dirty="0"/>
-              <a:t>,  Satoshi</a:t>
-            </a:r>
-            <a:endParaRPr lang="en-US" altLang="en-US" sz="1700" dirty="0"/>
-          </a:p>
-          <a:p>
-            <a:r>
-              <a:rPr lang="en-US" altLang="en-US" sz="1700" dirty="0"/>
-              <a:t>Granting a privilege on a view does not imply granting any privileges on the underlying relations.</a:t>
-            </a:r>
-            <a:endParaRPr lang="en-US" altLang="en-US" sz="1700" dirty="0"/>
-          </a:p>
-          <a:p>
-            <a:r>
-              <a:rPr lang="en-US" altLang="en-US" sz="1700" dirty="0"/>
-              <a:t>The grantor of the privilege must already hold the privilege on the specified item (or be the database administrator).</a:t>
-            </a:r>
-            <a:endParaRPr lang="en-US" altLang="en-US" sz="1700" dirty="0"/>
+            <a:endParaRPr lang="en-US" altLang="en-US" sz="2000" dirty="0"/>
           </a:p>
         </p:txBody>
       </p:sp>
@@ -26827,7 +27707,7 @@
           <a:p>
             <a:r>
               <a:rPr lang="en-US" sz="2800" dirty="0"/>
-              <a:t>Privileges in SQL</a:t>
+              <a:t>Authorization Specification in SQL</a:t>
             </a:r>
             <a:endParaRPr lang="en-US" altLang="en-US" sz="2800" dirty="0">
               <a:effectLst>
@@ -26851,8 +27731,8 @@
         </p:nvSpPr>
         <p:spPr>
           <a:xfrm>
-            <a:off x="768351" y="1093788"/>
-            <a:ext cx="7327138" cy="4903787"/>
+            <a:off x="768350" y="1105980"/>
+            <a:ext cx="7612169" cy="4903787"/>
           </a:xfrm>
         </p:spPr>
         <p:txBody>
@@ -26860,76 +27740,20 @@
           <a:lstStyle/>
           <a:p>
             <a:r>
+              <a:rPr lang="en-US" altLang="en-US" sz="1700" dirty="0"/>
+              <a:t>The </a:t>
+            </a:r>
+            <a:r>
               <a:rPr lang="en-US" altLang="en-US" sz="1700" b="1" dirty="0">
                 <a:solidFill>
                   <a:srgbClr val="002060"/>
                 </a:solidFill>
               </a:rPr>
-              <a:t>select</a:t>
-            </a:r>
-            <a:r>
-              <a:rPr lang="en-US" altLang="en-US" sz="1700" dirty="0"/>
-              <a:t>: allows read access to relation, or the ability to query using the view</a:t>
-            </a:r>
-            <a:endParaRPr lang="en-US" altLang="en-US" sz="1700" dirty="0"/>
-          </a:p>
-          <a:p>
-            <a:pPr lvl="1"/>
-            <a:r>
-              <a:rPr lang="en-US" altLang="en-US" sz="1700" dirty="0"/>
-              <a:t>Example: grant users </a:t>
-            </a:r>
-            <a:r>
-              <a:rPr lang="en-US" altLang="en-US" sz="1700" i="1" dirty="0"/>
-              <a:t>U</a:t>
-            </a:r>
-            <a:r>
-              <a:rPr lang="en-US" altLang="en-US" sz="1700" baseline="-25000" dirty="0"/>
-              <a:t>1</a:t>
-            </a:r>
-            <a:r>
-              <a:rPr lang="en-US" altLang="en-US" sz="1700" dirty="0"/>
-              <a:t>, </a:t>
-            </a:r>
-            <a:r>
-              <a:rPr lang="en-US" altLang="en-US" sz="1700" i="1" dirty="0"/>
-              <a:t>U</a:t>
-            </a:r>
-            <a:r>
-              <a:rPr lang="en-US" altLang="en-US" sz="1700" baseline="-25000" dirty="0"/>
-              <a:t>2</a:t>
-            </a:r>
-            <a:r>
-              <a:rPr lang="en-US" altLang="en-US" sz="1700" dirty="0"/>
-              <a:t>, and </a:t>
-            </a:r>
-            <a:r>
-              <a:rPr lang="en-US" altLang="en-US" sz="1700" i="1" dirty="0"/>
-              <a:t>U</a:t>
-            </a:r>
-            <a:r>
-              <a:rPr lang="en-US" altLang="en-US" sz="1700" baseline="-25000" dirty="0"/>
-              <a:t>3</a:t>
-            </a:r>
-            <a:r>
-              <a:rPr lang="en-US" altLang="en-US" sz="1700" dirty="0"/>
-              <a:t> </a:t>
-            </a:r>
-            <a:r>
-              <a:rPr lang="en-US" altLang="en-US" sz="1700" b="1" dirty="0"/>
-              <a:t>select</a:t>
-            </a:r>
-            <a:r>
-              <a:rPr lang="en-US" altLang="en-US" sz="1700" dirty="0"/>
-              <a:t> authorization on the </a:t>
-            </a:r>
-            <a:r>
-              <a:rPr lang="en-US" altLang="en-US" sz="1700" i="1" dirty="0"/>
-              <a:t>instructor </a:t>
-            </a:r>
-            <a:r>
-              <a:rPr lang="en-US" altLang="en-US" sz="1700" dirty="0"/>
-              <a:t>relation:</a:t>
+              <a:t>grant</a:t>
+            </a:r>
+            <a:r>
+              <a:rPr lang="en-US" altLang="en-US" sz="1700" dirty="0"/>
+              <a:t> statement is used to confer authorization</a:t>
             </a:r>
             <a:endParaRPr lang="en-US" altLang="en-US" sz="1700" dirty="0"/>
           </a:p>
@@ -26940,103 +27764,123 @@
             </a:pPr>
             <a:r>
               <a:rPr lang="en-US" altLang="en-US" sz="1700" dirty="0"/>
-              <a:t>			</a:t>
+              <a:t>	   </a:t>
             </a:r>
             <a:r>
               <a:rPr lang="en-US" altLang="en-US" sz="1700" b="1" dirty="0"/>
-              <a:t>grant select on </a:t>
+              <a:t>grant</a:t>
+            </a:r>
+            <a:r>
+              <a:rPr lang="en-US" altLang="en-US" sz="1700" dirty="0"/>
+              <a:t> &lt;privilege list&gt; </a:t>
+            </a:r>
+            <a:r>
+              <a:rPr lang="en-US" altLang="en-US" sz="1700" b="1" dirty="0"/>
+              <a:t>on </a:t>
+            </a:r>
+            <a:r>
+              <a:rPr lang="en-US" altLang="en-US" sz="1700" dirty="0"/>
+              <a:t>&lt;relation or view &gt; </a:t>
+            </a:r>
+            <a:r>
+              <a:rPr lang="en-US" altLang="en-US" sz="1700" b="1" dirty="0"/>
+              <a:t>to</a:t>
+            </a:r>
+            <a:r>
+              <a:rPr lang="en-US" altLang="en-US" sz="1700" dirty="0"/>
+              <a:t> &lt;user list&gt;</a:t>
+            </a:r>
+            <a:endParaRPr lang="en-US" altLang="en-US" sz="1700" dirty="0"/>
+          </a:p>
+          <a:p>
+            <a:r>
+              <a:rPr lang="en-US" altLang="en-US" sz="1700" dirty="0"/>
+              <a:t>&lt;user list&gt; is:</a:t>
+            </a:r>
+            <a:endParaRPr lang="en-US" altLang="en-US" sz="1700" dirty="0"/>
+          </a:p>
+          <a:p>
+            <a:pPr lvl="1"/>
+            <a:r>
+              <a:rPr lang="en-US" altLang="en-US" sz="1700" dirty="0"/>
+              <a:t>a user-id</a:t>
+            </a:r>
+            <a:endParaRPr lang="en-US" altLang="en-US" sz="1700" dirty="0"/>
+          </a:p>
+          <a:p>
+            <a:pPr lvl="1"/>
+            <a:r>
+              <a:rPr lang="en-US" altLang="en-US" sz="1700" b="1" dirty="0"/>
+              <a:t>public</a:t>
+            </a:r>
+            <a:r>
+              <a:rPr lang="en-US" altLang="en-US" sz="1700" dirty="0"/>
+              <a:t>, which allows all valid users the privilege granted</a:t>
+            </a:r>
+            <a:endParaRPr lang="en-US" altLang="en-US" sz="1700" dirty="0"/>
+          </a:p>
+          <a:p>
+            <a:pPr lvl="1"/>
+            <a:r>
+              <a:rPr lang="en-US" altLang="en-US" sz="1700" dirty="0"/>
+              <a:t>A role (more on this later)</a:t>
+            </a:r>
+            <a:endParaRPr lang="en-US" altLang="en-US" sz="1700" dirty="0"/>
+          </a:p>
+          <a:p>
+            <a:r>
+              <a:rPr lang="en-US" altLang="en-US" sz="1700" dirty="0"/>
+              <a:t>Example:</a:t>
+            </a:r>
+            <a:endParaRPr lang="en-US" altLang="en-US" sz="1700" dirty="0"/>
+          </a:p>
+          <a:p>
+            <a:pPr lvl="1"/>
+            <a:r>
+              <a:rPr lang="en-US" altLang="en-US" sz="1700" b="1" dirty="0"/>
+              <a:t>grant</a:t>
+            </a:r>
+            <a:r>
+              <a:rPr lang="en-US" altLang="en-US" sz="1700" dirty="0"/>
+              <a:t>  </a:t>
+            </a:r>
+            <a:r>
+              <a:rPr lang="en-US" altLang="en-US" sz="1700" b="1" dirty="0"/>
+              <a:t>select on  </a:t>
             </a:r>
             <a:r>
               <a:rPr lang="en-US" altLang="en-US" sz="1700" i="1" dirty="0"/>
-              <a:t>instructor </a:t>
+              <a:t>department</a:t>
             </a:r>
             <a:r>
               <a:rPr lang="en-US" altLang="en-US" sz="1700" b="1" dirty="0"/>
-              <a:t>to </a:t>
-            </a:r>
-            <a:r>
-              <a:rPr lang="en-US" altLang="en-US" sz="1700" i="1" dirty="0"/>
-              <a:t>U</a:t>
-            </a:r>
-            <a:r>
-              <a:rPr lang="en-US" altLang="en-US" sz="1700" baseline="-25000" dirty="0"/>
-              <a:t>1</a:t>
-            </a:r>
-            <a:r>
-              <a:rPr lang="en-US" altLang="en-US" sz="1700" i="1" dirty="0"/>
-              <a:t>, U</a:t>
-            </a:r>
-            <a:r>
-              <a:rPr lang="en-US" altLang="en-US" sz="1700" baseline="-25000" dirty="0"/>
-              <a:t>2</a:t>
-            </a:r>
-            <a:r>
-              <a:rPr lang="en-US" altLang="en-US" sz="1700" i="1" dirty="0"/>
-              <a:t>, U</a:t>
-            </a:r>
-            <a:r>
-              <a:rPr lang="en-US" altLang="en-US" sz="1700" baseline="-25000" dirty="0"/>
-              <a:t>3</a:t>
+              <a:t> to</a:t>
+            </a:r>
+            <a:r>
+              <a:rPr lang="en-US" altLang="en-US" sz="1700" dirty="0"/>
+              <a:t> </a:t>
+            </a:r>
+            <a:r>
+              <a:rPr lang="en-US" altLang="en-US" sz="1700" dirty="0" err="1"/>
+              <a:t>Amit</a:t>
+            </a:r>
+            <a:r>
+              <a:rPr lang="en-US" altLang="en-US" sz="1700" dirty="0"/>
+              <a:t>,  Satoshi</a:t>
             </a:r>
             <a:endParaRPr lang="en-US" altLang="en-US" sz="1700" dirty="0"/>
           </a:p>
           <a:p>
             <a:r>
-              <a:rPr lang="en-US" altLang="en-US" sz="1700" b="1" dirty="0">
-                <a:solidFill>
-                  <a:srgbClr val="002060"/>
-                </a:solidFill>
-              </a:rPr>
-              <a:t>insert</a:t>
-            </a:r>
-            <a:r>
-              <a:rPr lang="en-US" altLang="en-US" sz="1700" dirty="0"/>
-              <a:t>: the ability to insert tuples</a:t>
+              <a:rPr lang="en-US" altLang="en-US" sz="1700" dirty="0"/>
+              <a:t>Granting a privilege on a view does not imply granting any privileges on the underlying relations.</a:t>
             </a:r>
             <a:endParaRPr lang="en-US" altLang="en-US" sz="1700" dirty="0"/>
           </a:p>
           <a:p>
             <a:r>
-              <a:rPr lang="en-US" altLang="en-US" sz="1700" b="1" dirty="0">
-                <a:solidFill>
-                  <a:srgbClr val="002060"/>
-                </a:solidFill>
-              </a:rPr>
-              <a:t>update</a:t>
-            </a:r>
-            <a:r>
-              <a:rPr lang="en-US" altLang="en-US" sz="1700" dirty="0"/>
-              <a:t>: the ability  to update using the SQL update statement</a:t>
-            </a:r>
-            <a:endParaRPr lang="en-US" altLang="en-US" sz="1700" dirty="0"/>
-          </a:p>
-          <a:p>
-            <a:r>
-              <a:rPr lang="en-US" altLang="en-US" sz="1700" b="1" dirty="0">
-                <a:solidFill>
-                  <a:srgbClr val="002060"/>
-                </a:solidFill>
-              </a:rPr>
-              <a:t>delete</a:t>
-            </a:r>
-            <a:r>
-              <a:rPr lang="en-US" altLang="en-US" sz="1700" dirty="0"/>
-              <a:t>: the ability to delete tuples.</a:t>
-            </a:r>
-            <a:endParaRPr lang="en-US" altLang="en-US" sz="1700" dirty="0"/>
-          </a:p>
-          <a:p>
-            <a:r>
-              <a:rPr lang="en-US" altLang="en-US" sz="1700" b="1" dirty="0">
-                <a:solidFill>
-                  <a:srgbClr val="002060"/>
-                </a:solidFill>
-              </a:rPr>
-              <a:t>all privileges</a:t>
-            </a:r>
-            <a:r>
-              <a:rPr lang="en-US" altLang="en-US" sz="1700" dirty="0"/>
-              <a:t>: used as a short form for all the allowable privileges</a:t>
+              <a:rPr lang="en-US" altLang="en-US" sz="1700" dirty="0"/>
+              <a:t>The grantor of the privilege must already hold the privilege on the specified item (or be the database administrator).</a:t>
             </a:r>
             <a:endParaRPr lang="en-US" altLang="en-US" sz="1700" dirty="0"/>
           </a:p>
@@ -27084,7 +27928,7 @@
           <a:p>
             <a:r>
               <a:rPr lang="en-US" sz="2800" dirty="0"/>
-              <a:t>Revoking Authorization in SQL</a:t>
+              <a:t>Privileges in SQL</a:t>
             </a:r>
             <a:endParaRPr lang="en-US" altLang="en-US" sz="2800" dirty="0">
               <a:effectLst>
@@ -27108,8 +27952,8 @@
         </p:nvSpPr>
         <p:spPr>
           <a:xfrm>
-            <a:off x="768351" y="1142556"/>
-            <a:ext cx="7558786" cy="4903787"/>
+            <a:off x="768351" y="1093788"/>
+            <a:ext cx="7327138" cy="4903787"/>
           </a:xfrm>
         </p:spPr>
         <p:txBody>
@@ -27117,88 +27961,106 @@
           <a:lstStyle/>
           <a:p>
             <a:r>
-              <a:rPr lang="en-US" altLang="en-US" sz="1700" dirty="0"/>
-              <a:t>The </a:t>
-            </a:r>
-            <a:r>
               <a:rPr lang="en-US" altLang="en-US" sz="1700" b="1" dirty="0">
                 <a:solidFill>
                   <a:srgbClr val="002060"/>
                 </a:solidFill>
               </a:rPr>
-              <a:t>revoke</a:t>
+              <a:t>select</a:t>
+            </a:r>
+            <a:r>
+              <a:rPr lang="en-US" altLang="en-US" sz="1700" dirty="0"/>
+              <a:t>: allows read access to relation, or the ability to query using the view</a:t>
+            </a:r>
+            <a:endParaRPr lang="en-US" altLang="en-US" sz="1700" dirty="0"/>
+          </a:p>
+          <a:p>
+            <a:pPr lvl="1"/>
+            <a:r>
+              <a:rPr lang="en-US" altLang="en-US" sz="1700" dirty="0"/>
+              <a:t>Example: grant users </a:t>
+            </a:r>
+            <a:r>
+              <a:rPr lang="en-US" altLang="en-US" sz="1700" i="1" dirty="0"/>
+              <a:t>U</a:t>
+            </a:r>
+            <a:r>
+              <a:rPr lang="en-US" altLang="en-US" sz="1700" baseline="-25000" dirty="0"/>
+              <a:t>1</a:t>
+            </a:r>
+            <a:r>
+              <a:rPr lang="en-US" altLang="en-US" sz="1700" dirty="0"/>
+              <a:t>, </a:t>
+            </a:r>
+            <a:r>
+              <a:rPr lang="en-US" altLang="en-US" sz="1700" i="1" dirty="0"/>
+              <a:t>U</a:t>
+            </a:r>
+            <a:r>
+              <a:rPr lang="en-US" altLang="en-US" sz="1700" baseline="-25000" dirty="0"/>
+              <a:t>2</a:t>
+            </a:r>
+            <a:r>
+              <a:rPr lang="en-US" altLang="en-US" sz="1700" dirty="0"/>
+              <a:t>, and </a:t>
+            </a:r>
+            <a:r>
+              <a:rPr lang="en-US" altLang="en-US" sz="1700" i="1" dirty="0"/>
+              <a:t>U</a:t>
+            </a:r>
+            <a:r>
+              <a:rPr lang="en-US" altLang="en-US" sz="1700" baseline="-25000" dirty="0"/>
+              <a:t>3</a:t>
+            </a:r>
+            <a:r>
+              <a:rPr lang="en-US" altLang="en-US" sz="1700" dirty="0"/>
+              <a:t> </a:t>
             </a:r>
             <a:r>
               <a:rPr lang="en-US" altLang="en-US" sz="1700" b="1" dirty="0"/>
-              <a:t> </a:t>
-            </a:r>
-            <a:r>
-              <a:rPr lang="en-US" altLang="en-US" sz="1700" dirty="0"/>
-              <a:t>statement is used to revoke authorization.</a:t>
+              <a:t>select</a:t>
+            </a:r>
+            <a:r>
+              <a:rPr lang="en-US" altLang="en-US" sz="1700" dirty="0"/>
+              <a:t> authorization on the </a:t>
+            </a:r>
+            <a:r>
+              <a:rPr lang="en-US" altLang="en-US" sz="1700" i="1" dirty="0"/>
+              <a:t>instructor </a:t>
+            </a:r>
+            <a:r>
+              <a:rPr lang="en-US" altLang="en-US" sz="1700" dirty="0"/>
+              <a:t>relation:</a:t>
             </a:r>
             <a:endParaRPr lang="en-US" altLang="en-US" sz="1700" dirty="0"/>
           </a:p>
           <a:p>
-            <a:pPr lvl="1">
+            <a:pPr>
               <a:buFont typeface="Monotype Sorts" pitchFamily="-65" charset="2"/>
               <a:buNone/>
             </a:pPr>
             <a:r>
+              <a:rPr lang="en-US" altLang="en-US" sz="1700" dirty="0"/>
+              <a:t>			</a:t>
+            </a:r>
+            <a:r>
               <a:rPr lang="en-US" altLang="en-US" sz="1700" b="1" dirty="0"/>
-              <a:t>revoke </a:t>
-            </a:r>
-            <a:r>
-              <a:rPr lang="en-US" altLang="en-US" sz="1700" dirty="0"/>
-              <a:t>&lt;privilege list&gt; </a:t>
+              <a:t>grant select on </a:t>
+            </a:r>
+            <a:r>
+              <a:rPr lang="en-US" altLang="en-US" sz="1700" i="1" dirty="0"/>
+              <a:t>instructor </a:t>
             </a:r>
             <a:r>
               <a:rPr lang="en-US" altLang="en-US" sz="1700" b="1" dirty="0"/>
-              <a:t>on </a:t>
-            </a:r>
-            <a:r>
-              <a:rPr lang="en-US" altLang="en-US" sz="1700" dirty="0"/>
-              <a:t>&lt;relation or view&gt; </a:t>
-            </a:r>
-            <a:r>
-              <a:rPr lang="en-US" altLang="en-US" sz="1700" b="1" dirty="0"/>
-              <a:t>from </a:t>
-            </a:r>
-            <a:r>
-              <a:rPr lang="en-US" altLang="en-US" sz="1700" dirty="0"/>
-              <a:t>&lt;user list&gt;</a:t>
-            </a:r>
-            <a:endParaRPr lang="en-US" altLang="en-US" sz="1700" dirty="0"/>
-          </a:p>
-          <a:p>
-            <a:r>
-              <a:rPr lang="en-US" altLang="en-US" sz="1700" dirty="0"/>
-              <a:t>Example:</a:t>
-            </a:r>
-            <a:endParaRPr lang="en-US" altLang="en-US" sz="1700" dirty="0"/>
-          </a:p>
-          <a:p>
-            <a:pPr lvl="1">
-              <a:buFont typeface="Monotype Sorts" pitchFamily="-65" charset="2"/>
-              <a:buNone/>
-            </a:pPr>
-            <a:r>
-              <a:rPr lang="en-US" altLang="en-US" sz="1700" b="1" dirty="0"/>
-              <a:t>revoke select on </a:t>
-            </a:r>
-            <a:r>
-              <a:rPr lang="en-US" altLang="en-US" sz="1700" i="1" dirty="0"/>
-              <a:t>student  </a:t>
-            </a:r>
-            <a:r>
-              <a:rPr lang="en-US" altLang="en-US" sz="1700" b="1" dirty="0"/>
-              <a:t>from </a:t>
+              <a:t>to </a:t>
             </a:r>
             <a:r>
               <a:rPr lang="en-US" altLang="en-US" sz="1700" i="1" dirty="0"/>
               <a:t>U</a:t>
             </a:r>
             <a:r>
-              <a:rPr lang="en-US" altLang="en-US" sz="1700" i="1" baseline="-25000" dirty="0"/>
+              <a:rPr lang="en-US" altLang="en-US" sz="1700" baseline="-25000" dirty="0"/>
               <a:t>1</a:t>
             </a:r>
             <a:r>
@@ -27206,7 +28068,7 @@
               <a:t>, U</a:t>
             </a:r>
             <a:r>
-              <a:rPr lang="en-US" altLang="en-US" sz="1700" i="1" baseline="-25000" dirty="0"/>
+              <a:rPr lang="en-US" altLang="en-US" sz="1700" baseline="-25000" dirty="0"/>
               <a:t>2</a:t>
             </a:r>
             <a:r>
@@ -27214,73 +28076,70 @@
               <a:t>, U</a:t>
             </a:r>
             <a:r>
-              <a:rPr lang="en-US" altLang="en-US" sz="1700" i="1" baseline="-25000" dirty="0"/>
+              <a:rPr lang="en-US" altLang="en-US" sz="1700" baseline="-25000" dirty="0"/>
               <a:t>3</a:t>
             </a:r>
-            <a:endParaRPr lang="en-US" altLang="en-US" sz="1700" i="1" baseline="-25000" dirty="0"/>
-          </a:p>
-          <a:p>
-            <a:r>
-              <a:rPr lang="en-US" altLang="en-US" sz="1700" dirty="0"/>
-              <a:t>&lt;privilege-list&gt; may be </a:t>
-            </a:r>
-            <a:r>
-              <a:rPr lang="en-US" altLang="en-US" sz="1700" b="1" dirty="0"/>
-              <a:t>all </a:t>
-            </a:r>
-            <a:r>
-              <a:rPr lang="en-US" altLang="en-US" sz="1700" dirty="0"/>
-              <a:t>to revoke all privileges the </a:t>
-            </a:r>
-            <a:r>
-              <a:rPr lang="en-US" altLang="en-US" sz="1700" dirty="0" err="1"/>
-              <a:t>revokee</a:t>
-            </a:r>
-            <a:r>
-              <a:rPr lang="en-US" altLang="en-US" sz="1700" dirty="0"/>
-              <a:t> may hold.</a:t>
-            </a:r>
             <a:endParaRPr lang="en-US" altLang="en-US" sz="1700" dirty="0"/>
           </a:p>
           <a:p>
             <a:r>
-              <a:rPr lang="en-US" altLang="en-US" sz="1700" dirty="0"/>
-              <a:t>If &lt;</a:t>
-            </a:r>
-            <a:r>
-              <a:rPr lang="en-US" altLang="en-US" sz="1700" dirty="0" err="1"/>
-              <a:t>revokee</a:t>
-            </a:r>
-            <a:r>
-              <a:rPr lang="en-US" altLang="en-US" sz="1700" dirty="0"/>
-              <a:t>-list&gt; includes </a:t>
-            </a:r>
-            <a:r>
-              <a:rPr lang="en-US" altLang="en-US" sz="1700" b="1" dirty="0"/>
-              <a:t>public, </a:t>
-            </a:r>
-            <a:r>
-              <a:rPr lang="en-US" altLang="en-US" sz="1700" dirty="0"/>
-              <a:t>all users lose the privilege except those granted it explicitly.</a:t>
+              <a:rPr lang="en-US" altLang="en-US" sz="1700" b="1" dirty="0">
+                <a:solidFill>
+                  <a:srgbClr val="002060"/>
+                </a:solidFill>
+              </a:rPr>
+              <a:t>insert</a:t>
+            </a:r>
+            <a:r>
+              <a:rPr lang="en-US" altLang="en-US" sz="1700" dirty="0"/>
+              <a:t>: the ability to insert tuples</a:t>
             </a:r>
             <a:endParaRPr lang="en-US" altLang="en-US" sz="1700" dirty="0"/>
           </a:p>
           <a:p>
             <a:r>
-              <a:rPr lang="en-US" altLang="en-US" sz="1700" dirty="0"/>
-              <a:t>If the same privilege was granted twice to the same user by different grantees, the user may retain the privilege after the revocation.</a:t>
+              <a:rPr lang="en-US" altLang="en-US" sz="1700" b="1" dirty="0">
+                <a:solidFill>
+                  <a:srgbClr val="002060"/>
+                </a:solidFill>
+              </a:rPr>
+              <a:t>update</a:t>
+            </a:r>
+            <a:r>
+              <a:rPr lang="en-US" altLang="en-US" sz="1700" dirty="0"/>
+              <a:t>: the ability  to update using the SQL update statement</a:t>
             </a:r>
             <a:endParaRPr lang="en-US" altLang="en-US" sz="1700" dirty="0"/>
           </a:p>
           <a:p>
             <a:r>
-              <a:rPr lang="en-US" altLang="en-US" sz="1700" dirty="0"/>
-              <a:t>All privileges that depend on the privilege being revoked are also revoked.</a:t>
+              <a:rPr lang="en-US" altLang="en-US" sz="1700" b="1" dirty="0">
+                <a:solidFill>
+                  <a:srgbClr val="002060"/>
+                </a:solidFill>
+              </a:rPr>
+              <a:t>delete</a:t>
+            </a:r>
+            <a:r>
+              <a:rPr lang="en-US" altLang="en-US" sz="1700" dirty="0"/>
+              <a:t>: the ability to delete tuples.</a:t>
             </a:r>
             <a:endParaRPr lang="en-US" altLang="en-US" sz="1700" dirty="0"/>
           </a:p>
           <a:p>
-            <a:endParaRPr lang="en-US" altLang="en-US" sz="2000" dirty="0"/>
+            <a:r>
+              <a:rPr lang="en-US" altLang="en-US" sz="1700" b="1" dirty="0">
+                <a:solidFill>
+                  <a:srgbClr val="002060"/>
+                </a:solidFill>
+              </a:rPr>
+              <a:t>all privileges</a:t>
+            </a:r>
+            <a:r>
+              <a:rPr lang="en-US" altLang="en-US" sz="1700" dirty="0"/>
+              <a:t>: used as a short form for all the allowable privileges</a:t>
+            </a:r>
+            <a:endParaRPr lang="en-US" altLang="en-US" sz="1700" dirty="0"/>
           </a:p>
         </p:txBody>
       </p:sp>
@@ -27325,10 +28184,8 @@
           <a:lstStyle/>
           <a:p>
             <a:r>
-              <a:rPr lang="en-US" altLang="en-US" sz="2800" dirty="0">
-                <a:effectLst/>
-              </a:rPr>
-              <a:t>Roles</a:t>
+              <a:rPr lang="en-US" sz="2800" dirty="0"/>
+              <a:t>Revoking Authorization in SQL</a:t>
             </a:r>
             <a:endParaRPr lang="en-US" altLang="en-US" sz="2800" dirty="0">
               <a:effectLst>
@@ -27352,8 +28209,8 @@
         </p:nvSpPr>
         <p:spPr>
           <a:xfrm>
-            <a:off x="768350" y="1118173"/>
-            <a:ext cx="7629925" cy="3161220"/>
+            <a:off x="768351" y="1142556"/>
+            <a:ext cx="7558786" cy="4903787"/>
           </a:xfrm>
         </p:spPr>
         <p:txBody>
@@ -27362,68 +28219,54 @@
           <a:p>
             <a:r>
               <a:rPr lang="en-US" altLang="en-US" sz="1700" dirty="0"/>
-              <a:t>A</a:t>
+              <a:t>The </a:t>
             </a:r>
             <a:r>
               <a:rPr lang="en-US" altLang="en-US" sz="1700" b="1" dirty="0">
                 <a:solidFill>
-                  <a:srgbClr val="000099"/>
+                  <a:srgbClr val="002060"/>
                 </a:solidFill>
               </a:rPr>
+              <a:t>revoke</a:t>
+            </a:r>
+            <a:r>
+              <a:rPr lang="en-US" altLang="en-US" sz="1700" b="1" dirty="0"/>
               <a:t> </a:t>
             </a:r>
             <a:r>
-              <a:rPr lang="en-US" altLang="en-US" sz="1700" b="1" dirty="0">
-                <a:solidFill>
-                  <a:srgbClr val="002060"/>
-                </a:solidFill>
-              </a:rPr>
-              <a:t>role</a:t>
-            </a:r>
-            <a:r>
-              <a:rPr lang="en-US" altLang="en-US" sz="1700" b="1" dirty="0">
-                <a:solidFill>
-                  <a:srgbClr val="000099"/>
-                </a:solidFill>
-              </a:rPr>
-              <a:t> </a:t>
-            </a:r>
-            <a:r>
-              <a:rPr lang="en-US" altLang="en-US" sz="1700" dirty="0"/>
-              <a:t>is</a:t>
-            </a:r>
-            <a:r>
-              <a:rPr lang="en-US" altLang="en-US" sz="1700" b="1" dirty="0">
-                <a:solidFill>
-                  <a:srgbClr val="000099"/>
-                </a:solidFill>
-              </a:rPr>
-              <a:t> </a:t>
-            </a:r>
-            <a:r>
-              <a:rPr lang="en-US" altLang="en-US" sz="1700" dirty="0"/>
-              <a:t>a way to distinguish among various users as far as what  these users can access/update in the database.</a:t>
+              <a:rPr lang="en-US" altLang="en-US" sz="1700" dirty="0"/>
+              <a:t>statement is used to revoke authorization.</a:t>
             </a:r>
             <a:endParaRPr lang="en-US" altLang="en-US" sz="1700" dirty="0"/>
           </a:p>
           <a:p>
-            <a:r>
-              <a:rPr lang="en-US" altLang="en-US" sz="1700" dirty="0"/>
-              <a:t>To create a role we use:</a:t>
-            </a:r>
-            <a:endParaRPr lang="en-US" altLang="en-US" sz="1700" dirty="0"/>
-          </a:p>
-          <a:p>
-            <a:pPr>
+            <a:pPr lvl="1">
+              <a:buFont typeface="Monotype Sorts" pitchFamily="-65" charset="2"/>
               <a:buNone/>
             </a:pPr>
             <a:r>
               <a:rPr lang="en-US" altLang="en-US" sz="1700" b="1" dirty="0"/>
-              <a:t>        create a role </a:t>
-            </a:r>
-            <a:r>
-              <a:rPr lang="en-US" altLang="en-US" sz="1700" dirty="0"/>
-              <a:t>&lt;name&gt;</a:t>
+              <a:t>revoke </a:t>
+            </a:r>
+            <a:r>
+              <a:rPr lang="en-US" altLang="en-US" sz="1700" dirty="0"/>
+              <a:t>&lt;privilege list&gt; </a:t>
+            </a:r>
+            <a:r>
+              <a:rPr lang="en-US" altLang="en-US" sz="1700" b="1" dirty="0"/>
+              <a:t>on </a:t>
+            </a:r>
+            <a:r>
+              <a:rPr lang="en-US" altLang="en-US" sz="1700" dirty="0"/>
+              <a:t>&lt;relation or view&gt; </a:t>
+            </a:r>
+            <a:r>
+              <a:rPr lang="en-US" altLang="en-US" sz="1700" b="1" dirty="0"/>
+              <a:t>from </a:t>
+            </a:r>
+            <a:r>
+              <a:rPr lang="en-US" altLang="en-US" sz="1700" dirty="0"/>
+              <a:t>&lt;user list&gt;</a:t>
             </a:r>
             <a:endParaRPr lang="en-US" altLang="en-US" sz="1700" dirty="0"/>
           </a:p>
@@ -27435,45 +28278,105 @@
             <a:endParaRPr lang="en-US" altLang="en-US" sz="1700" dirty="0"/>
           </a:p>
           <a:p>
-            <a:pPr lvl="1"/>
-            <a:r>
-              <a:rPr lang="en-US" altLang="en-US" sz="1700" dirty="0"/>
-              <a:t>  </a:t>
-            </a:r>
+            <a:pPr lvl="1">
+              <a:buFont typeface="Monotype Sorts" pitchFamily="-65" charset="2"/>
+              <a:buNone/>
+            </a:pPr>
             <a:r>
               <a:rPr lang="en-US" altLang="en-US" sz="1700" b="1" dirty="0"/>
-              <a:t>create role</a:t>
-            </a:r>
-            <a:r>
-              <a:rPr lang="en-US" altLang="en-US" sz="1700" dirty="0"/>
-              <a:t> instructor</a:t>
+              <a:t>revoke select on </a:t>
+            </a:r>
+            <a:r>
+              <a:rPr lang="en-US" altLang="en-US" sz="1700" i="1" dirty="0"/>
+              <a:t>student  </a:t>
+            </a:r>
+            <a:r>
+              <a:rPr lang="en-US" altLang="en-US" sz="1700" b="1" dirty="0"/>
+              <a:t>from </a:t>
+            </a:r>
+            <a:r>
+              <a:rPr lang="en-US" altLang="en-US" sz="1700" i="1" dirty="0"/>
+              <a:t>U</a:t>
+            </a:r>
+            <a:r>
+              <a:rPr lang="en-US" altLang="en-US" sz="1700" i="1" baseline="-25000" dirty="0"/>
+              <a:t>1</a:t>
+            </a:r>
+            <a:r>
+              <a:rPr lang="en-US" altLang="en-US" sz="1700" i="1" dirty="0"/>
+              <a:t>, U</a:t>
+            </a:r>
+            <a:r>
+              <a:rPr lang="en-US" altLang="en-US" sz="1700" i="1" baseline="-25000" dirty="0"/>
+              <a:t>2</a:t>
+            </a:r>
+            <a:r>
+              <a:rPr lang="en-US" altLang="en-US" sz="1700" i="1" dirty="0"/>
+              <a:t>, U</a:t>
+            </a:r>
+            <a:r>
+              <a:rPr lang="en-US" altLang="en-US" sz="1700" i="1" baseline="-25000" dirty="0"/>
+              <a:t>3</a:t>
+            </a:r>
+            <a:endParaRPr lang="en-US" altLang="en-US" sz="1700" i="1" baseline="-25000" dirty="0"/>
+          </a:p>
+          <a:p>
+            <a:r>
+              <a:rPr lang="en-US" altLang="en-US" sz="1700" dirty="0"/>
+              <a:t>&lt;privilege-list&gt; may be </a:t>
+            </a:r>
+            <a:r>
+              <a:rPr lang="en-US" altLang="en-US" sz="1700" b="1" dirty="0"/>
+              <a:t>all </a:t>
+            </a:r>
+            <a:r>
+              <a:rPr lang="en-US" altLang="en-US" sz="1700" dirty="0"/>
+              <a:t>to revoke all privileges the </a:t>
+            </a:r>
+            <a:r>
+              <a:rPr lang="en-US" altLang="en-US" sz="1700" dirty="0" err="1"/>
+              <a:t>revokee</a:t>
+            </a:r>
+            <a:r>
+              <a:rPr lang="en-US" altLang="en-US" sz="1700" dirty="0"/>
+              <a:t> may hold.</a:t>
             </a:r>
             <a:endParaRPr lang="en-US" altLang="en-US" sz="1700" dirty="0"/>
           </a:p>
           <a:p>
             <a:r>
               <a:rPr lang="en-US" altLang="en-US" sz="1700" dirty="0"/>
-              <a:t>Once a role is created we can assign “users” to the role using:</a:t>
+              <a:t>If &lt;</a:t>
+            </a:r>
+            <a:r>
+              <a:rPr lang="en-US" altLang="en-US" sz="1700" dirty="0" err="1"/>
+              <a:t>revokee</a:t>
+            </a:r>
+            <a:r>
+              <a:rPr lang="en-US" altLang="en-US" sz="1700" dirty="0"/>
+              <a:t>-list&gt; includes </a:t>
+            </a:r>
+            <a:r>
+              <a:rPr lang="en-US" altLang="en-US" sz="1700" b="1" dirty="0"/>
+              <a:t>public, </a:t>
+            </a:r>
+            <a:r>
+              <a:rPr lang="en-US" altLang="en-US" sz="1700" dirty="0"/>
+              <a:t>all users lose the privilege except those granted it explicitly.</a:t>
             </a:r>
             <a:endParaRPr lang="en-US" altLang="en-US" sz="1700" dirty="0"/>
           </a:p>
           <a:p>
-            <a:pPr lvl="1"/>
-            <a:r>
-              <a:rPr lang="en-US" altLang="en-US" sz="1700" b="1" dirty="0"/>
-              <a:t>grant</a:t>
-            </a:r>
-            <a:r>
-              <a:rPr lang="en-US" altLang="en-US" sz="1700" dirty="0"/>
-              <a:t>  &lt;role&gt; </a:t>
-            </a:r>
-            <a:r>
-              <a:rPr lang="en-US" altLang="en-US" sz="1700" b="1" dirty="0"/>
-              <a:t>to </a:t>
-            </a:r>
-            <a:r>
-              <a:rPr lang="en-US" altLang="en-US" sz="1700" dirty="0"/>
-              <a:t>&lt;users&gt;</a:t>
+            <a:r>
+              <a:rPr lang="en-US" altLang="en-US" sz="1700" dirty="0"/>
+              <a:t>If the same privilege was granted twice to the same user by different grantees, the user may retain the privilege after the revocation.</a:t>
+            </a:r>
+            <a:endParaRPr lang="en-US" altLang="en-US" sz="1700" dirty="0"/>
+          </a:p>
+          <a:p>
+            <a:r>
+              <a:rPr lang="en-US" altLang="en-US" sz="1700" dirty="0"/>
+              <a:t>All privileges that depend on the privilege being revoked are also revoked.</a:t>
             </a:r>
             <a:endParaRPr lang="en-US" altLang="en-US" sz="1700" dirty="0"/>
           </a:p>
@@ -27526,7 +28429,7 @@
               <a:rPr lang="en-US" altLang="en-US" sz="2800" dirty="0">
                 <a:effectLst/>
               </a:rPr>
-              <a:t>Roles Example</a:t>
+              <a:t>Roles</a:t>
             </a:r>
             <a:endParaRPr lang="en-US" altLang="en-US" sz="2800" dirty="0">
               <a:effectLst>
@@ -27550,8 +28453,8 @@
         </p:nvSpPr>
         <p:spPr>
           <a:xfrm>
-            <a:off x="768350" y="1130364"/>
-            <a:ext cx="7590445" cy="4903787"/>
+            <a:off x="768350" y="1118173"/>
+            <a:ext cx="7629925" cy="3161220"/>
           </a:xfrm>
         </p:spPr>
         <p:txBody>
@@ -27559,280 +28462,119 @@
           <a:lstStyle/>
           <a:p>
             <a:r>
+              <a:rPr lang="en-US" altLang="en-US" sz="1700" dirty="0"/>
+              <a:t>A</a:t>
+            </a:r>
+            <a:r>
+              <a:rPr lang="en-US" altLang="en-US" sz="1700" b="1" dirty="0">
+                <a:solidFill>
+                  <a:srgbClr val="000099"/>
+                </a:solidFill>
+              </a:rPr>
+              <a:t> </a:t>
+            </a:r>
+            <a:r>
+              <a:rPr lang="en-US" altLang="en-US" sz="1700" b="1" dirty="0">
+                <a:solidFill>
+                  <a:srgbClr val="002060"/>
+                </a:solidFill>
+              </a:rPr>
+              <a:t>role</a:t>
+            </a:r>
+            <a:r>
+              <a:rPr lang="en-US" altLang="en-US" sz="1700" b="1" dirty="0">
+                <a:solidFill>
+                  <a:srgbClr val="000099"/>
+                </a:solidFill>
+              </a:rPr>
+              <a:t> </a:t>
+            </a:r>
+            <a:r>
+              <a:rPr lang="en-US" altLang="en-US" sz="1700" dirty="0"/>
+              <a:t>is</a:t>
+            </a:r>
+            <a:r>
+              <a:rPr lang="en-US" altLang="en-US" sz="1700" b="1" dirty="0">
+                <a:solidFill>
+                  <a:srgbClr val="000099"/>
+                </a:solidFill>
+              </a:rPr>
+              <a:t> </a:t>
+            </a:r>
+            <a:r>
+              <a:rPr lang="en-US" altLang="en-US" sz="1700" dirty="0"/>
+              <a:t>a way to distinguish among various users as far as what  these users can access/update in the database.</a:t>
+            </a:r>
+            <a:endParaRPr lang="en-US" altLang="en-US" sz="1700" dirty="0"/>
+          </a:p>
+          <a:p>
+            <a:r>
+              <a:rPr lang="en-US" altLang="en-US" sz="1700" dirty="0"/>
+              <a:t>To create a role we use:</a:t>
+            </a:r>
+            <a:endParaRPr lang="en-US" altLang="en-US" sz="1700" dirty="0"/>
+          </a:p>
+          <a:p>
+            <a:pPr>
+              <a:buNone/>
+            </a:pPr>
+            <a:r>
+              <a:rPr lang="en-US" altLang="en-US" sz="1700" b="1" dirty="0"/>
+              <a:t>        create a role </a:t>
+            </a:r>
+            <a:r>
+              <a:rPr lang="en-US" altLang="en-US" sz="1700" dirty="0"/>
+              <a:t>&lt;name&gt;</a:t>
+            </a:r>
+            <a:endParaRPr lang="en-US" altLang="en-US" sz="1700" dirty="0"/>
+          </a:p>
+          <a:p>
+            <a:r>
+              <a:rPr lang="en-US" altLang="en-US" sz="1700" dirty="0"/>
+              <a:t>Example:</a:t>
+            </a:r>
+            <a:endParaRPr lang="en-US" altLang="en-US" sz="1700" dirty="0"/>
+          </a:p>
+          <a:p>
+            <a:pPr lvl="1"/>
+            <a:r>
+              <a:rPr lang="en-US" altLang="en-US" sz="1700" dirty="0"/>
+              <a:t>  </a:t>
+            </a:r>
+            <a:r>
               <a:rPr lang="en-US" altLang="en-US" sz="1700" b="1" dirty="0"/>
               <a:t>create role</a:t>
             </a:r>
             <a:r>
               <a:rPr lang="en-US" altLang="en-US" sz="1700" dirty="0"/>
-              <a:t> instructor;</a:t>
+              <a:t> instructor</a:t>
             </a:r>
             <a:endParaRPr lang="en-US" altLang="en-US" sz="1700" dirty="0"/>
           </a:p>
           <a:p>
+            <a:r>
+              <a:rPr lang="en-US" altLang="en-US" sz="1700" dirty="0"/>
+              <a:t>Once a role is created we can assign “users” to the role using:</a:t>
+            </a:r>
+            <a:endParaRPr lang="en-US" altLang="en-US" sz="1700" dirty="0"/>
+          </a:p>
+          <a:p>
+            <a:pPr lvl="1"/>
             <a:r>
               <a:rPr lang="en-US" altLang="en-US" sz="1700" b="1" dirty="0"/>
               <a:t>grant</a:t>
             </a:r>
             <a:r>
               <a:rPr lang="en-US" altLang="en-US" sz="1700" dirty="0"/>
-              <a:t> </a:t>
-            </a:r>
-            <a:r>
-              <a:rPr lang="en-US" altLang="en-US" sz="1700" i="1" dirty="0"/>
-              <a:t>instructor</a:t>
+              <a:t>  &lt;role&gt; </a:t>
             </a:r>
             <a:r>
               <a:rPr lang="en-US" altLang="en-US" sz="1700" b="1" dirty="0"/>
-              <a:t> to </a:t>
-            </a:r>
-            <a:r>
-              <a:rPr lang="en-US" altLang="en-US" sz="1700" dirty="0" err="1"/>
-              <a:t>Amit</a:t>
-            </a:r>
-            <a:r>
-              <a:rPr lang="en-US" altLang="en-US" sz="1700" b="1" dirty="0"/>
-              <a:t>;</a:t>
-            </a:r>
-            <a:endParaRPr lang="en-US" altLang="en-US" sz="1700" dirty="0"/>
-          </a:p>
-          <a:p>
-            <a:r>
-              <a:rPr lang="en-US" altLang="en-US" sz="1700" dirty="0"/>
-              <a:t>Privileges can be granted to roles:</a:t>
-            </a:r>
-            <a:endParaRPr lang="en-US" altLang="en-US" sz="1700" dirty="0"/>
-          </a:p>
-          <a:p>
-            <a:pPr lvl="1"/>
-            <a:r>
-              <a:rPr lang="en-US" altLang="en-US" sz="1700" b="1" dirty="0"/>
-              <a:t>grant</a:t>
-            </a:r>
-            <a:r>
-              <a:rPr lang="en-US" altLang="en-US" sz="1700" dirty="0"/>
-              <a:t> </a:t>
-            </a:r>
-            <a:r>
-              <a:rPr lang="en-US" altLang="en-US" sz="1700" b="1" dirty="0"/>
-              <a:t>select</a:t>
-            </a:r>
-            <a:r>
-              <a:rPr lang="en-US" altLang="en-US" sz="1700" dirty="0"/>
-              <a:t> </a:t>
-            </a:r>
-            <a:r>
-              <a:rPr lang="en-US" altLang="en-US" sz="1700" b="1" dirty="0"/>
-              <a:t>on</a:t>
-            </a:r>
-            <a:r>
-              <a:rPr lang="en-US" altLang="en-US" sz="1700" dirty="0"/>
-              <a:t> </a:t>
-            </a:r>
-            <a:r>
-              <a:rPr lang="en-US" altLang="en-US" sz="1700" i="1" dirty="0"/>
-              <a:t>takes</a:t>
-            </a:r>
-            <a:r>
-              <a:rPr lang="en-US" altLang="en-US" sz="1700" dirty="0"/>
-              <a:t> </a:t>
-            </a:r>
-            <a:r>
-              <a:rPr lang="en-US" altLang="en-US" sz="1700" b="1" dirty="0"/>
-              <a:t>to</a:t>
-            </a:r>
-            <a:r>
-              <a:rPr lang="en-US" altLang="en-US" sz="1700" dirty="0"/>
-              <a:t> </a:t>
-            </a:r>
-            <a:r>
-              <a:rPr lang="en-US" altLang="en-US" sz="1700" i="1" dirty="0"/>
-              <a:t>instructor</a:t>
-            </a:r>
-            <a:r>
-              <a:rPr lang="en-US" altLang="en-US" sz="1700" dirty="0"/>
-              <a:t>;</a:t>
-            </a:r>
-            <a:endParaRPr lang="en-US" altLang="en-US" sz="1700" dirty="0"/>
-          </a:p>
-          <a:p>
-            <a:r>
-              <a:rPr lang="en-US" altLang="en-US" sz="1700" dirty="0"/>
-              <a:t>Roles can be granted to users, as well as to other roles</a:t>
-            </a:r>
-            <a:endParaRPr lang="en-US" altLang="en-US" sz="1700" dirty="0"/>
-          </a:p>
-          <a:p>
-            <a:pPr lvl="1"/>
-            <a:r>
-              <a:rPr lang="en-US" altLang="en-US" sz="1700" b="1" dirty="0"/>
-              <a:t>create</a:t>
-            </a:r>
-            <a:r>
-              <a:rPr lang="en-US" altLang="en-US" sz="1700" dirty="0"/>
-              <a:t> </a:t>
-            </a:r>
-            <a:r>
-              <a:rPr lang="en-US" altLang="en-US" sz="1700" b="1" dirty="0"/>
-              <a:t>role</a:t>
-            </a:r>
-            <a:r>
-              <a:rPr lang="en-US" altLang="en-US" sz="1700" dirty="0"/>
-              <a:t> </a:t>
-            </a:r>
-            <a:r>
-              <a:rPr lang="en-US" altLang="en-US" sz="1700" i="1" dirty="0" err="1"/>
-              <a:t>teaching_assistant</a:t>
-            </a:r>
-            <a:endParaRPr lang="en-US" altLang="en-US" sz="1700" i="1" dirty="0"/>
-          </a:p>
-          <a:p>
-            <a:pPr lvl="1"/>
-            <a:r>
-              <a:rPr lang="en-US" altLang="en-US" sz="1700" b="1" dirty="0"/>
-              <a:t>grant</a:t>
-            </a:r>
-            <a:r>
-              <a:rPr lang="en-US" altLang="en-US" sz="1700" dirty="0"/>
-              <a:t> </a:t>
-            </a:r>
-            <a:r>
-              <a:rPr lang="en-US" altLang="en-US" sz="1700" i="1" dirty="0" err="1"/>
-              <a:t>teaching_assistant</a:t>
-            </a:r>
-            <a:r>
-              <a:rPr lang="en-US" altLang="en-US" sz="1700" dirty="0"/>
-              <a:t> </a:t>
-            </a:r>
-            <a:r>
-              <a:rPr lang="en-US" altLang="en-US" sz="1700" b="1" dirty="0"/>
-              <a:t>to</a:t>
-            </a:r>
-            <a:r>
-              <a:rPr lang="en-US" altLang="en-US" sz="1700" dirty="0"/>
-              <a:t> </a:t>
-            </a:r>
-            <a:r>
-              <a:rPr lang="en-US" altLang="en-US" sz="1700" i="1" dirty="0"/>
-              <a:t>instructor</a:t>
-            </a:r>
-            <a:r>
-              <a:rPr lang="en-US" altLang="en-US" sz="1700" dirty="0"/>
-              <a:t>;</a:t>
-            </a:r>
-            <a:endParaRPr lang="en-US" altLang="en-US" sz="1700" dirty="0"/>
-          </a:p>
-          <a:p>
-            <a:pPr lvl="2"/>
-            <a:r>
-              <a:rPr lang="en-US" altLang="en-US" sz="1700" i="1" dirty="0"/>
-              <a:t>Instructor</a:t>
-            </a:r>
-            <a:r>
-              <a:rPr lang="en-US" altLang="en-US" sz="1700" dirty="0"/>
-              <a:t> inherits all privileges of </a:t>
-            </a:r>
-            <a:r>
-              <a:rPr lang="en-US" altLang="en-US" sz="1700" i="1" dirty="0" err="1"/>
-              <a:t>teaching_assistant</a:t>
-            </a:r>
-            <a:endParaRPr lang="en-US" altLang="en-US" sz="1700" i="1" dirty="0"/>
-          </a:p>
-          <a:p>
-            <a:r>
-              <a:rPr lang="en-US" altLang="en-US" sz="1700" dirty="0"/>
-              <a:t>Chain of roles</a:t>
-            </a:r>
-            <a:endParaRPr lang="en-US" altLang="en-US" sz="1700" dirty="0"/>
-          </a:p>
-          <a:p>
-            <a:pPr lvl="1"/>
-            <a:r>
-              <a:rPr lang="en-US" altLang="en-US" sz="1700" b="1" dirty="0"/>
-              <a:t>create</a:t>
-            </a:r>
-            <a:r>
-              <a:rPr lang="en-US" altLang="en-US" sz="1700" dirty="0"/>
-              <a:t> </a:t>
-            </a:r>
-            <a:r>
-              <a:rPr lang="en-US" altLang="en-US" sz="1700" b="1" dirty="0"/>
-              <a:t>role</a:t>
-            </a:r>
-            <a:r>
-              <a:rPr lang="en-US" altLang="en-US" sz="1700" dirty="0"/>
-              <a:t> </a:t>
-            </a:r>
-            <a:r>
-              <a:rPr lang="en-US" altLang="en-US" sz="1700" i="1" dirty="0"/>
-              <a:t>dean</a:t>
-            </a:r>
-            <a:r>
-              <a:rPr lang="en-US" altLang="en-US" sz="1700" dirty="0"/>
-              <a:t>;</a:t>
-            </a:r>
-            <a:endParaRPr lang="en-US" altLang="en-US" sz="1700" dirty="0"/>
-          </a:p>
-          <a:p>
-            <a:pPr lvl="1"/>
-            <a:r>
-              <a:rPr lang="en-US" altLang="en-US" sz="1700" b="1" dirty="0"/>
-              <a:t>grant</a:t>
-            </a:r>
-            <a:r>
-              <a:rPr lang="en-US" altLang="en-US" sz="1700" dirty="0"/>
-              <a:t> </a:t>
-            </a:r>
-            <a:r>
-              <a:rPr lang="en-US" altLang="en-US" sz="1700" i="1" dirty="0"/>
-              <a:t>instructor</a:t>
-            </a:r>
-            <a:r>
-              <a:rPr lang="en-US" altLang="en-US" sz="1700" dirty="0"/>
-              <a:t> </a:t>
-            </a:r>
-            <a:r>
-              <a:rPr lang="en-US" altLang="en-US" sz="1700" b="1" dirty="0"/>
-              <a:t>to</a:t>
-            </a:r>
-            <a:r>
-              <a:rPr lang="en-US" altLang="en-US" sz="1700" dirty="0"/>
-              <a:t> </a:t>
-            </a:r>
-            <a:r>
-              <a:rPr lang="en-US" altLang="en-US" sz="1700" i="1" dirty="0"/>
-              <a:t>dean</a:t>
-            </a:r>
-            <a:r>
-              <a:rPr lang="en-US" altLang="en-US" sz="1700" dirty="0"/>
-              <a:t>;</a:t>
-            </a:r>
-            <a:endParaRPr lang="en-US" altLang="en-US" sz="1700" dirty="0"/>
-          </a:p>
-          <a:p>
-            <a:pPr lvl="1"/>
-            <a:r>
-              <a:rPr lang="en-US" altLang="en-US" sz="1700" b="1" dirty="0"/>
-              <a:t>grant</a:t>
-            </a:r>
-            <a:r>
-              <a:rPr lang="en-US" altLang="en-US" sz="1700" dirty="0"/>
-              <a:t> </a:t>
-            </a:r>
-            <a:r>
-              <a:rPr lang="en-US" altLang="en-US" sz="1700" i="1" dirty="0"/>
-              <a:t>dean</a:t>
-            </a:r>
-            <a:r>
-              <a:rPr lang="en-US" altLang="en-US" sz="1700" dirty="0"/>
-              <a:t> </a:t>
-            </a:r>
-            <a:r>
-              <a:rPr lang="en-US" altLang="en-US" sz="1700" b="1" dirty="0"/>
-              <a:t>to</a:t>
-            </a:r>
-            <a:r>
-              <a:rPr lang="en-US" altLang="en-US" sz="1700" dirty="0"/>
-              <a:t> Satoshi;</a:t>
+              <a:t>to </a:t>
+            </a:r>
+            <a:r>
+              <a:rPr lang="en-US" altLang="en-US" sz="1700" dirty="0"/>
+              <a:t>&lt;users&gt;</a:t>
             </a:r>
             <a:endParaRPr lang="en-US" altLang="en-US" sz="1700" dirty="0"/>
           </a:p>
@@ -27949,6 +28691,365 @@
       </p:grpSpPr>
       <p:sp>
         <p:nvSpPr>
+          <p:cNvPr id="417794" name="Rectangle 2"/>
+          <p:cNvSpPr>
+            <a:spLocks noGrp="1" noChangeArrowheads="1"/>
+          </p:cNvSpPr>
+          <p:nvPr>
+            <p:ph type="title"/>
+          </p:nvPr>
+        </p:nvSpPr>
+        <p:spPr/>
+        <p:txBody>
+          <a:bodyPr/>
+          <a:lstStyle/>
+          <a:p>
+            <a:r>
+              <a:rPr lang="en-US" altLang="en-US" sz="2800" dirty="0">
+                <a:effectLst/>
+              </a:rPr>
+              <a:t>Roles Example</a:t>
+            </a:r>
+            <a:endParaRPr lang="en-US" altLang="en-US" sz="2800" dirty="0">
+              <a:effectLst>
+                <a:outerShdw blurRad="38100" dist="38100" dir="2700000" algn="tl">
+                  <a:srgbClr val="C0C0C0"/>
+                </a:outerShdw>
+              </a:effectLst>
+            </a:endParaRPr>
+          </a:p>
+        </p:txBody>
+      </p:sp>
+      <p:sp>
+        <p:nvSpPr>
+          <p:cNvPr id="72707" name="Rectangle 3"/>
+          <p:cNvSpPr>
+            <a:spLocks noGrp="1" noChangeArrowheads="1"/>
+          </p:cNvSpPr>
+          <p:nvPr>
+            <p:ph type="body" idx="1"/>
+          </p:nvPr>
+        </p:nvSpPr>
+        <p:spPr>
+          <a:xfrm>
+            <a:off x="768350" y="1130364"/>
+            <a:ext cx="7590445" cy="4903787"/>
+          </a:xfrm>
+        </p:spPr>
+        <p:txBody>
+          <a:bodyPr/>
+          <a:lstStyle/>
+          <a:p>
+            <a:r>
+              <a:rPr lang="en-US" altLang="en-US" sz="1700" b="1" dirty="0"/>
+              <a:t>create role</a:t>
+            </a:r>
+            <a:r>
+              <a:rPr lang="en-US" altLang="en-US" sz="1700" dirty="0"/>
+              <a:t> instructor;</a:t>
+            </a:r>
+            <a:endParaRPr lang="en-US" altLang="en-US" sz="1700" dirty="0"/>
+          </a:p>
+          <a:p>
+            <a:r>
+              <a:rPr lang="en-US" altLang="en-US" sz="1700" b="1" dirty="0"/>
+              <a:t>grant</a:t>
+            </a:r>
+            <a:r>
+              <a:rPr lang="en-US" altLang="en-US" sz="1700" dirty="0"/>
+              <a:t> </a:t>
+            </a:r>
+            <a:r>
+              <a:rPr lang="en-US" altLang="en-US" sz="1700" i="1" dirty="0"/>
+              <a:t>instructor</a:t>
+            </a:r>
+            <a:r>
+              <a:rPr lang="en-US" altLang="en-US" sz="1700" b="1" dirty="0"/>
+              <a:t> to </a:t>
+            </a:r>
+            <a:r>
+              <a:rPr lang="en-US" altLang="en-US" sz="1700" dirty="0" err="1"/>
+              <a:t>Amit</a:t>
+            </a:r>
+            <a:r>
+              <a:rPr lang="en-US" altLang="en-US" sz="1700" b="1" dirty="0"/>
+              <a:t>;</a:t>
+            </a:r>
+            <a:endParaRPr lang="en-US" altLang="en-US" sz="1700" dirty="0"/>
+          </a:p>
+          <a:p>
+            <a:r>
+              <a:rPr lang="en-US" altLang="en-US" sz="1700" dirty="0"/>
+              <a:t>Privileges can be granted to roles:</a:t>
+            </a:r>
+            <a:endParaRPr lang="en-US" altLang="en-US" sz="1700" dirty="0"/>
+          </a:p>
+          <a:p>
+            <a:pPr lvl="1"/>
+            <a:r>
+              <a:rPr lang="en-US" altLang="en-US" sz="1700" b="1" dirty="0"/>
+              <a:t>grant</a:t>
+            </a:r>
+            <a:r>
+              <a:rPr lang="en-US" altLang="en-US" sz="1700" dirty="0"/>
+              <a:t> </a:t>
+            </a:r>
+            <a:r>
+              <a:rPr lang="en-US" altLang="en-US" sz="1700" b="1" dirty="0"/>
+              <a:t>select</a:t>
+            </a:r>
+            <a:r>
+              <a:rPr lang="en-US" altLang="en-US" sz="1700" dirty="0"/>
+              <a:t> </a:t>
+            </a:r>
+            <a:r>
+              <a:rPr lang="en-US" altLang="en-US" sz="1700" b="1" dirty="0"/>
+              <a:t>on</a:t>
+            </a:r>
+            <a:r>
+              <a:rPr lang="en-US" altLang="en-US" sz="1700" dirty="0"/>
+              <a:t> </a:t>
+            </a:r>
+            <a:r>
+              <a:rPr lang="en-US" altLang="en-US" sz="1700" i="1" dirty="0"/>
+              <a:t>takes</a:t>
+            </a:r>
+            <a:r>
+              <a:rPr lang="en-US" altLang="en-US" sz="1700" dirty="0"/>
+              <a:t> </a:t>
+            </a:r>
+            <a:r>
+              <a:rPr lang="en-US" altLang="en-US" sz="1700" b="1" dirty="0"/>
+              <a:t>to</a:t>
+            </a:r>
+            <a:r>
+              <a:rPr lang="en-US" altLang="en-US" sz="1700" dirty="0"/>
+              <a:t> </a:t>
+            </a:r>
+            <a:r>
+              <a:rPr lang="en-US" altLang="en-US" sz="1700" i="1" dirty="0"/>
+              <a:t>instructor</a:t>
+            </a:r>
+            <a:r>
+              <a:rPr lang="en-US" altLang="en-US" sz="1700" dirty="0"/>
+              <a:t>;</a:t>
+            </a:r>
+            <a:endParaRPr lang="en-US" altLang="en-US" sz="1700" dirty="0"/>
+          </a:p>
+          <a:p>
+            <a:r>
+              <a:rPr lang="en-US" altLang="en-US" sz="1700" dirty="0"/>
+              <a:t>Roles can be granted to users, as well as to other roles</a:t>
+            </a:r>
+            <a:endParaRPr lang="en-US" altLang="en-US" sz="1700" dirty="0"/>
+          </a:p>
+          <a:p>
+            <a:pPr lvl="1"/>
+            <a:r>
+              <a:rPr lang="en-US" altLang="en-US" sz="1700" b="1" dirty="0"/>
+              <a:t>create</a:t>
+            </a:r>
+            <a:r>
+              <a:rPr lang="en-US" altLang="en-US" sz="1700" dirty="0"/>
+              <a:t> </a:t>
+            </a:r>
+            <a:r>
+              <a:rPr lang="en-US" altLang="en-US" sz="1700" b="1" dirty="0"/>
+              <a:t>role</a:t>
+            </a:r>
+            <a:r>
+              <a:rPr lang="en-US" altLang="en-US" sz="1700" dirty="0"/>
+              <a:t> </a:t>
+            </a:r>
+            <a:r>
+              <a:rPr lang="en-US" altLang="en-US" sz="1700" i="1" dirty="0" err="1"/>
+              <a:t>teaching_assistant</a:t>
+            </a:r>
+            <a:endParaRPr lang="en-US" altLang="en-US" sz="1700" i="1" dirty="0"/>
+          </a:p>
+          <a:p>
+            <a:pPr lvl="1"/>
+            <a:r>
+              <a:rPr lang="en-US" altLang="en-US" sz="1700" b="1" dirty="0"/>
+              <a:t>grant</a:t>
+            </a:r>
+            <a:r>
+              <a:rPr lang="en-US" altLang="en-US" sz="1700" dirty="0"/>
+              <a:t> </a:t>
+            </a:r>
+            <a:r>
+              <a:rPr lang="en-US" altLang="en-US" sz="1700" i="1" dirty="0" err="1"/>
+              <a:t>teaching_assistant</a:t>
+            </a:r>
+            <a:r>
+              <a:rPr lang="en-US" altLang="en-US" sz="1700" dirty="0"/>
+              <a:t> </a:t>
+            </a:r>
+            <a:r>
+              <a:rPr lang="en-US" altLang="en-US" sz="1700" b="1" dirty="0"/>
+              <a:t>to</a:t>
+            </a:r>
+            <a:r>
+              <a:rPr lang="en-US" altLang="en-US" sz="1700" dirty="0"/>
+              <a:t> </a:t>
+            </a:r>
+            <a:r>
+              <a:rPr lang="en-US" altLang="en-US" sz="1700" i="1" dirty="0"/>
+              <a:t>instructor</a:t>
+            </a:r>
+            <a:r>
+              <a:rPr lang="en-US" altLang="en-US" sz="1700" dirty="0"/>
+              <a:t>;</a:t>
+            </a:r>
+            <a:endParaRPr lang="en-US" altLang="en-US" sz="1700" dirty="0"/>
+          </a:p>
+          <a:p>
+            <a:pPr lvl="2"/>
+            <a:r>
+              <a:rPr lang="en-US" altLang="en-US" sz="1700" i="1" dirty="0"/>
+              <a:t>Instructor</a:t>
+            </a:r>
+            <a:r>
+              <a:rPr lang="en-US" altLang="en-US" sz="1700" dirty="0"/>
+              <a:t> inherits all privileges of </a:t>
+            </a:r>
+            <a:r>
+              <a:rPr lang="en-US" altLang="en-US" sz="1700" i="1" dirty="0" err="1"/>
+              <a:t>teaching_assistant</a:t>
+            </a:r>
+            <a:endParaRPr lang="en-US" altLang="en-US" sz="1700" i="1" dirty="0"/>
+          </a:p>
+          <a:p>
+            <a:r>
+              <a:rPr lang="en-US" altLang="en-US" sz="1700" dirty="0"/>
+              <a:t>Chain of roles</a:t>
+            </a:r>
+            <a:endParaRPr lang="en-US" altLang="en-US" sz="1700" dirty="0"/>
+          </a:p>
+          <a:p>
+            <a:pPr lvl="1"/>
+            <a:r>
+              <a:rPr lang="en-US" altLang="en-US" sz="1700" b="1" dirty="0"/>
+              <a:t>create</a:t>
+            </a:r>
+            <a:r>
+              <a:rPr lang="en-US" altLang="en-US" sz="1700" dirty="0"/>
+              <a:t> </a:t>
+            </a:r>
+            <a:r>
+              <a:rPr lang="en-US" altLang="en-US" sz="1700" b="1" dirty="0"/>
+              <a:t>role</a:t>
+            </a:r>
+            <a:r>
+              <a:rPr lang="en-US" altLang="en-US" sz="1700" dirty="0"/>
+              <a:t> </a:t>
+            </a:r>
+            <a:r>
+              <a:rPr lang="en-US" altLang="en-US" sz="1700" i="1" dirty="0"/>
+              <a:t>dean</a:t>
+            </a:r>
+            <a:r>
+              <a:rPr lang="en-US" altLang="en-US" sz="1700" dirty="0"/>
+              <a:t>;</a:t>
+            </a:r>
+            <a:endParaRPr lang="en-US" altLang="en-US" sz="1700" dirty="0"/>
+          </a:p>
+          <a:p>
+            <a:pPr lvl="1"/>
+            <a:r>
+              <a:rPr lang="en-US" altLang="en-US" sz="1700" b="1" dirty="0"/>
+              <a:t>grant</a:t>
+            </a:r>
+            <a:r>
+              <a:rPr lang="en-US" altLang="en-US" sz="1700" dirty="0"/>
+              <a:t> </a:t>
+            </a:r>
+            <a:r>
+              <a:rPr lang="en-US" altLang="en-US" sz="1700" i="1" dirty="0"/>
+              <a:t>instructor</a:t>
+            </a:r>
+            <a:r>
+              <a:rPr lang="en-US" altLang="en-US" sz="1700" dirty="0"/>
+              <a:t> </a:t>
+            </a:r>
+            <a:r>
+              <a:rPr lang="en-US" altLang="en-US" sz="1700" b="1" dirty="0"/>
+              <a:t>to</a:t>
+            </a:r>
+            <a:r>
+              <a:rPr lang="en-US" altLang="en-US" sz="1700" dirty="0"/>
+              <a:t> </a:t>
+            </a:r>
+            <a:r>
+              <a:rPr lang="en-US" altLang="en-US" sz="1700" i="1" dirty="0"/>
+              <a:t>dean</a:t>
+            </a:r>
+            <a:r>
+              <a:rPr lang="en-US" altLang="en-US" sz="1700" dirty="0"/>
+              <a:t>;</a:t>
+            </a:r>
+            <a:endParaRPr lang="en-US" altLang="en-US" sz="1700" dirty="0"/>
+          </a:p>
+          <a:p>
+            <a:pPr lvl="1"/>
+            <a:r>
+              <a:rPr lang="en-US" altLang="en-US" sz="1700" b="1" dirty="0"/>
+              <a:t>grant</a:t>
+            </a:r>
+            <a:r>
+              <a:rPr lang="en-US" altLang="en-US" sz="1700" dirty="0"/>
+              <a:t> </a:t>
+            </a:r>
+            <a:r>
+              <a:rPr lang="en-US" altLang="en-US" sz="1700" i="1" dirty="0"/>
+              <a:t>dean</a:t>
+            </a:r>
+            <a:r>
+              <a:rPr lang="en-US" altLang="en-US" sz="1700" dirty="0"/>
+              <a:t> </a:t>
+            </a:r>
+            <a:r>
+              <a:rPr lang="en-US" altLang="en-US" sz="1700" b="1" dirty="0"/>
+              <a:t>to</a:t>
+            </a:r>
+            <a:r>
+              <a:rPr lang="en-US" altLang="en-US" sz="1700" dirty="0"/>
+              <a:t> Satoshi;</a:t>
+            </a:r>
+            <a:endParaRPr lang="en-US" altLang="en-US" sz="1700" dirty="0"/>
+          </a:p>
+          <a:p>
+            <a:endParaRPr lang="en-US" altLang="en-US" sz="2000" dirty="0"/>
+          </a:p>
+        </p:txBody>
+      </p:sp>
+    </p:spTree>
+  </p:cSld>
+  <p:clrMapOvr>
+    <a:masterClrMapping/>
+  </p:clrMapOvr>
+</p:sld>
+</file>
+
+<file path=ppt/slides/slide61.xml><?xml version="1.0" encoding="utf-8"?>
+<p:sld xmlns:a="http://schemas.openxmlformats.org/drawingml/2006/main" xmlns:r="http://schemas.openxmlformats.org/officeDocument/2006/relationships" xmlns:p="http://schemas.openxmlformats.org/presentationml/2006/main">
+  <p:cSld>
+    <p:spTree>
+      <p:nvGrpSpPr>
+        <p:cNvPr id="1" name=""/>
+        <p:cNvGrpSpPr/>
+        <p:nvPr/>
+      </p:nvGrpSpPr>
+      <p:grpSpPr>
+        <a:xfrm>
+          <a:off x="0" y="0"/>
+          <a:ext cx="0" cy="0"/>
+          <a:chOff x="0" y="0"/>
+          <a:chExt cx="0" cy="0"/>
+        </a:xfrm>
+      </p:grpSpPr>
+      <p:sp>
+        <p:nvSpPr>
           <p:cNvPr id="420866" name="Rectangle 2"/>
           <p:cNvSpPr>
             <a:spLocks noGrp="1" noChangeArrowheads="1"/>
@@ -28173,7 +29274,7 @@
 </p:sld>
 </file>
 
-<file path=ppt/slides/slide61.xml><?xml version="1.0" encoding="utf-8"?>
+<file path=ppt/slides/slide62.xml><?xml version="1.0" encoding="utf-8"?>
 <p:sld xmlns:a="http://schemas.openxmlformats.org/drawingml/2006/main" xmlns:r="http://schemas.openxmlformats.org/officeDocument/2006/relationships" xmlns:p="http://schemas.openxmlformats.org/presentationml/2006/main">
   <p:cSld>
     <p:spTree>

--- a/Slides/L10-12 Intermediate SQL.pptx
+++ b/Slides/L10-12 Intermediate SQL.pptx
@@ -26927,7 +26927,7 @@
           <a:p>
             <a:r>
               <a:rPr lang="en-US" altLang="en-US" sz="1700" dirty="0"/>
-              <a:t>It is inefficient for the system to read every record to find  a record with  particular value</a:t>
+              <a:t>It is inefficient for the system to read every record to find a record with  particular value</a:t>
             </a:r>
             <a:endParaRPr lang="en-US" altLang="en-US" sz="1700" dirty="0"/>
           </a:p>
